--- a/researchers_guide_to_code_organization_day_1.pptx
+++ b/researchers_guide_to_code_organization_day_1.pptx
@@ -5,7 +5,7 @@
     <p:sldMasterId id="2147483648" r:id="rId1"/>
   </p:sldMasterIdLst>
   <p:notesMasterIdLst>
-    <p:notesMasterId r:id="rId97"/>
+    <p:notesMasterId r:id="rId102"/>
   </p:notesMasterIdLst>
   <p:sldIdLst>
     <p:sldId id="256" r:id="rId2"/>
@@ -76,33 +76,38 @@
     <p:sldId id="356" r:id="rId67"/>
     <p:sldId id="320" r:id="rId68"/>
     <p:sldId id="363" r:id="rId69"/>
-    <p:sldId id="364" r:id="rId70"/>
-    <p:sldId id="319" r:id="rId71"/>
-    <p:sldId id="357" r:id="rId72"/>
-    <p:sldId id="360" r:id="rId73"/>
-    <p:sldId id="358" r:id="rId74"/>
-    <p:sldId id="359" r:id="rId75"/>
-    <p:sldId id="387" r:id="rId76"/>
-    <p:sldId id="361" r:id="rId77"/>
-    <p:sldId id="362" r:id="rId78"/>
-    <p:sldId id="365" r:id="rId79"/>
-    <p:sldId id="366" r:id="rId80"/>
-    <p:sldId id="367" r:id="rId81"/>
-    <p:sldId id="368" r:id="rId82"/>
-    <p:sldId id="322" r:id="rId83"/>
-    <p:sldId id="369" r:id="rId84"/>
-    <p:sldId id="371" r:id="rId85"/>
-    <p:sldId id="372" r:id="rId86"/>
-    <p:sldId id="373" r:id="rId87"/>
-    <p:sldId id="374" r:id="rId88"/>
-    <p:sldId id="375" r:id="rId89"/>
-    <p:sldId id="370" r:id="rId90"/>
-    <p:sldId id="323" r:id="rId91"/>
-    <p:sldId id="388" r:id="rId92"/>
-    <p:sldId id="324" r:id="rId93"/>
-    <p:sldId id="390" r:id="rId94"/>
-    <p:sldId id="325" r:id="rId95"/>
-    <p:sldId id="376" r:id="rId96"/>
+    <p:sldId id="407" r:id="rId70"/>
+    <p:sldId id="364" r:id="rId71"/>
+    <p:sldId id="408" r:id="rId72"/>
+    <p:sldId id="409" r:id="rId73"/>
+    <p:sldId id="319" r:id="rId74"/>
+    <p:sldId id="357" r:id="rId75"/>
+    <p:sldId id="360" r:id="rId76"/>
+    <p:sldId id="358" r:id="rId77"/>
+    <p:sldId id="359" r:id="rId78"/>
+    <p:sldId id="387" r:id="rId79"/>
+    <p:sldId id="361" r:id="rId80"/>
+    <p:sldId id="362" r:id="rId81"/>
+    <p:sldId id="365" r:id="rId82"/>
+    <p:sldId id="366" r:id="rId83"/>
+    <p:sldId id="367" r:id="rId84"/>
+    <p:sldId id="368" r:id="rId85"/>
+    <p:sldId id="322" r:id="rId86"/>
+    <p:sldId id="369" r:id="rId87"/>
+    <p:sldId id="371" r:id="rId88"/>
+    <p:sldId id="372" r:id="rId89"/>
+    <p:sldId id="373" r:id="rId90"/>
+    <p:sldId id="374" r:id="rId91"/>
+    <p:sldId id="375" r:id="rId92"/>
+    <p:sldId id="370" r:id="rId93"/>
+    <p:sldId id="323" r:id="rId94"/>
+    <p:sldId id="406" r:id="rId95"/>
+    <p:sldId id="388" r:id="rId96"/>
+    <p:sldId id="324" r:id="rId97"/>
+    <p:sldId id="390" r:id="rId98"/>
+    <p:sldId id="410" r:id="rId99"/>
+    <p:sldId id="325" r:id="rId100"/>
+    <p:sldId id="376" r:id="rId101"/>
   </p:sldIdLst>
   <p:sldSz cx="12192000" cy="6858000"/>
   <p:notesSz cx="6858000" cy="9144000"/>
@@ -215,90 +220,6 @@
 </p188:authorLst>
 </file>
 
-<file path=ppt/comments/modernComment_141_C7738B92.xml><?xml version="1.0" encoding="utf-8"?>
-<p188:cmLst xmlns:a="http://schemas.openxmlformats.org/drawingml/2006/main" xmlns:r="http://schemas.openxmlformats.org/officeDocument/2006/relationships" xmlns:p188="http://schemas.microsoft.com/office/powerpoint/2018/8/main">
-  <p188:cm id="{D166E6AF-76DC-8949-A388-78BAA650EB0B}" authorId="{A9707694-606A-15A6-FE21-F0F3F82712E9}" created="2026-02-17T21:40:55.968">
-    <ac:txMkLst xmlns:ac="http://schemas.microsoft.com/office/drawing/2013/main/command">
-      <pc:docMk xmlns:pc="http://schemas.microsoft.com/office/powerpoint/2013/main/command"/>
-      <pc:sldMk xmlns:pc="http://schemas.microsoft.com/office/powerpoint/2013/main/command" cId="3346238354" sldId="321"/>
-      <ac:spMk id="2" creationId="{DF80EE39-173A-2261-222B-2EFF5A9C761D}"/>
-      <ac:txMk cp="0" len="18">
-        <ac:context len="19" hash="812200804"/>
-      </ac:txMk>
-    </ac:txMkLst>
-    <p188:pos x="4648200" y="656908"/>
-    <p188:txBody>
-      <a:bodyPr/>
-      <a:lstStyle/>
-      <a:p>
-        <a:r>
-          <a:rPr lang="en-US"/>
-          <a:t>Add Section explaining in detail?</a:t>
-        </a:r>
-      </a:p>
-    </p188:txBody>
-  </p188:cm>
-</p188:cmLst>
-</file>
-
-<file path=ppt/comments/modernComment_14F_BE948CC.xml><?xml version="1.0" encoding="utf-8"?>
-<p188:cmLst xmlns:a="http://schemas.openxmlformats.org/drawingml/2006/main" xmlns:r="http://schemas.openxmlformats.org/officeDocument/2006/relationships" xmlns:p188="http://schemas.microsoft.com/office/powerpoint/2018/8/main">
-  <p188:cm id="{4033A9D7-0453-8A45-B864-2D1D2E9EBF2D}" authorId="{A9707694-606A-15A6-FE21-F0F3F82712E9}" created="2026-02-17T21:54:03.970">
-    <ac:txMkLst xmlns:ac="http://schemas.microsoft.com/office/drawing/2013/main/command">
-      <pc:docMk xmlns:pc="http://schemas.microsoft.com/office/powerpoint/2013/main/command"/>
-      <pc:sldMk xmlns:pc="http://schemas.microsoft.com/office/powerpoint/2013/main/command" cId="199837900" sldId="335"/>
-      <ac:spMk id="3" creationId="{686F7C1D-B7EF-318A-E8C2-9F95F333AE36}"/>
-      <ac:txMk cp="19" len="25">
-        <ac:context len="45" hash="1278756429"/>
-      </ac:txMk>
-    </ac:txMkLst>
-    <p188:pos x="4691063" y="555625"/>
-    <p188:txBody>
-      <a:bodyPr/>
-      <a:lstStyle/>
-      <a:p>
-        <a:r>
-          <a:rPr lang="en-US"/>
-          <a:t>Make an actual workable project?</a:t>
-        </a:r>
-      </a:p>
-    </p188:txBody>
-  </p188:cm>
-</p188:cmLst>
-</file>
-
-<file path=ppt/comments/modernComment_16C_7F7510FE.xml><?xml version="1.0" encoding="utf-8"?>
-<p188:cmLst xmlns:a="http://schemas.openxmlformats.org/drawingml/2006/main" xmlns:r="http://schemas.openxmlformats.org/officeDocument/2006/relationships" xmlns:p188="http://schemas.microsoft.com/office/powerpoint/2018/8/main">
-  <p188:cm id="{21DC360E-2636-3C48-BB41-C05FD78210C4}" authorId="{A9707694-606A-15A6-FE21-F0F3F82712E9}" created="2026-02-17T23:10:19.862">
-    <ac:txMkLst xmlns:ac="http://schemas.microsoft.com/office/drawing/2013/main/command">
-      <pc:docMk xmlns:pc="http://schemas.microsoft.com/office/powerpoint/2013/main/command"/>
-      <pc:sldMk xmlns:pc="http://schemas.microsoft.com/office/powerpoint/2013/main/command" cId="2138378494" sldId="364"/>
-      <ac:spMk id="2" creationId="{9ABD2D3A-B43A-94E3-A269-EF7AE02D0CD3}"/>
-      <ac:txMk cp="20" len="4">
-        <ac:context len="25" hash="1097731163"/>
-      </ac:txMk>
-    </ac:txMkLst>
-    <p188:pos x="5791200" y="656908"/>
-    <p188:txBody>
-      <a:bodyPr/>
-      <a:lstStyle/>
-      <a:p>
-        <a:r>
-          <a:rPr lang="en-US"/>
-          <a:t>Edit
-- remove git stuff
-- add live example
-- some common commands
-- different types of shells
-- plug in analogy
-- EXERCISE!</a:t>
-        </a:r>
-      </a:p>
-    </p188:txBody>
-  </p188:cm>
-</p188:cmLst>
-</file>
-
 <file path=ppt/notesMasters/notesMaster1.xml><?xml version="1.0" encoding="utf-8"?>
 <p:notesMaster xmlns:a="http://schemas.openxmlformats.org/drawingml/2006/main" xmlns:r="http://schemas.openxmlformats.org/officeDocument/2006/relationships" xmlns:p="http://schemas.openxmlformats.org/presentationml/2006/main">
   <p:cSld>
@@ -381,7 +302,7 @@
           <a:p>
             <a:fld id="{0852A73A-4261-AF44-B157-2572E11BF117}" type="datetimeFigureOut">
               <a:rPr lang="en-US" smtClean="0"/>
-              <a:t>2/18/26</a:t>
+              <a:t>2/23/26</a:t>
             </a:fld>
             <a:endParaRPr lang="en-US"/>
           </a:p>
@@ -980,7 +901,7 @@
           <a:p>
             <a:fld id="{21B0DD4A-49F6-694F-BA0E-D1F51DB36AFE}" type="datetimeFigureOut">
               <a:rPr lang="en-US" smtClean="0"/>
-              <a:t>2/18/26</a:t>
+              <a:t>2/23/26</a:t>
             </a:fld>
             <a:endParaRPr lang="en-US"/>
           </a:p>
@@ -1093,7 +1014,7 @@
           <a:p>
             <a:fld id="{21B0DD4A-49F6-694F-BA0E-D1F51DB36AFE}" type="datetimeFigureOut">
               <a:rPr lang="en-US" smtClean="0"/>
-              <a:t>2/18/26</a:t>
+              <a:t>2/23/26</a:t>
             </a:fld>
             <a:endParaRPr lang="en-US"/>
           </a:p>
@@ -1404,7 +1325,7 @@
           <a:p>
             <a:fld id="{21B0DD4A-49F6-694F-BA0E-D1F51DB36AFE}" type="datetimeFigureOut">
               <a:rPr lang="en-US" smtClean="0"/>
-              <a:t>2/18/26</a:t>
+              <a:t>2/23/26</a:t>
             </a:fld>
             <a:endParaRPr lang="en-US"/>
           </a:p>
@@ -1692,7 +1613,7 @@
           <a:p>
             <a:fld id="{21B0DD4A-49F6-694F-BA0E-D1F51DB36AFE}" type="datetimeFigureOut">
               <a:rPr lang="en-US" smtClean="0"/>
-              <a:t>2/18/26</a:t>
+              <a:t>2/23/26</a:t>
             </a:fld>
             <a:endParaRPr lang="en-US"/>
           </a:p>
@@ -1890,7 +1811,7 @@
           <a:p>
             <a:fld id="{21B0DD4A-49F6-694F-BA0E-D1F51DB36AFE}" type="datetimeFigureOut">
               <a:rPr lang="en-US" smtClean="0"/>
-              <a:t>2/18/26</a:t>
+              <a:t>2/23/26</a:t>
             </a:fld>
             <a:endParaRPr lang="en-US"/>
           </a:p>
@@ -2098,7 +2019,7 @@
           <a:p>
             <a:fld id="{21B0DD4A-49F6-694F-BA0E-D1F51DB36AFE}" type="datetimeFigureOut">
               <a:rPr lang="en-US" smtClean="0"/>
-              <a:t>2/18/26</a:t>
+              <a:t>2/23/26</a:t>
             </a:fld>
             <a:endParaRPr lang="en-US"/>
           </a:p>
@@ -2325,7 +2246,7 @@
           <a:p>
             <a:fld id="{0C56C575-D94E-F044-B574-12900C1740FB}" type="datetimeFigureOut">
               <a:rPr lang="en-US" smtClean="0"/>
-              <a:t>2/18/26</a:t>
+              <a:t>2/23/26</a:t>
             </a:fld>
             <a:endParaRPr lang="en-US"/>
           </a:p>
@@ -2573,7 +2494,7 @@
           <a:p>
             <a:fld id="{0C56C575-D94E-F044-B574-12900C1740FB}" type="datetimeFigureOut">
               <a:rPr lang="en-US" smtClean="0"/>
-              <a:t>2/18/26</a:t>
+              <a:t>2/23/26</a:t>
             </a:fld>
             <a:endParaRPr lang="en-US"/>
           </a:p>
@@ -2913,7 +2834,7 @@
           <a:p>
             <a:fld id="{0C56C575-D94E-F044-B574-12900C1740FB}" type="datetimeFigureOut">
               <a:rPr lang="en-US" smtClean="0"/>
-              <a:t>2/18/26</a:t>
+              <a:t>2/23/26</a:t>
             </a:fld>
             <a:endParaRPr lang="en-US"/>
           </a:p>
@@ -3179,7 +3100,7 @@
           <a:p>
             <a:fld id="{21B0DD4A-49F6-694F-BA0E-D1F51DB36AFE}" type="datetimeFigureOut">
               <a:rPr lang="en-US" smtClean="0"/>
-              <a:t>2/18/26</a:t>
+              <a:t>2/23/26</a:t>
             </a:fld>
             <a:endParaRPr lang="en-US"/>
           </a:p>
@@ -3454,7 +3375,7 @@
           <a:p>
             <a:fld id="{21B0DD4A-49F6-694F-BA0E-D1F51DB36AFE}" type="datetimeFigureOut">
               <a:rPr lang="en-US" smtClean="0"/>
-              <a:t>2/18/26</a:t>
+              <a:t>2/23/26</a:t>
             </a:fld>
             <a:endParaRPr lang="en-US"/>
           </a:p>
@@ -3719,7 +3640,7 @@
           <a:p>
             <a:fld id="{21B0DD4A-49F6-694F-BA0E-D1F51DB36AFE}" type="datetimeFigureOut">
               <a:rPr lang="en-US" smtClean="0"/>
-              <a:t>2/18/26</a:t>
+              <a:t>2/23/26</a:t>
             </a:fld>
             <a:endParaRPr lang="en-US"/>
           </a:p>
@@ -4131,7 +4052,7 @@
           <a:p>
             <a:fld id="{21B0DD4A-49F6-694F-BA0E-D1F51DB36AFE}" type="datetimeFigureOut">
               <a:rPr lang="en-US" smtClean="0"/>
-              <a:t>2/18/26</a:t>
+              <a:t>2/23/26</a:t>
             </a:fld>
             <a:endParaRPr lang="en-US"/>
           </a:p>
@@ -4272,7 +4193,7 @@
           <a:p>
             <a:fld id="{21B0DD4A-49F6-694F-BA0E-D1F51DB36AFE}" type="datetimeFigureOut">
               <a:rPr lang="en-US" smtClean="0"/>
-              <a:t>2/18/26</a:t>
+              <a:t>2/23/26</a:t>
             </a:fld>
             <a:endParaRPr lang="en-US"/>
           </a:p>
@@ -4513,7 +4434,7 @@
           <a:p>
             <a:fld id="{21B0DD4A-49F6-694F-BA0E-D1F51DB36AFE}" type="datetimeFigureOut">
               <a:rPr lang="en-US" smtClean="0"/>
-              <a:t>2/18/26</a:t>
+              <a:t>2/23/26</a:t>
             </a:fld>
             <a:endParaRPr lang="en-US"/>
           </a:p>
@@ -5074,6 +4995,164 @@
 </p:sld>
 </file>
 
+<file path=ppt/slides/slide100.xml><?xml version="1.0" encoding="utf-8"?>
+<p:sld xmlns:a="http://schemas.openxmlformats.org/drawingml/2006/main" xmlns:r="http://schemas.openxmlformats.org/officeDocument/2006/relationships" xmlns:p="http://schemas.openxmlformats.org/presentationml/2006/main">
+  <p:cSld>
+    <p:spTree>
+      <p:nvGrpSpPr>
+        <p:cNvPr id="1" name=""/>
+        <p:cNvGrpSpPr/>
+        <p:nvPr/>
+      </p:nvGrpSpPr>
+      <p:grpSpPr>
+        <a:xfrm>
+          <a:off x="0" y="0"/>
+          <a:ext cx="0" cy="0"/>
+          <a:chOff x="0" y="0"/>
+          <a:chExt cx="0" cy="0"/>
+        </a:xfrm>
+      </p:grpSpPr>
+      <p:sp>
+        <p:nvSpPr>
+          <p:cNvPr id="2" name="Title 1">
+            <a:extLst>
+              <a:ext uri="{FF2B5EF4-FFF2-40B4-BE49-F238E27FC236}">
+                <a16:creationId xmlns:a16="http://schemas.microsoft.com/office/drawing/2014/main" id="{868ACE8F-8CB9-B601-E23C-589F41279D22}"/>
+              </a:ext>
+            </a:extLst>
+          </p:cNvPr>
+          <p:cNvSpPr>
+            <a:spLocks noGrp="1"/>
+          </p:cNvSpPr>
+          <p:nvPr>
+            <p:ph type="title"/>
+          </p:nvPr>
+        </p:nvSpPr>
+        <p:spPr/>
+        <p:txBody>
+          <a:bodyPr/>
+          <a:lstStyle/>
+          <a:p>
+            <a:r>
+              <a:rPr lang="en-US"/>
+              <a:t>Other resources</a:t>
+            </a:r>
+          </a:p>
+        </p:txBody>
+      </p:sp>
+      <p:sp>
+        <p:nvSpPr>
+          <p:cNvPr id="3" name="Content Placeholder 2">
+            <a:extLst>
+              <a:ext uri="{FF2B5EF4-FFF2-40B4-BE49-F238E27FC236}">
+                <a16:creationId xmlns:a16="http://schemas.microsoft.com/office/drawing/2014/main" id="{5EC68873-162D-7C61-1ABC-ADC0BBB922C8}"/>
+              </a:ext>
+            </a:extLst>
+          </p:cNvPr>
+          <p:cNvSpPr>
+            <a:spLocks noGrp="1"/>
+          </p:cNvSpPr>
+          <p:nvPr>
+            <p:ph idx="1"/>
+          </p:nvPr>
+        </p:nvSpPr>
+        <p:spPr/>
+        <p:txBody>
+          <a:bodyPr>
+            <a:normAutofit lnSpcReduction="10000"/>
+          </a:bodyPr>
+          <a:lstStyle/>
+          <a:p>
+            <a:pPr marL="0" indent="0">
+              <a:buNone/>
+            </a:pPr>
+            <a:r>
+              <a:rPr lang="en-US" dirty="0"/>
+              <a:t>This cool post on file structure:</a:t>
+            </a:r>
+          </a:p>
+          <a:p>
+            <a:r>
+              <a:rPr lang="en-US" dirty="0">
+                <a:hlinkClick r:id="rId2"/>
+              </a:rPr>
+              <a:t>https://mitcommlab.mit.edu/broad/commkit/file-structure/</a:t>
+            </a:r>
+            <a:endParaRPr lang="en-US" dirty="0"/>
+          </a:p>
+          <a:p>
+            <a:endParaRPr lang="en-US" dirty="0"/>
+          </a:p>
+          <a:p>
+            <a:pPr marL="0" indent="0">
+              <a:buNone/>
+            </a:pPr>
+            <a:r>
+              <a:rPr lang="en-US" dirty="0"/>
+              <a:t>This workshop by our very own data management team:</a:t>
+            </a:r>
+          </a:p>
+          <a:p>
+            <a:r>
+              <a:rPr lang="en-US" dirty="0" err="1"/>
+              <a:t>Tobin_Magle_Data_Management_Slides</a:t>
+            </a:r>
+            <a:endParaRPr lang="en-US" dirty="0"/>
+          </a:p>
+          <a:p>
+            <a:endParaRPr lang="en-US" dirty="0"/>
+          </a:p>
+          <a:p>
+            <a:pPr marL="0" indent="0">
+              <a:buNone/>
+            </a:pPr>
+            <a:r>
+              <a:rPr lang="en-US" dirty="0"/>
+              <a:t>Related workshops by our data science team:</a:t>
+            </a:r>
+          </a:p>
+          <a:p>
+            <a:r>
+              <a:rPr lang="en-US" dirty="0">
+                <a:hlinkClick r:id="rId3"/>
+              </a:rPr>
+              <a:t>The command line</a:t>
+            </a:r>
+            <a:endParaRPr lang="en-US" dirty="0"/>
+          </a:p>
+          <a:p>
+            <a:r>
+              <a:rPr lang="en-US" dirty="0">
+                <a:hlinkClick r:id="rId4"/>
+              </a:rPr>
+              <a:t>Conda environments</a:t>
+            </a:r>
+            <a:endParaRPr lang="en-US" dirty="0"/>
+          </a:p>
+          <a:p>
+            <a:r>
+              <a:rPr lang="en-US" dirty="0">
+                <a:hlinkClick r:id="rId5"/>
+              </a:rPr>
+              <a:t>Git and GitHub</a:t>
+            </a:r>
+            <a:endParaRPr lang="en-US" dirty="0"/>
+          </a:p>
+        </p:txBody>
+      </p:sp>
+    </p:spTree>
+    <p:extLst>
+      <p:ext uri="{BB962C8B-B14F-4D97-AF65-F5344CB8AC3E}">
+        <p14:creationId xmlns:p14="http://schemas.microsoft.com/office/powerpoint/2010/main" val="1885493316"/>
+      </p:ext>
+    </p:extLst>
+  </p:cSld>
+  <p:clrMapOvr>
+    <a:masterClrMapping/>
+  </p:clrMapOvr>
+</p:sld>
+</file>
+
 <file path=ppt/slides/slide11.xml><?xml version="1.0" encoding="utf-8"?>
 <p:sld xmlns:a="http://schemas.openxmlformats.org/drawingml/2006/main" xmlns:r="http://schemas.openxmlformats.org/officeDocument/2006/relationships" xmlns:p="http://schemas.openxmlformats.org/presentationml/2006/main">
   <p:cSld>
@@ -5237,14 +5316,14 @@
             <a:pPr lvl="1"/>
             <a:r>
               <a:rPr lang="en-US" dirty="0"/>
+              <a:t>Containment</a:t>
+            </a:r>
+          </a:p>
+          <a:p>
+            <a:pPr lvl="1"/>
+            <a:r>
+              <a:rPr lang="en-US" dirty="0"/>
               <a:t>Hierarchy</a:t>
-            </a:r>
-          </a:p>
-          <a:p>
-            <a:pPr lvl="1"/>
-            <a:r>
-              <a:rPr lang="en-US" dirty="0"/>
-              <a:t>Containment</a:t>
             </a:r>
           </a:p>
           <a:p>
@@ -5323,11 +5402,6 @@
   <p:clrMapOvr>
     <a:masterClrMapping/>
   </p:clrMapOvr>
-  <p:extLst>
-    <p:ext uri="{6950BFC3-D8DA-4A85-94F7-54DA5524770B}">
-      <p188:commentRel xmlns:p188="http://schemas.microsoft.com/office/powerpoint/2018/8/main" r:id="rId3"/>
-    </p:ext>
-  </p:extLst>
 </p:sld>
 </file>
 
@@ -6491,7 +6565,11 @@
           <a:lstStyle/>
           <a:p>
             <a:r>
-              <a:rPr lang="en-US" dirty="0"/>
+              <a:rPr lang="en-US" dirty="0">
+                <a:solidFill>
+                  <a:schemeClr val="accent3"/>
+                </a:solidFill>
+              </a:rPr>
               <a:t>Examples</a:t>
             </a:r>
           </a:p>
@@ -7290,7 +7368,14 @@
           <a:p>
             <a:r>
               <a:rPr lang="en-US" dirty="0"/>
-              <a:t>Ask questions about terminology (we’ll be using a lot!)</a:t>
+              <a:t>Ask questions!</a:t>
+            </a:r>
+          </a:p>
+          <a:p>
+            <a:pPr lvl="1"/>
+            <a:r>
+              <a:rPr lang="en-US" dirty="0"/>
+              <a:t>If I use terminology and forgot to define, please ask!</a:t>
             </a:r>
           </a:p>
         </p:txBody>
@@ -10044,7 +10129,11 @@
           <a:lstStyle/>
           <a:p>
             <a:r>
-              <a:rPr lang="en-US"/>
+              <a:rPr lang="en-US" dirty="0">
+                <a:solidFill>
+                  <a:schemeClr val="accent3"/>
+                </a:solidFill>
+              </a:rPr>
               <a:t>Example</a:t>
             </a:r>
           </a:p>
@@ -10112,11 +10201,6 @@
   <p:clrMapOvr>
     <a:masterClrMapping/>
   </p:clrMapOvr>
-  <p:extLst>
-    <p:ext uri="{6950BFC3-D8DA-4A85-94F7-54DA5524770B}">
-      <p188:commentRel xmlns:p188="http://schemas.microsoft.com/office/powerpoint/2018/8/main" r:id="rId2"/>
-    </p:ext>
-  </p:extLst>
 </p:sld>
 </file>
 
@@ -10469,7 +10553,7 @@
           <a:lstStyle/>
           <a:p>
             <a:r>
-              <a:rPr lang="en-US">
+              <a:rPr lang="en-US" dirty="0">
                 <a:solidFill>
                   <a:srgbClr val="C00000"/>
                 </a:solidFill>
@@ -10504,31 +10588,31 @@
               <a:buNone/>
             </a:pPr>
             <a:r>
-              <a:rPr lang="en-US"/>
+              <a:rPr lang="en-US" dirty="0"/>
               <a:t>Grab a piece of paper and create a draft of your directory structure based on the first exercise.</a:t>
             </a:r>
           </a:p>
           <a:p>
             <a:r>
-              <a:rPr lang="en-US"/>
+              <a:rPr lang="en-US" dirty="0"/>
               <a:t>Think about where you will save files by function and by type.</a:t>
             </a:r>
           </a:p>
           <a:p>
             <a:r>
-              <a:rPr lang="en-US"/>
+              <a:rPr lang="en-US" dirty="0"/>
               <a:t>You can draw a tree diagram or write it out in linear format as above.</a:t>
             </a:r>
           </a:p>
           <a:p>
-            <a:endParaRPr lang="en-US"/>
+            <a:endParaRPr lang="en-US" dirty="0"/>
           </a:p>
           <a:p>
             <a:pPr marL="0" indent="0">
               <a:buNone/>
             </a:pPr>
             <a:r>
-              <a:rPr lang="en-US"/>
+              <a:rPr lang="en-US" dirty="0"/>
               <a:t>Then, create the respective directories in your computer!</a:t>
             </a:r>
           </a:p>
@@ -11600,45 +11684,45 @@
           <a:lstStyle/>
           <a:p>
             <a:r>
-              <a:rPr lang="en-US"/>
+              <a:rPr lang="en-US" dirty="0"/>
               <a:t>The </a:t>
             </a:r>
             <a:r>
-              <a:rPr lang="en-US" i="1"/>
+              <a:rPr lang="en-US" i="1" dirty="0"/>
               <a:t>absolute</a:t>
             </a:r>
             <a:r>
-              <a:rPr lang="en-US"/>
+              <a:rPr lang="en-US" dirty="0"/>
               <a:t> path of a file is the “address” from the root directory of your computer.</a:t>
             </a:r>
           </a:p>
           <a:p>
             <a:pPr lvl="1"/>
             <a:r>
-              <a:rPr lang="en-US" sz="1800">
+              <a:rPr lang="en-US" sz="1800" dirty="0">
                 <a:latin typeface="Andale Mono" panose="020B0509000000000004" pitchFamily="49" charset="0"/>
               </a:rPr>
               <a:t>/Users/</a:t>
             </a:r>
             <a:r>
-              <a:rPr lang="en-US" sz="1800" err="1">
+              <a:rPr lang="en-US" sz="1800" dirty="0" err="1">
                 <a:latin typeface="Andale Mono" panose="020B0509000000000004" pitchFamily="49" charset="0"/>
               </a:rPr>
               <a:t>efren</a:t>
             </a:r>
             <a:r>
-              <a:rPr lang="en-US" sz="1800">
+              <a:rPr lang="en-US" sz="1800" dirty="0">
                 <a:latin typeface="Andale Mono" panose="020B0509000000000004" pitchFamily="49" charset="0"/>
               </a:rPr>
               <a:t>/Desktop/Example/</a:t>
             </a:r>
             <a:r>
-              <a:rPr lang="en-US" sz="1800" err="1">
+              <a:rPr lang="en-US" sz="1800" dirty="0" err="1">
                 <a:latin typeface="Andale Mono" panose="020B0509000000000004" pitchFamily="49" charset="0"/>
               </a:rPr>
               <a:t>some_file.txt</a:t>
             </a:r>
-            <a:endParaRPr lang="en-US" sz="1800">
+            <a:endParaRPr lang="en-US" sz="1800" dirty="0">
               <a:latin typeface="Andale Mono" panose="020B0509000000000004" pitchFamily="49" charset="0"/>
             </a:endParaRPr>
           </a:p>
@@ -11646,37 +11730,37 @@
             <a:pPr marL="457200" lvl="1" indent="0">
               <a:buNone/>
             </a:pPr>
-            <a:endParaRPr lang="en-US" i="1"/>
-          </a:p>
-          <a:p>
-            <a:r>
-              <a:rPr lang="en-US"/>
+            <a:endParaRPr lang="en-US" i="1" dirty="0"/>
+          </a:p>
+          <a:p>
+            <a:r>
+              <a:rPr lang="en-US" dirty="0"/>
               <a:t>A </a:t>
             </a:r>
             <a:r>
-              <a:rPr lang="en-US" i="1"/>
+              <a:rPr lang="en-US" i="1" dirty="0"/>
               <a:t>relative</a:t>
             </a:r>
             <a:r>
-              <a:rPr lang="en-US"/>
+              <a:rPr lang="en-US" dirty="0"/>
               <a:t> path is the address as viewed from a different starting point. For example, if I’m on the Desktop already:</a:t>
             </a:r>
           </a:p>
           <a:p>
             <a:pPr lvl="1"/>
             <a:r>
-              <a:rPr lang="en-US" sz="1800">
+              <a:rPr lang="en-US" sz="1800" dirty="0">
                 <a:latin typeface="Andale Mono" panose="020B0509000000000004" pitchFamily="49" charset="0"/>
               </a:rPr>
-              <a:t>/Example/</a:t>
-            </a:r>
-            <a:r>
-              <a:rPr lang="en-US" sz="1800" err="1">
+              <a:t>Example/</a:t>
+            </a:r>
+            <a:r>
+              <a:rPr lang="en-US" sz="1800" dirty="0" err="1">
                 <a:latin typeface="Andale Mono" panose="020B0509000000000004" pitchFamily="49" charset="0"/>
               </a:rPr>
               <a:t>some_file.txt</a:t>
             </a:r>
-            <a:endParaRPr lang="en-US" sz="1800">
+            <a:endParaRPr lang="en-US" sz="1800" dirty="0">
               <a:latin typeface="Andale Mono" panose="020B0509000000000004" pitchFamily="49" charset="0"/>
             </a:endParaRPr>
           </a:p>
@@ -12294,7 +12378,11 @@
           <a:lstStyle/>
           <a:p>
             <a:r>
-              <a:rPr lang="en-US"/>
+              <a:rPr lang="en-US" dirty="0">
+                <a:solidFill>
+                  <a:schemeClr val="accent3"/>
+                </a:solidFill>
+              </a:rPr>
               <a:t>Example</a:t>
             </a:r>
           </a:p>
@@ -13994,105 +14082,105 @@
               <a:buNone/>
             </a:pPr>
             <a:r>
-              <a:rPr lang="en-US"/>
+              <a:rPr lang="en-US" dirty="0"/>
               <a:t>Occasionally, I generate a lot of data files within a single simulation. In this case, instead of naming:</a:t>
             </a:r>
           </a:p>
           <a:p>
             <a:pPr lvl="1"/>
             <a:r>
-              <a:rPr lang="en-US"/>
+              <a:rPr lang="en-US" dirty="0"/>
               <a:t>YYYY_MM_DD_ </a:t>
             </a:r>
             <a:r>
-              <a:rPr lang="en-US" err="1"/>
+              <a:rPr lang="en-US" dirty="0" err="1"/>
               <a:t>hh_mm_ss</a:t>
             </a:r>
             <a:r>
-              <a:rPr lang="en-US"/>
+              <a:rPr lang="en-US" dirty="0"/>
               <a:t> _simulation_001.mat</a:t>
             </a:r>
           </a:p>
           <a:p>
             <a:pPr lvl="1"/>
             <a:r>
-              <a:rPr lang="en-US"/>
+              <a:rPr lang="en-US" dirty="0"/>
               <a:t>YYYY_MM_DD_ </a:t>
             </a:r>
             <a:r>
-              <a:rPr lang="en-US" err="1"/>
+              <a:rPr lang="en-US" dirty="0" err="1"/>
               <a:t>hh_mm_ss</a:t>
             </a:r>
             <a:r>
-              <a:rPr lang="en-US"/>
+              <a:rPr lang="en-US" dirty="0"/>
               <a:t> _simulation_002.mat</a:t>
             </a:r>
           </a:p>
           <a:p>
             <a:pPr lvl="1"/>
             <a:r>
-              <a:rPr lang="en-US"/>
+              <a:rPr lang="en-US" dirty="0"/>
               <a:t>YYYY_MM_DD_hh_mm_ss_simulation_003.mat</a:t>
             </a:r>
           </a:p>
           <a:p>
-            <a:endParaRPr lang="en-US"/>
+            <a:endParaRPr lang="en-US" dirty="0"/>
           </a:p>
           <a:p>
             <a:pPr marL="0" indent="0">
               <a:buNone/>
             </a:pPr>
             <a:r>
-              <a:rPr lang="en-US"/>
+              <a:rPr lang="en-US" dirty="0"/>
               <a:t>I make a folder </a:t>
             </a:r>
             <a:r>
-              <a:rPr lang="en-US" i="1"/>
+              <a:rPr lang="en-US" i="1" dirty="0"/>
               <a:t>per run</a:t>
             </a:r>
             <a:r>
-              <a:rPr lang="en-US"/>
-              <a:t>, and save only the generated data of that run in there:</a:t>
-            </a:r>
-          </a:p>
-          <a:p>
-            <a:r>
-              <a:rPr lang="en-US" err="1"/>
+              <a:rPr lang="en-US" dirty="0"/>
+              <a:t> inside my results folder, and save only the generated data of that run in there:</a:t>
+            </a:r>
+          </a:p>
+          <a:p>
+            <a:r>
+              <a:rPr lang="en-US" dirty="0" err="1"/>
               <a:t>YYYY_MM_DD_hh_mm_ss</a:t>
             </a:r>
             <a:r>
-              <a:rPr lang="en-US"/>
+              <a:rPr lang="en-US" dirty="0"/>
               <a:t>/</a:t>
             </a:r>
           </a:p>
           <a:p>
             <a:pPr lvl="1"/>
             <a:r>
-              <a:rPr lang="en-US"/>
+              <a:rPr lang="en-US" dirty="0"/>
               <a:t>simulation_001.mat</a:t>
             </a:r>
           </a:p>
           <a:p>
             <a:pPr lvl="1"/>
             <a:r>
-              <a:rPr lang="en-US"/>
+              <a:rPr lang="en-US" dirty="0"/>
               <a:t>simulation_002.mat</a:t>
             </a:r>
           </a:p>
           <a:p>
             <a:pPr lvl="1"/>
             <a:r>
-              <a:rPr lang="en-US"/>
+              <a:rPr lang="en-US" dirty="0"/>
               <a:t>simulation_003.mat</a:t>
             </a:r>
           </a:p>
           <a:p>
             <a:pPr lvl="1"/>
             <a:r>
-              <a:rPr lang="en-US" err="1"/>
+              <a:rPr lang="en-US" dirty="0" err="1"/>
               <a:t>simulation_info.txt</a:t>
             </a:r>
-            <a:endParaRPr lang="en-US"/>
+            <a:endParaRPr lang="en-US" dirty="0"/>
           </a:p>
         </p:txBody>
       </p:sp>
@@ -15516,7 +15604,11 @@
           <a:lstStyle/>
           <a:p>
             <a:r>
-              <a:rPr lang="en-US"/>
+              <a:rPr lang="en-US" dirty="0">
+                <a:solidFill>
+                  <a:schemeClr val="accent3"/>
+                </a:solidFill>
+              </a:rPr>
               <a:t>Example</a:t>
             </a:r>
           </a:p>
@@ -16983,7 +17075,11 @@
           <a:lstStyle/>
           <a:p>
             <a:r>
-              <a:rPr lang="en-US"/>
+              <a:rPr lang="en-US" dirty="0">
+                <a:solidFill>
+                  <a:schemeClr val="accent3"/>
+                </a:solidFill>
+              </a:rPr>
               <a:t>Example</a:t>
             </a:r>
           </a:p>
@@ -17456,14 +17552,23 @@
           <a:lstStyle/>
           <a:p>
             <a:r>
-              <a:rPr lang="en-US"/>
+              <a:rPr lang="en-US" dirty="0"/>
               <a:t>You will need an editor to create and edit those files.</a:t>
             </a:r>
           </a:p>
           <a:p>
             <a:r>
-              <a:rPr lang="en-US"/>
+              <a:rPr lang="en-US" dirty="0"/>
               <a:t>IDEs help you with this. More on them later.</a:t>
+            </a:r>
+          </a:p>
+          <a:p>
+            <a:endParaRPr lang="en-US" dirty="0"/>
+          </a:p>
+          <a:p>
+            <a:r>
+              <a:rPr lang="en-US" dirty="0"/>
+              <a:t>Note: if you don’t have an IDE, you can create these files using your terminal!</a:t>
             </a:r>
           </a:p>
         </p:txBody>
@@ -18260,8 +18365,8 @@
           <a:lstStyle/>
           <a:p>
             <a:r>
-              <a:rPr lang="en-US"/>
-              <a:t>The command line interface</a:t>
+              <a:rPr lang="en-US" dirty="0"/>
+              <a:t>The command line interface (CLI)</a:t>
             </a:r>
           </a:p>
         </p:txBody>
@@ -18360,7 +18465,7 @@
           <p:cNvPr id="2" name="Title 1">
             <a:extLst>
               <a:ext uri="{FF2B5EF4-FFF2-40B4-BE49-F238E27FC236}">
-                <a16:creationId xmlns:a16="http://schemas.microsoft.com/office/drawing/2014/main" id="{9ABD2D3A-B43A-94E3-A269-EF7AE02D0CD3}"/>
+                <a16:creationId xmlns:a16="http://schemas.microsoft.com/office/drawing/2014/main" id="{A754B46F-B4C3-4DFA-87AF-90535791ED62}"/>
               </a:ext>
             </a:extLst>
           </p:cNvPr>
@@ -18377,8 +18482,8 @@
           <a:lstStyle/>
           <a:p>
             <a:r>
-              <a:rPr lang="en-US"/>
-              <a:t>Who’s afraid of the CLI?</a:t>
+              <a:rPr lang="en-US" dirty="0"/>
+              <a:t>Analogy</a:t>
             </a:r>
           </a:p>
         </p:txBody>
@@ -18388,7 +18493,7 @@
           <p:cNvPr id="3" name="Content Placeholder 2">
             <a:extLst>
               <a:ext uri="{FF2B5EF4-FFF2-40B4-BE49-F238E27FC236}">
-                <a16:creationId xmlns:a16="http://schemas.microsoft.com/office/drawing/2014/main" id="{B23728CC-A821-07DD-D251-4CE176E338FB}"/>
+                <a16:creationId xmlns:a16="http://schemas.microsoft.com/office/drawing/2014/main" id="{7D6B4C2F-3DD3-4D08-5051-E102776C7AD3}"/>
               </a:ext>
             </a:extLst>
           </p:cNvPr>
@@ -18401,44 +18506,72 @@
         </p:nvSpPr>
         <p:spPr/>
         <p:txBody>
-          <a:bodyPr/>
-          <a:lstStyle/>
-          <a:p>
-            <a:r>
-              <a:rPr lang="en-US"/>
-              <a:t>You just saw me use the terminal for my Git commands.</a:t>
-            </a:r>
-          </a:p>
-          <a:p>
-            <a:r>
-              <a:rPr lang="en-US"/>
-              <a:t>Similarly, many tools will require you to run commands from the CLI, if anything just for installation.</a:t>
-            </a:r>
-          </a:p>
-          <a:p>
-            <a:r>
-              <a:rPr lang="en-US"/>
-              <a:t>Usually, these tools have clear instructions on how to use it and what to run.</a:t>
-            </a:r>
-          </a:p>
-          <a:p>
-            <a:r>
-              <a:rPr lang="en-US"/>
-              <a:t>You don’t need to learn everything now. Important steps:</a:t>
-            </a:r>
-          </a:p>
-          <a:p>
-            <a:pPr lvl="1"/>
-            <a:r>
-              <a:rPr lang="en-US"/>
-              <a:t>Get comfortable with opening and closing it</a:t>
-            </a:r>
-          </a:p>
-          <a:p>
-            <a:pPr lvl="1"/>
-            <a:r>
-              <a:rPr lang="en-US"/>
-              <a:t>Learn how to change directories</a:t>
+          <a:bodyPr>
+            <a:normAutofit fontScale="92500" lnSpcReduction="10000"/>
+          </a:bodyPr>
+          <a:lstStyle/>
+          <a:p>
+            <a:pPr marL="0" indent="0">
+              <a:buNone/>
+            </a:pPr>
+            <a:r>
+              <a:rPr lang="en-US" dirty="0"/>
+              <a:t>When working on a </a:t>
+            </a:r>
+            <a:r>
+              <a:rPr lang="en-US" dirty="0" err="1"/>
+              <a:t>powerpoint</a:t>
+            </a:r>
+            <a:r>
+              <a:rPr lang="en-US" dirty="0"/>
+              <a:t> presentation, there are “add-ons” or “plug-ins” that help you achieve X, but are not default implementations of </a:t>
+            </a:r>
+            <a:r>
+              <a:rPr lang="en-US" dirty="0" err="1"/>
+              <a:t>powerpoint</a:t>
+            </a:r>
+            <a:r>
+              <a:rPr lang="en-US" dirty="0"/>
+              <a:t>.</a:t>
+            </a:r>
+          </a:p>
+          <a:p>
+            <a:endParaRPr lang="en-US" dirty="0"/>
+          </a:p>
+          <a:p>
+            <a:pPr marL="0" indent="0">
+              <a:buNone/>
+            </a:pPr>
+            <a:r>
+              <a:rPr lang="en-US" dirty="0"/>
+              <a:t>Similarly, programming projects often rely on external tools for specific purposes (downloading packages, version control, connecting to remote servers, etc.)</a:t>
+            </a:r>
+          </a:p>
+          <a:p>
+            <a:pPr marL="0" indent="0">
+              <a:buNone/>
+            </a:pPr>
+            <a:endParaRPr lang="en-US" dirty="0"/>
+          </a:p>
+          <a:p>
+            <a:pPr marL="0" indent="0">
+              <a:buNone/>
+            </a:pPr>
+            <a:r>
+              <a:rPr lang="en-US" dirty="0"/>
+              <a:t>These tools don’t come with a nice graphical interface (too much work!), but you can run them on the command line!</a:t>
+            </a:r>
+          </a:p>
+          <a:p>
+            <a:r>
+              <a:rPr lang="en-US" dirty="0"/>
+              <a:t>their use can be automated</a:t>
+            </a:r>
+          </a:p>
+          <a:p>
+            <a:r>
+              <a:rPr lang="en-US" dirty="0"/>
+              <a:t>commands are precise and reproducible</a:t>
             </a:r>
           </a:p>
         </p:txBody>
@@ -18446,18 +18579,13 @@
     </p:spTree>
     <p:extLst>
       <p:ext uri="{BB962C8B-B14F-4D97-AF65-F5344CB8AC3E}">
-        <p14:creationId xmlns:p14="http://schemas.microsoft.com/office/powerpoint/2010/main" val="2138378494"/>
+        <p14:creationId xmlns:p14="http://schemas.microsoft.com/office/powerpoint/2010/main" val="805262858"/>
       </p:ext>
     </p:extLst>
   </p:cSld>
   <p:clrMapOvr>
     <a:masterClrMapping/>
   </p:clrMapOvr>
-  <p:extLst>
-    <p:ext uri="{6950BFC3-D8DA-4A85-94F7-54DA5524770B}">
-      <p188:commentRel xmlns:p188="http://schemas.microsoft.com/office/powerpoint/2018/8/main" r:id="rId2"/>
-    </p:ext>
-  </p:extLst>
 </p:sld>
 </file>
 
@@ -18578,6 +18706,382 @@
 </file>
 
 <file path=ppt/slides/slide70.xml><?xml version="1.0" encoding="utf-8"?>
+<p:sld xmlns:a="http://schemas.openxmlformats.org/drawingml/2006/main" xmlns:r="http://schemas.openxmlformats.org/officeDocument/2006/relationships" xmlns:p="http://schemas.openxmlformats.org/presentationml/2006/main">
+  <p:cSld>
+    <p:spTree>
+      <p:nvGrpSpPr>
+        <p:cNvPr id="1" name=""/>
+        <p:cNvGrpSpPr/>
+        <p:nvPr/>
+      </p:nvGrpSpPr>
+      <p:grpSpPr>
+        <a:xfrm>
+          <a:off x="0" y="0"/>
+          <a:ext cx="0" cy="0"/>
+          <a:chOff x="0" y="0"/>
+          <a:chExt cx="0" cy="0"/>
+        </a:xfrm>
+      </p:grpSpPr>
+      <p:sp>
+        <p:nvSpPr>
+          <p:cNvPr id="2" name="Title 1">
+            <a:extLst>
+              <a:ext uri="{FF2B5EF4-FFF2-40B4-BE49-F238E27FC236}">
+                <a16:creationId xmlns:a16="http://schemas.microsoft.com/office/drawing/2014/main" id="{9ABD2D3A-B43A-94E3-A269-EF7AE02D0CD3}"/>
+              </a:ext>
+            </a:extLst>
+          </p:cNvPr>
+          <p:cNvSpPr>
+            <a:spLocks noGrp="1"/>
+          </p:cNvSpPr>
+          <p:nvPr>
+            <p:ph type="title"/>
+          </p:nvPr>
+        </p:nvSpPr>
+        <p:spPr/>
+        <p:txBody>
+          <a:bodyPr/>
+          <a:lstStyle/>
+          <a:p>
+            <a:r>
+              <a:rPr lang="en-US"/>
+              <a:t>Who’s afraid of the CLI?</a:t>
+            </a:r>
+          </a:p>
+        </p:txBody>
+      </p:sp>
+      <p:sp>
+        <p:nvSpPr>
+          <p:cNvPr id="3" name="Content Placeholder 2">
+            <a:extLst>
+              <a:ext uri="{FF2B5EF4-FFF2-40B4-BE49-F238E27FC236}">
+                <a16:creationId xmlns:a16="http://schemas.microsoft.com/office/drawing/2014/main" id="{B23728CC-A821-07DD-D251-4CE176E338FB}"/>
+              </a:ext>
+            </a:extLst>
+          </p:cNvPr>
+          <p:cNvSpPr>
+            <a:spLocks noGrp="1"/>
+          </p:cNvSpPr>
+          <p:nvPr>
+            <p:ph idx="1"/>
+          </p:nvPr>
+        </p:nvSpPr>
+        <p:spPr/>
+        <p:txBody>
+          <a:bodyPr/>
+          <a:lstStyle/>
+          <a:p>
+            <a:r>
+              <a:rPr lang="en-US" dirty="0"/>
+              <a:t>Many tools will require you to run commands from the CLI, if anything just for installation.</a:t>
+            </a:r>
+          </a:p>
+          <a:p>
+            <a:r>
+              <a:rPr lang="en-US" dirty="0"/>
+              <a:t>Usually, these tools have clear instructions on how to use it and what to run.</a:t>
+            </a:r>
+          </a:p>
+          <a:p>
+            <a:r>
+              <a:rPr lang="en-US" dirty="0"/>
+              <a:t>You don’t need to learn everything now. Important steps:</a:t>
+            </a:r>
+          </a:p>
+          <a:p>
+            <a:pPr lvl="1"/>
+            <a:r>
+              <a:rPr lang="en-US" dirty="0"/>
+              <a:t>Get comfortable with opening and closing it</a:t>
+            </a:r>
+          </a:p>
+          <a:p>
+            <a:pPr lvl="1"/>
+            <a:r>
+              <a:rPr lang="en-US" dirty="0"/>
+              <a:t>Learn how to change directories</a:t>
+            </a:r>
+          </a:p>
+        </p:txBody>
+      </p:sp>
+    </p:spTree>
+    <p:extLst>
+      <p:ext uri="{BB962C8B-B14F-4D97-AF65-F5344CB8AC3E}">
+        <p14:creationId xmlns:p14="http://schemas.microsoft.com/office/powerpoint/2010/main" val="2138378494"/>
+      </p:ext>
+    </p:extLst>
+  </p:cSld>
+  <p:clrMapOvr>
+    <a:masterClrMapping/>
+  </p:clrMapOvr>
+</p:sld>
+</file>
+
+<file path=ppt/slides/slide71.xml><?xml version="1.0" encoding="utf-8"?>
+<p:sld xmlns:a="http://schemas.openxmlformats.org/drawingml/2006/main" xmlns:r="http://schemas.openxmlformats.org/officeDocument/2006/relationships" xmlns:p="http://schemas.openxmlformats.org/presentationml/2006/main">
+  <p:cSld>
+    <p:spTree>
+      <p:nvGrpSpPr>
+        <p:cNvPr id="1" name=""/>
+        <p:cNvGrpSpPr/>
+        <p:nvPr/>
+      </p:nvGrpSpPr>
+      <p:grpSpPr>
+        <a:xfrm>
+          <a:off x="0" y="0"/>
+          <a:ext cx="0" cy="0"/>
+          <a:chOff x="0" y="0"/>
+          <a:chExt cx="0" cy="0"/>
+        </a:xfrm>
+      </p:grpSpPr>
+      <p:sp>
+        <p:nvSpPr>
+          <p:cNvPr id="2" name="Title 1">
+            <a:extLst>
+              <a:ext uri="{FF2B5EF4-FFF2-40B4-BE49-F238E27FC236}">
+                <a16:creationId xmlns:a16="http://schemas.microsoft.com/office/drawing/2014/main" id="{9C44BDAB-BCAC-EADF-E4B6-4484F38DBB5F}"/>
+              </a:ext>
+            </a:extLst>
+          </p:cNvPr>
+          <p:cNvSpPr>
+            <a:spLocks noGrp="1"/>
+          </p:cNvSpPr>
+          <p:nvPr>
+            <p:ph type="title"/>
+          </p:nvPr>
+        </p:nvSpPr>
+        <p:spPr/>
+        <p:txBody>
+          <a:bodyPr/>
+          <a:lstStyle/>
+          <a:p>
+            <a:r>
+              <a:rPr lang="en-US" dirty="0">
+                <a:solidFill>
+                  <a:schemeClr val="accent3"/>
+                </a:solidFill>
+              </a:rPr>
+              <a:t>Example</a:t>
+            </a:r>
+          </a:p>
+        </p:txBody>
+      </p:sp>
+      <p:sp>
+        <p:nvSpPr>
+          <p:cNvPr id="3" name="Content Placeholder 2">
+            <a:extLst>
+              <a:ext uri="{FF2B5EF4-FFF2-40B4-BE49-F238E27FC236}">
+                <a16:creationId xmlns:a16="http://schemas.microsoft.com/office/drawing/2014/main" id="{81AA3D61-A6FC-7D76-08C4-80E9232C5217}"/>
+              </a:ext>
+            </a:extLst>
+          </p:cNvPr>
+          <p:cNvSpPr>
+            <a:spLocks noGrp="1"/>
+          </p:cNvSpPr>
+          <p:nvPr>
+            <p:ph idx="1"/>
+          </p:nvPr>
+        </p:nvSpPr>
+        <p:spPr/>
+        <p:txBody>
+          <a:bodyPr/>
+          <a:lstStyle/>
+          <a:p>
+            <a:r>
+              <a:rPr lang="en-US" dirty="0"/>
+              <a:t>Changing directories</a:t>
+            </a:r>
+          </a:p>
+          <a:p>
+            <a:r>
+              <a:rPr lang="en-US" dirty="0"/>
+              <a:t>Listing directories</a:t>
+            </a:r>
+          </a:p>
+          <a:p>
+            <a:endParaRPr lang="en-US" dirty="0"/>
+          </a:p>
+          <a:p>
+            <a:r>
+              <a:rPr lang="en-US" dirty="0"/>
+              <a:t>See live example</a:t>
+            </a:r>
+          </a:p>
+        </p:txBody>
+      </p:sp>
+      <p:pic>
+        <p:nvPicPr>
+          <p:cNvPr id="5" name="Picture 4">
+            <a:extLst>
+              <a:ext uri="{FF2B5EF4-FFF2-40B4-BE49-F238E27FC236}">
+                <a16:creationId xmlns:a16="http://schemas.microsoft.com/office/drawing/2014/main" id="{8AF2031D-F6FA-D8B2-9530-E9B0961D0DAA}"/>
+              </a:ext>
+            </a:extLst>
+          </p:cNvPr>
+          <p:cNvPicPr>
+            <a:picLocks noChangeAspect="1"/>
+          </p:cNvPicPr>
+          <p:nvPr/>
+        </p:nvPicPr>
+        <p:blipFill>
+          <a:blip r:embed="rId2"/>
+          <a:stretch>
+            <a:fillRect/>
+          </a:stretch>
+        </p:blipFill>
+        <p:spPr>
+          <a:xfrm>
+            <a:off x="6018930" y="2729891"/>
+            <a:ext cx="5765800" cy="2400300"/>
+          </a:xfrm>
+          <a:prstGeom prst="rect">
+            <a:avLst/>
+          </a:prstGeom>
+        </p:spPr>
+      </p:pic>
+    </p:spTree>
+    <p:extLst>
+      <p:ext uri="{BB962C8B-B14F-4D97-AF65-F5344CB8AC3E}">
+        <p14:creationId xmlns:p14="http://schemas.microsoft.com/office/powerpoint/2010/main" val="491553599"/>
+      </p:ext>
+    </p:extLst>
+  </p:cSld>
+  <p:clrMapOvr>
+    <a:masterClrMapping/>
+  </p:clrMapOvr>
+</p:sld>
+</file>
+
+<file path=ppt/slides/slide72.xml><?xml version="1.0" encoding="utf-8"?>
+<p:sld xmlns:a="http://schemas.openxmlformats.org/drawingml/2006/main" xmlns:r="http://schemas.openxmlformats.org/officeDocument/2006/relationships" xmlns:p="http://schemas.openxmlformats.org/presentationml/2006/main">
+  <p:cSld>
+    <p:spTree>
+      <p:nvGrpSpPr>
+        <p:cNvPr id="1" name=""/>
+        <p:cNvGrpSpPr/>
+        <p:nvPr/>
+      </p:nvGrpSpPr>
+      <p:grpSpPr>
+        <a:xfrm>
+          <a:off x="0" y="0"/>
+          <a:ext cx="0" cy="0"/>
+          <a:chOff x="0" y="0"/>
+          <a:chExt cx="0" cy="0"/>
+        </a:xfrm>
+      </p:grpSpPr>
+      <p:sp>
+        <p:nvSpPr>
+          <p:cNvPr id="2" name="Title 1">
+            <a:extLst>
+              <a:ext uri="{FF2B5EF4-FFF2-40B4-BE49-F238E27FC236}">
+                <a16:creationId xmlns:a16="http://schemas.microsoft.com/office/drawing/2014/main" id="{FFFECAF2-B024-9F90-CF1B-E82C74F1A15F}"/>
+              </a:ext>
+            </a:extLst>
+          </p:cNvPr>
+          <p:cNvSpPr>
+            <a:spLocks noGrp="1"/>
+          </p:cNvSpPr>
+          <p:nvPr>
+            <p:ph type="title"/>
+          </p:nvPr>
+        </p:nvSpPr>
+        <p:spPr/>
+        <p:txBody>
+          <a:bodyPr/>
+          <a:lstStyle/>
+          <a:p>
+            <a:r>
+              <a:rPr lang="en-US" dirty="0">
+                <a:solidFill>
+                  <a:srgbClr val="C00000"/>
+                </a:solidFill>
+              </a:rPr>
+              <a:t>Exercise</a:t>
+            </a:r>
+          </a:p>
+        </p:txBody>
+      </p:sp>
+      <p:sp>
+        <p:nvSpPr>
+          <p:cNvPr id="3" name="Content Placeholder 2">
+            <a:extLst>
+              <a:ext uri="{FF2B5EF4-FFF2-40B4-BE49-F238E27FC236}">
+                <a16:creationId xmlns:a16="http://schemas.microsoft.com/office/drawing/2014/main" id="{A7EFB031-D09D-C45B-F4EE-43AB0B43CEA9}"/>
+              </a:ext>
+            </a:extLst>
+          </p:cNvPr>
+          <p:cNvSpPr>
+            <a:spLocks noGrp="1"/>
+          </p:cNvSpPr>
+          <p:nvPr>
+            <p:ph idx="1"/>
+          </p:nvPr>
+        </p:nvSpPr>
+        <p:spPr/>
+        <p:txBody>
+          <a:bodyPr/>
+          <a:lstStyle/>
+          <a:p>
+            <a:pPr marL="0" indent="0">
+              <a:buNone/>
+            </a:pPr>
+            <a:r>
+              <a:rPr lang="en-US" dirty="0"/>
+              <a:t>Open your:</a:t>
+            </a:r>
+          </a:p>
+          <a:p>
+            <a:r>
+              <a:rPr lang="en-US" dirty="0"/>
+              <a:t>PowerShell if on Windows</a:t>
+            </a:r>
+          </a:p>
+          <a:p>
+            <a:r>
+              <a:rPr lang="en-US" dirty="0"/>
+              <a:t>Terminal if on Mac</a:t>
+            </a:r>
+          </a:p>
+          <a:p>
+            <a:pPr marL="0" indent="0">
+              <a:buNone/>
+            </a:pPr>
+            <a:endParaRPr lang="en-US" dirty="0"/>
+          </a:p>
+          <a:p>
+            <a:pPr marL="514350" indent="-514350">
+              <a:buAutoNum type="arabicPeriod"/>
+            </a:pPr>
+            <a:r>
+              <a:rPr lang="en-US" dirty="0"/>
+              <a:t>Look up the commands to change directory and to list files online</a:t>
+            </a:r>
+          </a:p>
+          <a:p>
+            <a:pPr marL="514350" indent="-514350">
+              <a:buAutoNum type="arabicPeriod"/>
+            </a:pPr>
+            <a:r>
+              <a:rPr lang="en-US" dirty="0"/>
+              <a:t>Play around for a bit!</a:t>
+            </a:r>
+          </a:p>
+        </p:txBody>
+      </p:sp>
+    </p:spTree>
+    <p:extLst>
+      <p:ext uri="{BB962C8B-B14F-4D97-AF65-F5344CB8AC3E}">
+        <p14:creationId xmlns:p14="http://schemas.microsoft.com/office/powerpoint/2010/main" val="2265337583"/>
+      </p:ext>
+    </p:extLst>
+  </p:cSld>
+  <p:clrMapOvr>
+    <a:masterClrMapping/>
+  </p:clrMapOvr>
+</p:sld>
+</file>
+
+<file path=ppt/slides/slide73.xml><?xml version="1.0" encoding="utf-8"?>
 <p:sld xmlns:a="http://schemas.openxmlformats.org/drawingml/2006/main" xmlns:r="http://schemas.openxmlformats.org/officeDocument/2006/relationships" xmlns:p="http://schemas.openxmlformats.org/presentationml/2006/main">
   <p:cSld>
     <p:spTree>
@@ -19103,7 +19607,7 @@
 </p:sld>
 </file>
 
-<file path=ppt/slides/slide71.xml><?xml version="1.0" encoding="utf-8"?>
+<file path=ppt/slides/slide74.xml><?xml version="1.0" encoding="utf-8"?>
 <p:sld xmlns:a="http://schemas.openxmlformats.org/drawingml/2006/main" xmlns:r="http://schemas.openxmlformats.org/officeDocument/2006/relationships" xmlns:p="http://schemas.openxmlformats.org/presentationml/2006/main">
   <p:cSld>
     <p:spTree>
@@ -19238,7 +19742,7 @@
 </p:sld>
 </file>
 
-<file path=ppt/slides/slide72.xml><?xml version="1.0" encoding="utf-8"?>
+<file path=ppt/slides/slide75.xml><?xml version="1.0" encoding="utf-8"?>
 <p:sld xmlns:a="http://schemas.openxmlformats.org/drawingml/2006/main" xmlns:r="http://schemas.openxmlformats.org/officeDocument/2006/relationships" xmlns:p="http://schemas.openxmlformats.org/presentationml/2006/main">
   <p:cSld>
     <p:spTree>
@@ -19277,7 +19781,11 @@
           <a:lstStyle/>
           <a:p>
             <a:r>
-              <a:rPr lang="en-US"/>
+              <a:rPr lang="en-US" dirty="0">
+                <a:solidFill>
+                  <a:schemeClr val="accent3"/>
+                </a:solidFill>
+              </a:rPr>
               <a:t>Example</a:t>
             </a:r>
           </a:p>
@@ -19379,448 +19887,6 @@
 </p:sld>
 </file>
 
-<file path=ppt/slides/slide73.xml><?xml version="1.0" encoding="utf-8"?>
-<p:sld xmlns:a="http://schemas.openxmlformats.org/drawingml/2006/main" xmlns:r="http://schemas.openxmlformats.org/officeDocument/2006/relationships" xmlns:p="http://schemas.openxmlformats.org/presentationml/2006/main">
-  <p:cSld>
-    <p:spTree>
-      <p:nvGrpSpPr>
-        <p:cNvPr id="1" name=""/>
-        <p:cNvGrpSpPr/>
-        <p:nvPr/>
-      </p:nvGrpSpPr>
-      <p:grpSpPr>
-        <a:xfrm>
-          <a:off x="0" y="0"/>
-          <a:ext cx="0" cy="0"/>
-          <a:chOff x="0" y="0"/>
-          <a:chExt cx="0" cy="0"/>
-        </a:xfrm>
-      </p:grpSpPr>
-      <p:sp>
-        <p:nvSpPr>
-          <p:cNvPr id="2" name="Title 1">
-            <a:extLst>
-              <a:ext uri="{FF2B5EF4-FFF2-40B4-BE49-F238E27FC236}">
-                <a16:creationId xmlns:a16="http://schemas.microsoft.com/office/drawing/2014/main" id="{28104727-1026-C624-557E-508B0CC1F57E}"/>
-              </a:ext>
-            </a:extLst>
-          </p:cNvPr>
-          <p:cNvSpPr>
-            <a:spLocks noGrp="1"/>
-          </p:cNvSpPr>
-          <p:nvPr>
-            <p:ph type="title"/>
-          </p:nvPr>
-        </p:nvSpPr>
-        <p:spPr/>
-        <p:txBody>
-          <a:bodyPr/>
-          <a:lstStyle/>
-          <a:p>
-            <a:r>
-              <a:rPr lang="en-US"/>
-              <a:t>Git</a:t>
-            </a:r>
-          </a:p>
-        </p:txBody>
-      </p:sp>
-      <p:sp>
-        <p:nvSpPr>
-          <p:cNvPr id="3" name="Content Placeholder 2">
-            <a:extLst>
-              <a:ext uri="{FF2B5EF4-FFF2-40B4-BE49-F238E27FC236}">
-                <a16:creationId xmlns:a16="http://schemas.microsoft.com/office/drawing/2014/main" id="{140A11B7-9E7F-F4C7-7C17-FADCE8054CD6}"/>
-              </a:ext>
-            </a:extLst>
-          </p:cNvPr>
-          <p:cNvSpPr>
-            <a:spLocks noGrp="1"/>
-          </p:cNvSpPr>
-          <p:nvPr>
-            <p:ph idx="1"/>
-          </p:nvPr>
-        </p:nvSpPr>
-        <p:spPr/>
-        <p:txBody>
-          <a:bodyPr/>
-          <a:lstStyle/>
-          <a:p>
-            <a:r>
-              <a:rPr lang="en-US"/>
-              <a:t>We don’t have time to help you install and learn git, but we have materials </a:t>
-            </a:r>
-            <a:r>
-              <a:rPr lang="en-US">
-                <a:hlinkClick r:id="rId2"/>
-              </a:rPr>
-              <a:t>here</a:t>
-            </a:r>
-            <a:r>
-              <a:rPr lang="en-US"/>
-              <a:t>.</a:t>
-            </a:r>
-          </a:p>
-          <a:p>
-            <a:r>
-              <a:rPr lang="en-US"/>
-              <a:t>It’s pretty easy to use, and to get started you need to learn less than 10 words:</a:t>
-            </a:r>
-          </a:p>
-          <a:p>
-            <a:pPr lvl="1"/>
-            <a:r>
-              <a:rPr lang="en-US" err="1"/>
-              <a:t>init</a:t>
-            </a:r>
-            <a:r>
-              <a:rPr lang="en-US"/>
-              <a:t>, status, add, commit –m, rm, rm --cached</a:t>
-            </a:r>
-          </a:p>
-          <a:p>
-            <a:endParaRPr lang="en-US"/>
-          </a:p>
-          <a:p>
-            <a:r>
-              <a:rPr lang="en-US"/>
-              <a:t>(Live demonstration)</a:t>
-            </a:r>
-          </a:p>
-        </p:txBody>
-      </p:sp>
-    </p:spTree>
-    <p:extLst>
-      <p:ext uri="{BB962C8B-B14F-4D97-AF65-F5344CB8AC3E}">
-        <p14:creationId xmlns:p14="http://schemas.microsoft.com/office/powerpoint/2010/main" val="2295903059"/>
-      </p:ext>
-    </p:extLst>
-  </p:cSld>
-  <p:clrMapOvr>
-    <a:masterClrMapping/>
-  </p:clrMapOvr>
-</p:sld>
-</file>
-
-<file path=ppt/slides/slide74.xml><?xml version="1.0" encoding="utf-8"?>
-<p:sld xmlns:a="http://schemas.openxmlformats.org/drawingml/2006/main" xmlns:r="http://schemas.openxmlformats.org/officeDocument/2006/relationships" xmlns:p="http://schemas.openxmlformats.org/presentationml/2006/main">
-  <p:cSld>
-    <p:spTree>
-      <p:nvGrpSpPr>
-        <p:cNvPr id="1" name=""/>
-        <p:cNvGrpSpPr/>
-        <p:nvPr/>
-      </p:nvGrpSpPr>
-      <p:grpSpPr>
-        <a:xfrm>
-          <a:off x="0" y="0"/>
-          <a:ext cx="0" cy="0"/>
-          <a:chOff x="0" y="0"/>
-          <a:chExt cx="0" cy="0"/>
-        </a:xfrm>
-      </p:grpSpPr>
-      <p:sp>
-        <p:nvSpPr>
-          <p:cNvPr id="2" name="Title 1">
-            <a:extLst>
-              <a:ext uri="{FF2B5EF4-FFF2-40B4-BE49-F238E27FC236}">
-                <a16:creationId xmlns:a16="http://schemas.microsoft.com/office/drawing/2014/main" id="{709C7981-473C-120B-7A06-18DA0B4DDF57}"/>
-              </a:ext>
-            </a:extLst>
-          </p:cNvPr>
-          <p:cNvSpPr>
-            <a:spLocks noGrp="1"/>
-          </p:cNvSpPr>
-          <p:nvPr>
-            <p:ph type="title"/>
-          </p:nvPr>
-        </p:nvSpPr>
-        <p:spPr/>
-        <p:txBody>
-          <a:bodyPr/>
-          <a:lstStyle/>
-          <a:p>
-            <a:r>
-              <a:rPr lang="en-US"/>
-              <a:t>GitHub</a:t>
-            </a:r>
-          </a:p>
-        </p:txBody>
-      </p:sp>
-      <p:sp>
-        <p:nvSpPr>
-          <p:cNvPr id="3" name="Content Placeholder 2">
-            <a:extLst>
-              <a:ext uri="{FF2B5EF4-FFF2-40B4-BE49-F238E27FC236}">
-                <a16:creationId xmlns:a16="http://schemas.microsoft.com/office/drawing/2014/main" id="{EA01076E-512F-A670-568A-5C84C95D1B89}"/>
-              </a:ext>
-            </a:extLst>
-          </p:cNvPr>
-          <p:cNvSpPr>
-            <a:spLocks noGrp="1"/>
-          </p:cNvSpPr>
-          <p:nvPr>
-            <p:ph idx="1"/>
-          </p:nvPr>
-        </p:nvSpPr>
-        <p:spPr/>
-        <p:txBody>
-          <a:bodyPr>
-            <a:normAutofit lnSpcReduction="10000"/>
-          </a:bodyPr>
-          <a:lstStyle/>
-          <a:p>
-            <a:r>
-              <a:rPr lang="en-US"/>
-              <a:t>GitHub is a website that allows you to:</a:t>
-            </a:r>
-          </a:p>
-          <a:p>
-            <a:pPr lvl="1"/>
-            <a:r>
-              <a:rPr lang="en-US"/>
-              <a:t>Host Git repositories online</a:t>
-            </a:r>
-          </a:p>
-          <a:p>
-            <a:pPr lvl="1"/>
-            <a:r>
-              <a:rPr lang="en-US"/>
-              <a:t>Perform Git actions through a graphical interface</a:t>
-            </a:r>
-          </a:p>
-          <a:p>
-            <a:endParaRPr lang="en-US"/>
-          </a:p>
-          <a:p>
-            <a:r>
-              <a:rPr lang="en-US"/>
-              <a:t>You can sync your local project with GitHub in several ways:</a:t>
-            </a:r>
-          </a:p>
-          <a:p>
-            <a:pPr lvl="1"/>
-            <a:r>
-              <a:rPr lang="en-US"/>
-              <a:t>Through a command line interface (terminal, etc.)</a:t>
-            </a:r>
-          </a:p>
-          <a:p>
-            <a:pPr lvl="1"/>
-            <a:r>
-              <a:rPr lang="en-US"/>
-              <a:t>Through an IDE</a:t>
-            </a:r>
-          </a:p>
-          <a:p>
-            <a:pPr lvl="1"/>
-            <a:r>
-              <a:rPr lang="en-US"/>
-              <a:t>Through the GitHub Desktop App</a:t>
-            </a:r>
-          </a:p>
-          <a:p>
-            <a:endParaRPr lang="en-US"/>
-          </a:p>
-          <a:p>
-            <a:r>
-              <a:rPr lang="en-US"/>
-              <a:t>I recommend starting with the terminal, may take a bit of searching and learning but the payoff is worth it</a:t>
-            </a:r>
-          </a:p>
-        </p:txBody>
-      </p:sp>
-    </p:spTree>
-    <p:extLst>
-      <p:ext uri="{BB962C8B-B14F-4D97-AF65-F5344CB8AC3E}">
-        <p14:creationId xmlns:p14="http://schemas.microsoft.com/office/powerpoint/2010/main" val="2465539178"/>
-      </p:ext>
-    </p:extLst>
-  </p:cSld>
-  <p:clrMapOvr>
-    <a:masterClrMapping/>
-  </p:clrMapOvr>
-</p:sld>
-</file>
-
-<file path=ppt/slides/slide75.xml><?xml version="1.0" encoding="utf-8"?>
-<p:sld xmlns:a="http://schemas.openxmlformats.org/drawingml/2006/main" xmlns:r="http://schemas.openxmlformats.org/officeDocument/2006/relationships" xmlns:p="http://schemas.openxmlformats.org/presentationml/2006/main">
-  <p:cSld>
-    <p:spTree>
-      <p:nvGrpSpPr>
-        <p:cNvPr id="1" name=""/>
-        <p:cNvGrpSpPr/>
-        <p:nvPr/>
-      </p:nvGrpSpPr>
-      <p:grpSpPr>
-        <a:xfrm>
-          <a:off x="0" y="0"/>
-          <a:ext cx="0" cy="0"/>
-          <a:chOff x="0" y="0"/>
-          <a:chExt cx="0" cy="0"/>
-        </a:xfrm>
-      </p:grpSpPr>
-      <p:sp>
-        <p:nvSpPr>
-          <p:cNvPr id="2" name="Title 1">
-            <a:extLst>
-              <a:ext uri="{FF2B5EF4-FFF2-40B4-BE49-F238E27FC236}">
-                <a16:creationId xmlns:a16="http://schemas.microsoft.com/office/drawing/2014/main" id="{E89094BB-6670-F2C0-05B1-BE2ECFCF59B2}"/>
-              </a:ext>
-            </a:extLst>
-          </p:cNvPr>
-          <p:cNvSpPr>
-            <a:spLocks noGrp="1"/>
-          </p:cNvSpPr>
-          <p:nvPr>
-            <p:ph type="title"/>
-          </p:nvPr>
-        </p:nvSpPr>
-        <p:spPr/>
-        <p:txBody>
-          <a:bodyPr/>
-          <a:lstStyle/>
-          <a:p>
-            <a:r>
-              <a:rPr lang="en-US"/>
-              <a:t>.</a:t>
-            </a:r>
-            <a:r>
-              <a:rPr lang="en-US" err="1"/>
-              <a:t>gitignore</a:t>
-            </a:r>
-            <a:endParaRPr lang="en-US"/>
-          </a:p>
-        </p:txBody>
-      </p:sp>
-      <p:sp>
-        <p:nvSpPr>
-          <p:cNvPr id="3" name="Content Placeholder 2">
-            <a:extLst>
-              <a:ext uri="{FF2B5EF4-FFF2-40B4-BE49-F238E27FC236}">
-                <a16:creationId xmlns:a16="http://schemas.microsoft.com/office/drawing/2014/main" id="{7D9E2416-0CF7-4801-8C1C-443CD0341C67}"/>
-              </a:ext>
-            </a:extLst>
-          </p:cNvPr>
-          <p:cNvSpPr>
-            <a:spLocks noGrp="1"/>
-          </p:cNvSpPr>
-          <p:nvPr>
-            <p:ph idx="1"/>
-          </p:nvPr>
-        </p:nvSpPr>
-        <p:spPr/>
-        <p:txBody>
-          <a:bodyPr/>
-          <a:lstStyle/>
-          <a:p>
-            <a:pPr marL="0" indent="0">
-              <a:buNone/>
-            </a:pPr>
-            <a:r>
-              <a:rPr lang="en-US" b="1">
-                <a:solidFill>
-                  <a:srgbClr val="FF0000"/>
-                </a:solidFill>
-              </a:rPr>
-              <a:t>VERY IMPORTANT</a:t>
-            </a:r>
-          </a:p>
-          <a:p>
-            <a:pPr marL="0" indent="0">
-              <a:buNone/>
-            </a:pPr>
-            <a:r>
-              <a:rPr lang="en-US"/>
-              <a:t>The </a:t>
-            </a:r>
-            <a:r>
-              <a:rPr lang="en-US" i="1"/>
-              <a:t>.</a:t>
-            </a:r>
-            <a:r>
-              <a:rPr lang="en-US" i="1" err="1"/>
-              <a:t>gitignore</a:t>
-            </a:r>
-            <a:r>
-              <a:rPr lang="en-US"/>
-              <a:t> file tells Git which files to ignore. This is a very important file if you use GitHub or another public repository to avoid sharing </a:t>
-            </a:r>
-            <a:r>
-              <a:rPr lang="en-US" b="1"/>
-              <a:t>secret information</a:t>
-            </a:r>
-            <a:r>
-              <a:rPr lang="en-US"/>
-              <a:t> (for example API keys) online.</a:t>
-            </a:r>
-          </a:p>
-          <a:p>
-            <a:pPr marL="0" indent="0">
-              <a:buNone/>
-            </a:pPr>
-            <a:endParaRPr lang="en-US"/>
-          </a:p>
-          <a:p>
-            <a:pPr marL="0" indent="0">
-              <a:buNone/>
-            </a:pPr>
-            <a:r>
-              <a:rPr lang="en-US"/>
-              <a:t>You can find </a:t>
-            </a:r>
-            <a:r>
-              <a:rPr lang="en-US" i="1"/>
-              <a:t>.</a:t>
-            </a:r>
-            <a:r>
-              <a:rPr lang="en-US" i="1" err="1"/>
-              <a:t>gitignore</a:t>
-            </a:r>
-            <a:r>
-              <a:rPr lang="en-US"/>
-              <a:t> templates for your favorite programming language </a:t>
-            </a:r>
-            <a:r>
-              <a:rPr lang="en-US">
-                <a:hlinkClick r:id="rId2"/>
-              </a:rPr>
-              <a:t>here</a:t>
-            </a:r>
-            <a:r>
-              <a:rPr lang="en-US"/>
-              <a:t>.</a:t>
-            </a:r>
-          </a:p>
-          <a:p>
-            <a:pPr marL="0" indent="0">
-              <a:buNone/>
-            </a:pPr>
-            <a:endParaRPr lang="en-US"/>
-          </a:p>
-          <a:p>
-            <a:pPr marL="0" indent="0">
-              <a:buNone/>
-            </a:pPr>
-            <a:r>
-              <a:rPr lang="en-US"/>
-              <a:t>Never upload secret or sensitive information to GitHub!!</a:t>
-            </a:r>
-          </a:p>
-        </p:txBody>
-      </p:sp>
-    </p:spTree>
-    <p:extLst>
-      <p:ext uri="{BB962C8B-B14F-4D97-AF65-F5344CB8AC3E}">
-        <p14:creationId xmlns:p14="http://schemas.microsoft.com/office/powerpoint/2010/main" val="2456380725"/>
-      </p:ext>
-    </p:extLst>
-  </p:cSld>
-  <p:clrMapOvr>
-    <a:masterClrMapping/>
-  </p:clrMapOvr>
-</p:sld>
-</file>
-
 <file path=ppt/slides/slide76.xml><?xml version="1.0" encoding="utf-8"?>
 <p:sld xmlns:a="http://schemas.openxmlformats.org/drawingml/2006/main" xmlns:r="http://schemas.openxmlformats.org/officeDocument/2006/relationships" xmlns:p="http://schemas.openxmlformats.org/presentationml/2006/main">
   <p:cSld>
@@ -19843,6 +19909,448 @@
           <p:cNvPr id="2" name="Title 1">
             <a:extLst>
               <a:ext uri="{FF2B5EF4-FFF2-40B4-BE49-F238E27FC236}">
+                <a16:creationId xmlns:a16="http://schemas.microsoft.com/office/drawing/2014/main" id="{28104727-1026-C624-557E-508B0CC1F57E}"/>
+              </a:ext>
+            </a:extLst>
+          </p:cNvPr>
+          <p:cNvSpPr>
+            <a:spLocks noGrp="1"/>
+          </p:cNvSpPr>
+          <p:nvPr>
+            <p:ph type="title"/>
+          </p:nvPr>
+        </p:nvSpPr>
+        <p:spPr/>
+        <p:txBody>
+          <a:bodyPr/>
+          <a:lstStyle/>
+          <a:p>
+            <a:r>
+              <a:rPr lang="en-US"/>
+              <a:t>Git</a:t>
+            </a:r>
+          </a:p>
+        </p:txBody>
+      </p:sp>
+      <p:sp>
+        <p:nvSpPr>
+          <p:cNvPr id="3" name="Content Placeholder 2">
+            <a:extLst>
+              <a:ext uri="{FF2B5EF4-FFF2-40B4-BE49-F238E27FC236}">
+                <a16:creationId xmlns:a16="http://schemas.microsoft.com/office/drawing/2014/main" id="{140A11B7-9E7F-F4C7-7C17-FADCE8054CD6}"/>
+              </a:ext>
+            </a:extLst>
+          </p:cNvPr>
+          <p:cNvSpPr>
+            <a:spLocks noGrp="1"/>
+          </p:cNvSpPr>
+          <p:nvPr>
+            <p:ph idx="1"/>
+          </p:nvPr>
+        </p:nvSpPr>
+        <p:spPr/>
+        <p:txBody>
+          <a:bodyPr/>
+          <a:lstStyle/>
+          <a:p>
+            <a:r>
+              <a:rPr lang="en-US"/>
+              <a:t>We don’t have time to help you install and learn git, but we have materials </a:t>
+            </a:r>
+            <a:r>
+              <a:rPr lang="en-US">
+                <a:hlinkClick r:id="rId2"/>
+              </a:rPr>
+              <a:t>here</a:t>
+            </a:r>
+            <a:r>
+              <a:rPr lang="en-US"/>
+              <a:t>.</a:t>
+            </a:r>
+          </a:p>
+          <a:p>
+            <a:r>
+              <a:rPr lang="en-US"/>
+              <a:t>It’s pretty easy to use, and to get started you need to learn less than 10 words:</a:t>
+            </a:r>
+          </a:p>
+          <a:p>
+            <a:pPr lvl="1"/>
+            <a:r>
+              <a:rPr lang="en-US" err="1"/>
+              <a:t>init</a:t>
+            </a:r>
+            <a:r>
+              <a:rPr lang="en-US"/>
+              <a:t>, status, add, commit –m, rm, rm --cached</a:t>
+            </a:r>
+          </a:p>
+          <a:p>
+            <a:endParaRPr lang="en-US"/>
+          </a:p>
+          <a:p>
+            <a:r>
+              <a:rPr lang="en-US"/>
+              <a:t>(Live demonstration)</a:t>
+            </a:r>
+          </a:p>
+        </p:txBody>
+      </p:sp>
+    </p:spTree>
+    <p:extLst>
+      <p:ext uri="{BB962C8B-B14F-4D97-AF65-F5344CB8AC3E}">
+        <p14:creationId xmlns:p14="http://schemas.microsoft.com/office/powerpoint/2010/main" val="2295903059"/>
+      </p:ext>
+    </p:extLst>
+  </p:cSld>
+  <p:clrMapOvr>
+    <a:masterClrMapping/>
+  </p:clrMapOvr>
+</p:sld>
+</file>
+
+<file path=ppt/slides/slide77.xml><?xml version="1.0" encoding="utf-8"?>
+<p:sld xmlns:a="http://schemas.openxmlformats.org/drawingml/2006/main" xmlns:r="http://schemas.openxmlformats.org/officeDocument/2006/relationships" xmlns:p="http://schemas.openxmlformats.org/presentationml/2006/main">
+  <p:cSld>
+    <p:spTree>
+      <p:nvGrpSpPr>
+        <p:cNvPr id="1" name=""/>
+        <p:cNvGrpSpPr/>
+        <p:nvPr/>
+      </p:nvGrpSpPr>
+      <p:grpSpPr>
+        <a:xfrm>
+          <a:off x="0" y="0"/>
+          <a:ext cx="0" cy="0"/>
+          <a:chOff x="0" y="0"/>
+          <a:chExt cx="0" cy="0"/>
+        </a:xfrm>
+      </p:grpSpPr>
+      <p:sp>
+        <p:nvSpPr>
+          <p:cNvPr id="2" name="Title 1">
+            <a:extLst>
+              <a:ext uri="{FF2B5EF4-FFF2-40B4-BE49-F238E27FC236}">
+                <a16:creationId xmlns:a16="http://schemas.microsoft.com/office/drawing/2014/main" id="{709C7981-473C-120B-7A06-18DA0B4DDF57}"/>
+              </a:ext>
+            </a:extLst>
+          </p:cNvPr>
+          <p:cNvSpPr>
+            <a:spLocks noGrp="1"/>
+          </p:cNvSpPr>
+          <p:nvPr>
+            <p:ph type="title"/>
+          </p:nvPr>
+        </p:nvSpPr>
+        <p:spPr/>
+        <p:txBody>
+          <a:bodyPr/>
+          <a:lstStyle/>
+          <a:p>
+            <a:r>
+              <a:rPr lang="en-US"/>
+              <a:t>GitHub</a:t>
+            </a:r>
+          </a:p>
+        </p:txBody>
+      </p:sp>
+      <p:sp>
+        <p:nvSpPr>
+          <p:cNvPr id="3" name="Content Placeholder 2">
+            <a:extLst>
+              <a:ext uri="{FF2B5EF4-FFF2-40B4-BE49-F238E27FC236}">
+                <a16:creationId xmlns:a16="http://schemas.microsoft.com/office/drawing/2014/main" id="{EA01076E-512F-A670-568A-5C84C95D1B89}"/>
+              </a:ext>
+            </a:extLst>
+          </p:cNvPr>
+          <p:cNvSpPr>
+            <a:spLocks noGrp="1"/>
+          </p:cNvSpPr>
+          <p:nvPr>
+            <p:ph idx="1"/>
+          </p:nvPr>
+        </p:nvSpPr>
+        <p:spPr/>
+        <p:txBody>
+          <a:bodyPr>
+            <a:normAutofit lnSpcReduction="10000"/>
+          </a:bodyPr>
+          <a:lstStyle/>
+          <a:p>
+            <a:r>
+              <a:rPr lang="en-US"/>
+              <a:t>GitHub is a website that allows you to:</a:t>
+            </a:r>
+          </a:p>
+          <a:p>
+            <a:pPr lvl="1"/>
+            <a:r>
+              <a:rPr lang="en-US"/>
+              <a:t>Host Git repositories online</a:t>
+            </a:r>
+          </a:p>
+          <a:p>
+            <a:pPr lvl="1"/>
+            <a:r>
+              <a:rPr lang="en-US"/>
+              <a:t>Perform Git actions through a graphical interface</a:t>
+            </a:r>
+          </a:p>
+          <a:p>
+            <a:endParaRPr lang="en-US"/>
+          </a:p>
+          <a:p>
+            <a:r>
+              <a:rPr lang="en-US"/>
+              <a:t>You can sync your local project with GitHub in several ways:</a:t>
+            </a:r>
+          </a:p>
+          <a:p>
+            <a:pPr lvl="1"/>
+            <a:r>
+              <a:rPr lang="en-US"/>
+              <a:t>Through a command line interface (terminal, etc.)</a:t>
+            </a:r>
+          </a:p>
+          <a:p>
+            <a:pPr lvl="1"/>
+            <a:r>
+              <a:rPr lang="en-US"/>
+              <a:t>Through an IDE</a:t>
+            </a:r>
+          </a:p>
+          <a:p>
+            <a:pPr lvl="1"/>
+            <a:r>
+              <a:rPr lang="en-US"/>
+              <a:t>Through the GitHub Desktop App</a:t>
+            </a:r>
+          </a:p>
+          <a:p>
+            <a:endParaRPr lang="en-US"/>
+          </a:p>
+          <a:p>
+            <a:r>
+              <a:rPr lang="en-US"/>
+              <a:t>I recommend starting with the terminal, may take a bit of searching and learning but the payoff is worth it</a:t>
+            </a:r>
+          </a:p>
+        </p:txBody>
+      </p:sp>
+    </p:spTree>
+    <p:extLst>
+      <p:ext uri="{BB962C8B-B14F-4D97-AF65-F5344CB8AC3E}">
+        <p14:creationId xmlns:p14="http://schemas.microsoft.com/office/powerpoint/2010/main" val="2465539178"/>
+      </p:ext>
+    </p:extLst>
+  </p:cSld>
+  <p:clrMapOvr>
+    <a:masterClrMapping/>
+  </p:clrMapOvr>
+</p:sld>
+</file>
+
+<file path=ppt/slides/slide78.xml><?xml version="1.0" encoding="utf-8"?>
+<p:sld xmlns:a="http://schemas.openxmlformats.org/drawingml/2006/main" xmlns:r="http://schemas.openxmlformats.org/officeDocument/2006/relationships" xmlns:p="http://schemas.openxmlformats.org/presentationml/2006/main">
+  <p:cSld>
+    <p:spTree>
+      <p:nvGrpSpPr>
+        <p:cNvPr id="1" name=""/>
+        <p:cNvGrpSpPr/>
+        <p:nvPr/>
+      </p:nvGrpSpPr>
+      <p:grpSpPr>
+        <a:xfrm>
+          <a:off x="0" y="0"/>
+          <a:ext cx="0" cy="0"/>
+          <a:chOff x="0" y="0"/>
+          <a:chExt cx="0" cy="0"/>
+        </a:xfrm>
+      </p:grpSpPr>
+      <p:sp>
+        <p:nvSpPr>
+          <p:cNvPr id="2" name="Title 1">
+            <a:extLst>
+              <a:ext uri="{FF2B5EF4-FFF2-40B4-BE49-F238E27FC236}">
+                <a16:creationId xmlns:a16="http://schemas.microsoft.com/office/drawing/2014/main" id="{E89094BB-6670-F2C0-05B1-BE2ECFCF59B2}"/>
+              </a:ext>
+            </a:extLst>
+          </p:cNvPr>
+          <p:cNvSpPr>
+            <a:spLocks noGrp="1"/>
+          </p:cNvSpPr>
+          <p:nvPr>
+            <p:ph type="title"/>
+          </p:nvPr>
+        </p:nvSpPr>
+        <p:spPr/>
+        <p:txBody>
+          <a:bodyPr/>
+          <a:lstStyle/>
+          <a:p>
+            <a:r>
+              <a:rPr lang="en-US"/>
+              <a:t>.</a:t>
+            </a:r>
+            <a:r>
+              <a:rPr lang="en-US" err="1"/>
+              <a:t>gitignore</a:t>
+            </a:r>
+            <a:endParaRPr lang="en-US"/>
+          </a:p>
+        </p:txBody>
+      </p:sp>
+      <p:sp>
+        <p:nvSpPr>
+          <p:cNvPr id="3" name="Content Placeholder 2">
+            <a:extLst>
+              <a:ext uri="{FF2B5EF4-FFF2-40B4-BE49-F238E27FC236}">
+                <a16:creationId xmlns:a16="http://schemas.microsoft.com/office/drawing/2014/main" id="{7D9E2416-0CF7-4801-8C1C-443CD0341C67}"/>
+              </a:ext>
+            </a:extLst>
+          </p:cNvPr>
+          <p:cNvSpPr>
+            <a:spLocks noGrp="1"/>
+          </p:cNvSpPr>
+          <p:nvPr>
+            <p:ph idx="1"/>
+          </p:nvPr>
+        </p:nvSpPr>
+        <p:spPr/>
+        <p:txBody>
+          <a:bodyPr/>
+          <a:lstStyle/>
+          <a:p>
+            <a:pPr marL="0" indent="0">
+              <a:buNone/>
+            </a:pPr>
+            <a:r>
+              <a:rPr lang="en-US" b="1">
+                <a:solidFill>
+                  <a:srgbClr val="FF0000"/>
+                </a:solidFill>
+              </a:rPr>
+              <a:t>VERY IMPORTANT</a:t>
+            </a:r>
+          </a:p>
+          <a:p>
+            <a:pPr marL="0" indent="0">
+              <a:buNone/>
+            </a:pPr>
+            <a:r>
+              <a:rPr lang="en-US"/>
+              <a:t>The </a:t>
+            </a:r>
+            <a:r>
+              <a:rPr lang="en-US" i="1"/>
+              <a:t>.</a:t>
+            </a:r>
+            <a:r>
+              <a:rPr lang="en-US" i="1" err="1"/>
+              <a:t>gitignore</a:t>
+            </a:r>
+            <a:r>
+              <a:rPr lang="en-US"/>
+              <a:t> file tells Git which files to ignore. This is a very important file if you use GitHub or another public repository to avoid sharing </a:t>
+            </a:r>
+            <a:r>
+              <a:rPr lang="en-US" b="1"/>
+              <a:t>secret information</a:t>
+            </a:r>
+            <a:r>
+              <a:rPr lang="en-US"/>
+              <a:t> (for example API keys) online.</a:t>
+            </a:r>
+          </a:p>
+          <a:p>
+            <a:pPr marL="0" indent="0">
+              <a:buNone/>
+            </a:pPr>
+            <a:endParaRPr lang="en-US"/>
+          </a:p>
+          <a:p>
+            <a:pPr marL="0" indent="0">
+              <a:buNone/>
+            </a:pPr>
+            <a:r>
+              <a:rPr lang="en-US"/>
+              <a:t>You can find </a:t>
+            </a:r>
+            <a:r>
+              <a:rPr lang="en-US" i="1"/>
+              <a:t>.</a:t>
+            </a:r>
+            <a:r>
+              <a:rPr lang="en-US" i="1" err="1"/>
+              <a:t>gitignore</a:t>
+            </a:r>
+            <a:r>
+              <a:rPr lang="en-US"/>
+              <a:t> templates for your favorite programming language </a:t>
+            </a:r>
+            <a:r>
+              <a:rPr lang="en-US">
+                <a:hlinkClick r:id="rId2"/>
+              </a:rPr>
+              <a:t>here</a:t>
+            </a:r>
+            <a:r>
+              <a:rPr lang="en-US"/>
+              <a:t>.</a:t>
+            </a:r>
+          </a:p>
+          <a:p>
+            <a:pPr marL="0" indent="0">
+              <a:buNone/>
+            </a:pPr>
+            <a:endParaRPr lang="en-US"/>
+          </a:p>
+          <a:p>
+            <a:pPr marL="0" indent="0">
+              <a:buNone/>
+            </a:pPr>
+            <a:r>
+              <a:rPr lang="en-US"/>
+              <a:t>Never upload secret or sensitive information to GitHub!!</a:t>
+            </a:r>
+          </a:p>
+        </p:txBody>
+      </p:sp>
+    </p:spTree>
+    <p:extLst>
+      <p:ext uri="{BB962C8B-B14F-4D97-AF65-F5344CB8AC3E}">
+        <p14:creationId xmlns:p14="http://schemas.microsoft.com/office/powerpoint/2010/main" val="2456380725"/>
+      </p:ext>
+    </p:extLst>
+  </p:cSld>
+  <p:clrMapOvr>
+    <a:masterClrMapping/>
+  </p:clrMapOvr>
+</p:sld>
+</file>
+
+<file path=ppt/slides/slide79.xml><?xml version="1.0" encoding="utf-8"?>
+<p:sld xmlns:a="http://schemas.openxmlformats.org/drawingml/2006/main" xmlns:r="http://schemas.openxmlformats.org/officeDocument/2006/relationships" xmlns:p="http://schemas.openxmlformats.org/presentationml/2006/main">
+  <p:cSld>
+    <p:spTree>
+      <p:nvGrpSpPr>
+        <p:cNvPr id="1" name=""/>
+        <p:cNvGrpSpPr/>
+        <p:nvPr/>
+      </p:nvGrpSpPr>
+      <p:grpSpPr>
+        <a:xfrm>
+          <a:off x="0" y="0"/>
+          <a:ext cx="0" cy="0"/>
+          <a:chOff x="0" y="0"/>
+          <a:chExt cx="0" cy="0"/>
+        </a:xfrm>
+      </p:grpSpPr>
+      <p:sp>
+        <p:nvSpPr>
+          <p:cNvPr id="2" name="Title 1">
+            <a:extLst>
+              <a:ext uri="{FF2B5EF4-FFF2-40B4-BE49-F238E27FC236}">
                 <a16:creationId xmlns:a16="http://schemas.microsoft.com/office/drawing/2014/main" id="{6389B47E-16D6-6634-1B0D-80E60780EF3F}"/>
               </a:ext>
             </a:extLst>
@@ -19919,7 +20427,95 @@
 </p:sld>
 </file>
 
-<file path=ppt/slides/slide77.xml><?xml version="1.0" encoding="utf-8"?>
+<file path=ppt/slides/slide8.xml><?xml version="1.0" encoding="utf-8"?>
+<p:sld xmlns:a="http://schemas.openxmlformats.org/drawingml/2006/main" xmlns:r="http://schemas.openxmlformats.org/officeDocument/2006/relationships" xmlns:p="http://schemas.openxmlformats.org/presentationml/2006/main">
+  <p:cSld>
+    <p:spTree>
+      <p:nvGrpSpPr>
+        <p:cNvPr id="1" name=""/>
+        <p:cNvGrpSpPr/>
+        <p:nvPr/>
+      </p:nvGrpSpPr>
+      <p:grpSpPr>
+        <a:xfrm>
+          <a:off x="0" y="0"/>
+          <a:ext cx="0" cy="0"/>
+          <a:chOff x="0" y="0"/>
+          <a:chExt cx="0" cy="0"/>
+        </a:xfrm>
+      </p:grpSpPr>
+      <p:sp>
+        <p:nvSpPr>
+          <p:cNvPr id="2" name="Title 1">
+            <a:extLst>
+              <a:ext uri="{FF2B5EF4-FFF2-40B4-BE49-F238E27FC236}">
+                <a16:creationId xmlns:a16="http://schemas.microsoft.com/office/drawing/2014/main" id="{F47BD384-73E9-51DA-1BD7-FEB01A73BD51}"/>
+              </a:ext>
+            </a:extLst>
+          </p:cNvPr>
+          <p:cNvSpPr>
+            <a:spLocks noGrp="1"/>
+          </p:cNvSpPr>
+          <p:nvPr>
+            <p:ph type="title"/>
+          </p:nvPr>
+        </p:nvSpPr>
+        <p:spPr/>
+        <p:txBody>
+          <a:bodyPr/>
+          <a:lstStyle/>
+          <a:p>
+            <a:r>
+              <a:rPr lang="en-US" dirty="0"/>
+              <a:t>Day 1- Overview</a:t>
+            </a:r>
+          </a:p>
+        </p:txBody>
+      </p:sp>
+      <p:pic>
+        <p:nvPicPr>
+          <p:cNvPr id="3" name="Picture 2">
+            <a:extLst>
+              <a:ext uri="{FF2B5EF4-FFF2-40B4-BE49-F238E27FC236}">
+                <a16:creationId xmlns:a16="http://schemas.microsoft.com/office/drawing/2014/main" id="{B266CFB6-43D5-5AB9-6BF9-DC94201E69D7}"/>
+              </a:ext>
+            </a:extLst>
+          </p:cNvPr>
+          <p:cNvPicPr>
+            <a:picLocks noChangeAspect="1"/>
+          </p:cNvPicPr>
+          <p:nvPr/>
+        </p:nvPicPr>
+        <p:blipFill>
+          <a:blip r:embed="rId2"/>
+          <a:stretch>
+            <a:fillRect/>
+          </a:stretch>
+        </p:blipFill>
+        <p:spPr>
+          <a:xfrm>
+            <a:off x="2062655" y="1293622"/>
+            <a:ext cx="7772400" cy="5237706"/>
+          </a:xfrm>
+          <a:prstGeom prst="rect">
+            <a:avLst/>
+          </a:prstGeom>
+        </p:spPr>
+      </p:pic>
+    </p:spTree>
+    <p:extLst>
+      <p:ext uri="{BB962C8B-B14F-4D97-AF65-F5344CB8AC3E}">
+        <p14:creationId xmlns:p14="http://schemas.microsoft.com/office/powerpoint/2010/main" val="4224307627"/>
+      </p:ext>
+    </p:extLst>
+  </p:cSld>
+  <p:clrMapOvr>
+    <a:masterClrMapping/>
+  </p:clrMapOvr>
+</p:sld>
+</file>
+
+<file path=ppt/slides/slide80.xml><?xml version="1.0" encoding="utf-8"?>
 <p:sld xmlns:a="http://schemas.openxmlformats.org/drawingml/2006/main" xmlns:r="http://schemas.openxmlformats.org/officeDocument/2006/relationships" xmlns:p="http://schemas.openxmlformats.org/presentationml/2006/main">
   <p:cSld>
     <p:spTree>
@@ -20445,567 +21041,6 @@
 </p:sld>
 </file>
 
-<file path=ppt/slides/slide78.xml><?xml version="1.0" encoding="utf-8"?>
-<p:sld xmlns:a="http://schemas.openxmlformats.org/drawingml/2006/main" xmlns:r="http://schemas.openxmlformats.org/officeDocument/2006/relationships" xmlns:p="http://schemas.openxmlformats.org/presentationml/2006/main">
-  <p:cSld>
-    <p:spTree>
-      <p:nvGrpSpPr>
-        <p:cNvPr id="1" name=""/>
-        <p:cNvGrpSpPr/>
-        <p:nvPr/>
-      </p:nvGrpSpPr>
-      <p:grpSpPr>
-        <a:xfrm>
-          <a:off x="0" y="0"/>
-          <a:ext cx="0" cy="0"/>
-          <a:chOff x="0" y="0"/>
-          <a:chExt cx="0" cy="0"/>
-        </a:xfrm>
-      </p:grpSpPr>
-      <p:sp>
-        <p:nvSpPr>
-          <p:cNvPr id="2" name="Title 1">
-            <a:extLst>
-              <a:ext uri="{FF2B5EF4-FFF2-40B4-BE49-F238E27FC236}">
-                <a16:creationId xmlns:a16="http://schemas.microsoft.com/office/drawing/2014/main" id="{D14195CB-62AD-4B83-1B8B-FB538503D632}"/>
-              </a:ext>
-            </a:extLst>
-          </p:cNvPr>
-          <p:cNvSpPr>
-            <a:spLocks noGrp="1"/>
-          </p:cNvSpPr>
-          <p:nvPr>
-            <p:ph type="title"/>
-          </p:nvPr>
-        </p:nvSpPr>
-        <p:spPr/>
-        <p:txBody>
-          <a:bodyPr/>
-          <a:lstStyle/>
-          <a:p>
-            <a:r>
-              <a:rPr lang="en-US"/>
-              <a:t>IDEs</a:t>
-            </a:r>
-          </a:p>
-        </p:txBody>
-      </p:sp>
-      <p:sp>
-        <p:nvSpPr>
-          <p:cNvPr id="3" name="Content Placeholder 2">
-            <a:extLst>
-              <a:ext uri="{FF2B5EF4-FFF2-40B4-BE49-F238E27FC236}">
-                <a16:creationId xmlns:a16="http://schemas.microsoft.com/office/drawing/2014/main" id="{D38528F7-A956-F50D-611D-BA98541A67AF}"/>
-              </a:ext>
-            </a:extLst>
-          </p:cNvPr>
-          <p:cNvSpPr>
-            <a:spLocks noGrp="1"/>
-          </p:cNvSpPr>
-          <p:nvPr>
-            <p:ph idx="1"/>
-          </p:nvPr>
-        </p:nvSpPr>
-        <p:spPr/>
-        <p:txBody>
-          <a:bodyPr/>
-          <a:lstStyle/>
-          <a:p>
-            <a:pPr marL="0" indent="0">
-              <a:buNone/>
-            </a:pPr>
-            <a:r>
-              <a:rPr lang="en-US"/>
-              <a:t>Integrated Development Environments (IDEs) have many advantages besides editing scripts</a:t>
-            </a:r>
-          </a:p>
-          <a:p>
-            <a:r>
-              <a:rPr lang="en-US"/>
-              <a:t>Enhance productivity</a:t>
-            </a:r>
-          </a:p>
-          <a:p>
-            <a:r>
-              <a:rPr lang="en-US"/>
-              <a:t>Facilitate project management and Organization</a:t>
-            </a:r>
-          </a:p>
-          <a:p>
-            <a:r>
-              <a:rPr lang="en-US"/>
-              <a:t>Help with version control</a:t>
-            </a:r>
-          </a:p>
-          <a:p>
-            <a:r>
-              <a:rPr lang="en-US"/>
-              <a:t>Help with debugging</a:t>
-            </a:r>
-          </a:p>
-          <a:p>
-            <a:pPr lvl="1"/>
-            <a:endParaRPr lang="en-US"/>
-          </a:p>
-        </p:txBody>
-      </p:sp>
-    </p:spTree>
-    <p:extLst>
-      <p:ext uri="{BB962C8B-B14F-4D97-AF65-F5344CB8AC3E}">
-        <p14:creationId xmlns:p14="http://schemas.microsoft.com/office/powerpoint/2010/main" val="2472237972"/>
-      </p:ext>
-    </p:extLst>
-  </p:cSld>
-  <p:clrMapOvr>
-    <a:masterClrMapping/>
-  </p:clrMapOvr>
-</p:sld>
-</file>
-
-<file path=ppt/slides/slide79.xml><?xml version="1.0" encoding="utf-8"?>
-<p:sld xmlns:a="http://schemas.openxmlformats.org/drawingml/2006/main" xmlns:r="http://schemas.openxmlformats.org/officeDocument/2006/relationships" xmlns:p="http://schemas.openxmlformats.org/presentationml/2006/main">
-  <p:cSld>
-    <p:spTree>
-      <p:nvGrpSpPr>
-        <p:cNvPr id="1" name=""/>
-        <p:cNvGrpSpPr/>
-        <p:nvPr/>
-      </p:nvGrpSpPr>
-      <p:grpSpPr>
-        <a:xfrm>
-          <a:off x="0" y="0"/>
-          <a:ext cx="0" cy="0"/>
-          <a:chOff x="0" y="0"/>
-          <a:chExt cx="0" cy="0"/>
-        </a:xfrm>
-      </p:grpSpPr>
-      <p:sp>
-        <p:nvSpPr>
-          <p:cNvPr id="2" name="Title 1">
-            <a:extLst>
-              <a:ext uri="{FF2B5EF4-FFF2-40B4-BE49-F238E27FC236}">
-                <a16:creationId xmlns:a16="http://schemas.microsoft.com/office/drawing/2014/main" id="{3D7B2133-2757-F15B-9501-D34A8AA08861}"/>
-              </a:ext>
-            </a:extLst>
-          </p:cNvPr>
-          <p:cNvSpPr>
-            <a:spLocks noGrp="1"/>
-          </p:cNvSpPr>
-          <p:nvPr>
-            <p:ph type="title"/>
-          </p:nvPr>
-        </p:nvSpPr>
-        <p:spPr/>
-        <p:txBody>
-          <a:bodyPr/>
-          <a:lstStyle/>
-          <a:p>
-            <a:r>
-              <a:rPr lang="en-US"/>
-              <a:t>Examples</a:t>
-            </a:r>
-          </a:p>
-        </p:txBody>
-      </p:sp>
-      <p:sp>
-        <p:nvSpPr>
-          <p:cNvPr id="3" name="Content Placeholder 2">
-            <a:extLst>
-              <a:ext uri="{FF2B5EF4-FFF2-40B4-BE49-F238E27FC236}">
-                <a16:creationId xmlns:a16="http://schemas.microsoft.com/office/drawing/2014/main" id="{CE23C17B-E6DF-2862-53D4-20C25CA06069}"/>
-              </a:ext>
-            </a:extLst>
-          </p:cNvPr>
-          <p:cNvSpPr>
-            <a:spLocks noGrp="1"/>
-          </p:cNvSpPr>
-          <p:nvPr>
-            <p:ph idx="1"/>
-          </p:nvPr>
-        </p:nvSpPr>
-        <p:spPr/>
-        <p:txBody>
-          <a:bodyPr/>
-          <a:lstStyle/>
-          <a:p>
-            <a:r>
-              <a:rPr lang="en-US"/>
-              <a:t>Visual Studio Code</a:t>
-            </a:r>
-          </a:p>
-          <a:p>
-            <a:pPr lvl="1"/>
-            <a:r>
-              <a:rPr lang="en-US"/>
-              <a:t>Most versatile</a:t>
-            </a:r>
-          </a:p>
-          <a:p>
-            <a:pPr lvl="1"/>
-            <a:r>
-              <a:rPr lang="en-US"/>
-              <a:t>Supports many languages</a:t>
-            </a:r>
-          </a:p>
-          <a:p>
-            <a:pPr lvl="1"/>
-            <a:r>
-              <a:rPr lang="en-US"/>
-              <a:t>Supports many file formats</a:t>
-            </a:r>
-          </a:p>
-          <a:p>
-            <a:pPr lvl="1"/>
-            <a:r>
-              <a:rPr lang="en-US"/>
-              <a:t>Takes a bit of extra time to get used to</a:t>
-            </a:r>
-          </a:p>
-          <a:p>
-            <a:r>
-              <a:rPr lang="en-US"/>
-              <a:t>Jupyter Lab</a:t>
-            </a:r>
-          </a:p>
-          <a:p>
-            <a:pPr lvl="1"/>
-            <a:r>
-              <a:rPr lang="en-US"/>
-              <a:t>Ju-</a:t>
-            </a:r>
-            <a:r>
-              <a:rPr lang="en-US" err="1"/>
-              <a:t>py</a:t>
-            </a:r>
-            <a:r>
-              <a:rPr lang="en-US"/>
-              <a:t>-(</a:t>
-            </a:r>
-            <a:r>
-              <a:rPr lang="en-US" err="1"/>
-              <a:t>te</a:t>
-            </a:r>
-            <a:r>
-              <a:rPr lang="en-US"/>
-              <a:t>)r: supports Julia, Python, R</a:t>
-            </a:r>
-          </a:p>
-          <a:p>
-            <a:r>
-              <a:rPr lang="en-US"/>
-              <a:t>Others:</a:t>
-            </a:r>
-          </a:p>
-          <a:p>
-            <a:pPr lvl="1"/>
-            <a:r>
-              <a:rPr lang="en-US"/>
-              <a:t>RStudio – For R. Best for R and de-facto.</a:t>
-            </a:r>
-          </a:p>
-          <a:p>
-            <a:pPr lvl="1"/>
-            <a:r>
-              <a:rPr lang="en-US"/>
-              <a:t>Spyder – Like RStudio for Python</a:t>
-            </a:r>
-          </a:p>
-          <a:p>
-            <a:pPr lvl="1"/>
-            <a:r>
-              <a:rPr lang="en-US"/>
-              <a:t>Pluto – Interactive like Jupyter, but nicer.</a:t>
-            </a:r>
-          </a:p>
-        </p:txBody>
-      </p:sp>
-    </p:spTree>
-    <p:extLst>
-      <p:ext uri="{BB962C8B-B14F-4D97-AF65-F5344CB8AC3E}">
-        <p14:creationId xmlns:p14="http://schemas.microsoft.com/office/powerpoint/2010/main" val="1778453557"/>
-      </p:ext>
-    </p:extLst>
-  </p:cSld>
-  <p:clrMapOvr>
-    <a:masterClrMapping/>
-  </p:clrMapOvr>
-</p:sld>
-</file>
-
-<file path=ppt/slides/slide8.xml><?xml version="1.0" encoding="utf-8"?>
-<p:sld xmlns:a="http://schemas.openxmlformats.org/drawingml/2006/main" xmlns:r="http://schemas.openxmlformats.org/officeDocument/2006/relationships" xmlns:p="http://schemas.openxmlformats.org/presentationml/2006/main">
-  <p:cSld>
-    <p:spTree>
-      <p:nvGrpSpPr>
-        <p:cNvPr id="1" name=""/>
-        <p:cNvGrpSpPr/>
-        <p:nvPr/>
-      </p:nvGrpSpPr>
-      <p:grpSpPr>
-        <a:xfrm>
-          <a:off x="0" y="0"/>
-          <a:ext cx="0" cy="0"/>
-          <a:chOff x="0" y="0"/>
-          <a:chExt cx="0" cy="0"/>
-        </a:xfrm>
-      </p:grpSpPr>
-      <p:sp>
-        <p:nvSpPr>
-          <p:cNvPr id="2" name="Title 1">
-            <a:extLst>
-              <a:ext uri="{FF2B5EF4-FFF2-40B4-BE49-F238E27FC236}">
-                <a16:creationId xmlns:a16="http://schemas.microsoft.com/office/drawing/2014/main" id="{F47BD384-73E9-51DA-1BD7-FEB01A73BD51}"/>
-              </a:ext>
-            </a:extLst>
-          </p:cNvPr>
-          <p:cNvSpPr>
-            <a:spLocks noGrp="1"/>
-          </p:cNvSpPr>
-          <p:nvPr>
-            <p:ph type="title"/>
-          </p:nvPr>
-        </p:nvSpPr>
-        <p:spPr/>
-        <p:txBody>
-          <a:bodyPr/>
-          <a:lstStyle/>
-          <a:p>
-            <a:r>
-              <a:rPr lang="en-US" dirty="0"/>
-              <a:t>Day 1- Overview</a:t>
-            </a:r>
-          </a:p>
-        </p:txBody>
-      </p:sp>
-      <p:pic>
-        <p:nvPicPr>
-          <p:cNvPr id="3" name="Picture 2">
-            <a:extLst>
-              <a:ext uri="{FF2B5EF4-FFF2-40B4-BE49-F238E27FC236}">
-                <a16:creationId xmlns:a16="http://schemas.microsoft.com/office/drawing/2014/main" id="{B266CFB6-43D5-5AB9-6BF9-DC94201E69D7}"/>
-              </a:ext>
-            </a:extLst>
-          </p:cNvPr>
-          <p:cNvPicPr>
-            <a:picLocks noChangeAspect="1"/>
-          </p:cNvPicPr>
-          <p:nvPr/>
-        </p:nvPicPr>
-        <p:blipFill>
-          <a:blip r:embed="rId2"/>
-          <a:stretch>
-            <a:fillRect/>
-          </a:stretch>
-        </p:blipFill>
-        <p:spPr>
-          <a:xfrm>
-            <a:off x="2062655" y="1293622"/>
-            <a:ext cx="7772400" cy="5237706"/>
-          </a:xfrm>
-          <a:prstGeom prst="rect">
-            <a:avLst/>
-          </a:prstGeom>
-        </p:spPr>
-      </p:pic>
-    </p:spTree>
-    <p:extLst>
-      <p:ext uri="{BB962C8B-B14F-4D97-AF65-F5344CB8AC3E}">
-        <p14:creationId xmlns:p14="http://schemas.microsoft.com/office/powerpoint/2010/main" val="4224307627"/>
-      </p:ext>
-    </p:extLst>
-  </p:cSld>
-  <p:clrMapOvr>
-    <a:masterClrMapping/>
-  </p:clrMapOvr>
-</p:sld>
-</file>
-
-<file path=ppt/slides/slide80.xml><?xml version="1.0" encoding="utf-8"?>
-<p:sld xmlns:a="http://schemas.openxmlformats.org/drawingml/2006/main" xmlns:r="http://schemas.openxmlformats.org/officeDocument/2006/relationships" xmlns:p="http://schemas.openxmlformats.org/presentationml/2006/main">
-  <p:cSld>
-    <p:spTree>
-      <p:nvGrpSpPr>
-        <p:cNvPr id="1" name=""/>
-        <p:cNvGrpSpPr/>
-        <p:nvPr/>
-      </p:nvGrpSpPr>
-      <p:grpSpPr>
-        <a:xfrm>
-          <a:off x="0" y="0"/>
-          <a:ext cx="0" cy="0"/>
-          <a:chOff x="0" y="0"/>
-          <a:chExt cx="0" cy="0"/>
-        </a:xfrm>
-      </p:grpSpPr>
-      <p:sp>
-        <p:nvSpPr>
-          <p:cNvPr id="2" name="Title 1">
-            <a:extLst>
-              <a:ext uri="{FF2B5EF4-FFF2-40B4-BE49-F238E27FC236}">
-                <a16:creationId xmlns:a16="http://schemas.microsoft.com/office/drawing/2014/main" id="{478BBB27-B2B1-72A8-E619-F8ED38569B6C}"/>
-              </a:ext>
-            </a:extLst>
-          </p:cNvPr>
-          <p:cNvSpPr>
-            <a:spLocks noGrp="1"/>
-          </p:cNvSpPr>
-          <p:nvPr>
-            <p:ph type="title"/>
-          </p:nvPr>
-        </p:nvSpPr>
-        <p:spPr/>
-        <p:txBody>
-          <a:bodyPr>
-            <a:normAutofit fontScale="90000"/>
-          </a:bodyPr>
-          <a:lstStyle/>
-          <a:p>
-            <a:r>
-              <a:rPr lang="en-US"/>
-              <a:t>Choose your own adventure – but choose well!</a:t>
-            </a:r>
-          </a:p>
-        </p:txBody>
-      </p:sp>
-      <p:sp>
-        <p:nvSpPr>
-          <p:cNvPr id="3" name="Content Placeholder 2">
-            <a:extLst>
-              <a:ext uri="{FF2B5EF4-FFF2-40B4-BE49-F238E27FC236}">
-                <a16:creationId xmlns:a16="http://schemas.microsoft.com/office/drawing/2014/main" id="{1D53F6A9-BF2C-9317-318D-EA1F84BDE806}"/>
-              </a:ext>
-            </a:extLst>
-          </p:cNvPr>
-          <p:cNvSpPr>
-            <a:spLocks noGrp="1"/>
-          </p:cNvSpPr>
-          <p:nvPr>
-            <p:ph idx="1"/>
-          </p:nvPr>
-        </p:nvSpPr>
-        <p:spPr/>
-        <p:txBody>
-          <a:bodyPr>
-            <a:normAutofit lnSpcReduction="10000"/>
-          </a:bodyPr>
-          <a:lstStyle/>
-          <a:p>
-            <a:r>
-              <a:rPr lang="en-US"/>
-              <a:t>If your language is proprietary (like MATLAB), you don’t have a choice.</a:t>
-            </a:r>
-          </a:p>
-          <a:p>
-            <a:r>
-              <a:rPr lang="en-US"/>
-              <a:t>If you are only working in R </a:t>
-            </a:r>
-            <a:r>
-              <a:rPr lang="en-US">
-                <a:sym typeface="Wingdings" pitchFamily="2" charset="2"/>
-              </a:rPr>
-              <a:t></a:t>
-            </a:r>
-            <a:r>
-              <a:rPr lang="en-US"/>
-              <a:t> RStudio</a:t>
-            </a:r>
-          </a:p>
-          <a:p>
-            <a:r>
-              <a:rPr lang="en-US"/>
-              <a:t>New-</a:t>
-            </a:r>
-            <a:r>
-              <a:rPr lang="en-US" err="1"/>
-              <a:t>ish</a:t>
-            </a:r>
-            <a:r>
-              <a:rPr lang="en-US"/>
-              <a:t> to python:</a:t>
-            </a:r>
-          </a:p>
-          <a:p>
-            <a:pPr lvl="1"/>
-            <a:r>
-              <a:rPr lang="en-US"/>
-              <a:t>Spyder if using </a:t>
-            </a:r>
-            <a:r>
-              <a:rPr lang="en-US" i="1"/>
-              <a:t>.</a:t>
-            </a:r>
-            <a:r>
-              <a:rPr lang="en-US" i="1" err="1"/>
-              <a:t>py</a:t>
-            </a:r>
-            <a:r>
-              <a:rPr lang="en-US" i="1"/>
-              <a:t> </a:t>
-            </a:r>
-            <a:r>
-              <a:rPr lang="en-US"/>
-              <a:t>scripts, want to explore variables, variable structure, easily peak into class methods and properties, etc.</a:t>
-            </a:r>
-          </a:p>
-          <a:p>
-            <a:pPr lvl="1"/>
-            <a:r>
-              <a:rPr lang="en-US"/>
-              <a:t>Jupyter if using </a:t>
-            </a:r>
-            <a:r>
-              <a:rPr lang="en-US" i="1"/>
-              <a:t>.</a:t>
-            </a:r>
-            <a:r>
-              <a:rPr lang="en-US" i="1" err="1"/>
-              <a:t>ipynb</a:t>
-            </a:r>
-            <a:r>
-              <a:rPr lang="en-US" i="1"/>
-              <a:t> </a:t>
-            </a:r>
-            <a:r>
-              <a:rPr lang="en-US"/>
-              <a:t>notebooks, are doing exploration, or following/preparing educational materials.</a:t>
-            </a:r>
-          </a:p>
-          <a:p>
-            <a:r>
-              <a:rPr lang="en-US"/>
-              <a:t>More experienced, multi-language, and a bit of patience:</a:t>
-            </a:r>
-          </a:p>
-          <a:p>
-            <a:pPr lvl="1"/>
-            <a:r>
-              <a:rPr lang="en-US"/>
-              <a:t>Visual Studio Code.</a:t>
-            </a:r>
-          </a:p>
-          <a:p>
-            <a:pPr lvl="1"/>
-            <a:r>
-              <a:rPr lang="en-US"/>
-              <a:t>I’m a convert to VS Code. It is fast, helps you easily create auxiliary files of all types, supports many languages, etc.</a:t>
-            </a:r>
-          </a:p>
-        </p:txBody>
-      </p:sp>
-    </p:spTree>
-    <p:extLst>
-      <p:ext uri="{BB962C8B-B14F-4D97-AF65-F5344CB8AC3E}">
-        <p14:creationId xmlns:p14="http://schemas.microsoft.com/office/powerpoint/2010/main" val="141899215"/>
-      </p:ext>
-    </p:extLst>
-  </p:cSld>
-  <p:clrMapOvr>
-    <a:masterClrMapping/>
-  </p:clrMapOvr>
-</p:sld>
-</file>
-
 <file path=ppt/slides/slide81.xml><?xml version="1.0" encoding="utf-8"?>
 <p:sld xmlns:a="http://schemas.openxmlformats.org/drawingml/2006/main" xmlns:r="http://schemas.openxmlformats.org/officeDocument/2006/relationships" xmlns:p="http://schemas.openxmlformats.org/presentationml/2006/main">
   <p:cSld>
@@ -21028,6 +21063,498 @@
           <p:cNvPr id="2" name="Title 1">
             <a:extLst>
               <a:ext uri="{FF2B5EF4-FFF2-40B4-BE49-F238E27FC236}">
+                <a16:creationId xmlns:a16="http://schemas.microsoft.com/office/drawing/2014/main" id="{D14195CB-62AD-4B83-1B8B-FB538503D632}"/>
+              </a:ext>
+            </a:extLst>
+          </p:cNvPr>
+          <p:cNvSpPr>
+            <a:spLocks noGrp="1"/>
+          </p:cNvSpPr>
+          <p:nvPr>
+            <p:ph type="title"/>
+          </p:nvPr>
+        </p:nvSpPr>
+        <p:spPr/>
+        <p:txBody>
+          <a:bodyPr/>
+          <a:lstStyle/>
+          <a:p>
+            <a:r>
+              <a:rPr lang="en-US"/>
+              <a:t>IDEs</a:t>
+            </a:r>
+          </a:p>
+        </p:txBody>
+      </p:sp>
+      <p:sp>
+        <p:nvSpPr>
+          <p:cNvPr id="3" name="Content Placeholder 2">
+            <a:extLst>
+              <a:ext uri="{FF2B5EF4-FFF2-40B4-BE49-F238E27FC236}">
+                <a16:creationId xmlns:a16="http://schemas.microsoft.com/office/drawing/2014/main" id="{D38528F7-A956-F50D-611D-BA98541A67AF}"/>
+              </a:ext>
+            </a:extLst>
+          </p:cNvPr>
+          <p:cNvSpPr>
+            <a:spLocks noGrp="1"/>
+          </p:cNvSpPr>
+          <p:nvPr>
+            <p:ph idx="1"/>
+          </p:nvPr>
+        </p:nvSpPr>
+        <p:spPr/>
+        <p:txBody>
+          <a:bodyPr/>
+          <a:lstStyle/>
+          <a:p>
+            <a:pPr marL="0" indent="0">
+              <a:buNone/>
+            </a:pPr>
+            <a:r>
+              <a:rPr lang="en-US"/>
+              <a:t>Integrated Development Environments (IDEs) have many advantages besides editing scripts</a:t>
+            </a:r>
+          </a:p>
+          <a:p>
+            <a:r>
+              <a:rPr lang="en-US"/>
+              <a:t>Enhance productivity</a:t>
+            </a:r>
+          </a:p>
+          <a:p>
+            <a:r>
+              <a:rPr lang="en-US"/>
+              <a:t>Facilitate project management and Organization</a:t>
+            </a:r>
+          </a:p>
+          <a:p>
+            <a:r>
+              <a:rPr lang="en-US"/>
+              <a:t>Help with version control</a:t>
+            </a:r>
+          </a:p>
+          <a:p>
+            <a:r>
+              <a:rPr lang="en-US"/>
+              <a:t>Help with debugging</a:t>
+            </a:r>
+          </a:p>
+          <a:p>
+            <a:pPr lvl="1"/>
+            <a:endParaRPr lang="en-US"/>
+          </a:p>
+        </p:txBody>
+      </p:sp>
+    </p:spTree>
+    <p:extLst>
+      <p:ext uri="{BB962C8B-B14F-4D97-AF65-F5344CB8AC3E}">
+        <p14:creationId xmlns:p14="http://schemas.microsoft.com/office/powerpoint/2010/main" val="2472237972"/>
+      </p:ext>
+    </p:extLst>
+  </p:cSld>
+  <p:clrMapOvr>
+    <a:masterClrMapping/>
+  </p:clrMapOvr>
+</p:sld>
+</file>
+
+<file path=ppt/slides/slide82.xml><?xml version="1.0" encoding="utf-8"?>
+<p:sld xmlns:a="http://schemas.openxmlformats.org/drawingml/2006/main" xmlns:r="http://schemas.openxmlformats.org/officeDocument/2006/relationships" xmlns:p="http://schemas.openxmlformats.org/presentationml/2006/main">
+  <p:cSld>
+    <p:spTree>
+      <p:nvGrpSpPr>
+        <p:cNvPr id="1" name=""/>
+        <p:cNvGrpSpPr/>
+        <p:nvPr/>
+      </p:nvGrpSpPr>
+      <p:grpSpPr>
+        <a:xfrm>
+          <a:off x="0" y="0"/>
+          <a:ext cx="0" cy="0"/>
+          <a:chOff x="0" y="0"/>
+          <a:chExt cx="0" cy="0"/>
+        </a:xfrm>
+      </p:grpSpPr>
+      <p:sp>
+        <p:nvSpPr>
+          <p:cNvPr id="2" name="Title 1">
+            <a:extLst>
+              <a:ext uri="{FF2B5EF4-FFF2-40B4-BE49-F238E27FC236}">
+                <a16:creationId xmlns:a16="http://schemas.microsoft.com/office/drawing/2014/main" id="{3D7B2133-2757-F15B-9501-D34A8AA08861}"/>
+              </a:ext>
+            </a:extLst>
+          </p:cNvPr>
+          <p:cNvSpPr>
+            <a:spLocks noGrp="1"/>
+          </p:cNvSpPr>
+          <p:nvPr>
+            <p:ph type="title"/>
+          </p:nvPr>
+        </p:nvSpPr>
+        <p:spPr/>
+        <p:txBody>
+          <a:bodyPr/>
+          <a:lstStyle/>
+          <a:p>
+            <a:r>
+              <a:rPr lang="en-US"/>
+              <a:t>Examples</a:t>
+            </a:r>
+          </a:p>
+        </p:txBody>
+      </p:sp>
+      <p:sp>
+        <p:nvSpPr>
+          <p:cNvPr id="3" name="Content Placeholder 2">
+            <a:extLst>
+              <a:ext uri="{FF2B5EF4-FFF2-40B4-BE49-F238E27FC236}">
+                <a16:creationId xmlns:a16="http://schemas.microsoft.com/office/drawing/2014/main" id="{CE23C17B-E6DF-2862-53D4-20C25CA06069}"/>
+              </a:ext>
+            </a:extLst>
+          </p:cNvPr>
+          <p:cNvSpPr>
+            <a:spLocks noGrp="1"/>
+          </p:cNvSpPr>
+          <p:nvPr>
+            <p:ph idx="1"/>
+          </p:nvPr>
+        </p:nvSpPr>
+        <p:spPr/>
+        <p:txBody>
+          <a:bodyPr>
+            <a:normAutofit fontScale="92500" lnSpcReduction="20000"/>
+          </a:bodyPr>
+          <a:lstStyle/>
+          <a:p>
+            <a:r>
+              <a:rPr lang="en-US" dirty="0"/>
+              <a:t>Visual Studio Code</a:t>
+            </a:r>
+          </a:p>
+          <a:p>
+            <a:pPr lvl="1"/>
+            <a:r>
+              <a:rPr lang="en-US" dirty="0"/>
+              <a:t>Most versatile</a:t>
+            </a:r>
+          </a:p>
+          <a:p>
+            <a:pPr lvl="1"/>
+            <a:r>
+              <a:rPr lang="en-US" dirty="0"/>
+              <a:t>Supports many languages</a:t>
+            </a:r>
+          </a:p>
+          <a:p>
+            <a:pPr lvl="1"/>
+            <a:r>
+              <a:rPr lang="en-US" dirty="0"/>
+              <a:t>Supports many file formats</a:t>
+            </a:r>
+          </a:p>
+          <a:p>
+            <a:pPr lvl="1"/>
+            <a:r>
+              <a:rPr lang="en-US" dirty="0"/>
+              <a:t>Takes a bit of extra time to get used to</a:t>
+            </a:r>
+          </a:p>
+          <a:p>
+            <a:r>
+              <a:rPr lang="en-US" dirty="0"/>
+              <a:t>Jupyter Lab</a:t>
+            </a:r>
+          </a:p>
+          <a:p>
+            <a:pPr lvl="1"/>
+            <a:r>
+              <a:rPr lang="en-US" dirty="0"/>
+              <a:t>Ju-</a:t>
+            </a:r>
+            <a:r>
+              <a:rPr lang="en-US" dirty="0" err="1"/>
+              <a:t>py</a:t>
+            </a:r>
+            <a:r>
+              <a:rPr lang="en-US" dirty="0"/>
+              <a:t>-(</a:t>
+            </a:r>
+            <a:r>
+              <a:rPr lang="en-US" dirty="0" err="1"/>
+              <a:t>te</a:t>
+            </a:r>
+            <a:r>
+              <a:rPr lang="en-US" dirty="0"/>
+              <a:t>)r: supports Julia, Python, R</a:t>
+            </a:r>
+          </a:p>
+          <a:p>
+            <a:r>
+              <a:rPr lang="en-US" dirty="0"/>
+              <a:t>RStudio</a:t>
+            </a:r>
+          </a:p>
+          <a:p>
+            <a:pPr lvl="1"/>
+            <a:r>
+              <a:rPr lang="en-US" dirty="0"/>
+              <a:t>R - Best for R and de-facto.</a:t>
+            </a:r>
+          </a:p>
+          <a:p>
+            <a:r>
+              <a:rPr lang="en-US" dirty="0"/>
+              <a:t>Others:</a:t>
+            </a:r>
+          </a:p>
+          <a:p>
+            <a:pPr lvl="1"/>
+            <a:r>
+              <a:rPr lang="en-US" dirty="0"/>
+              <a:t>Spyder – For Python. Similar GUI to RStudio.</a:t>
+            </a:r>
+          </a:p>
+          <a:p>
+            <a:pPr lvl="1"/>
+            <a:r>
+              <a:rPr lang="en-US" dirty="0"/>
+              <a:t>Pluto – For Julia. Interactive like Jupyter, but nicer.</a:t>
+            </a:r>
+          </a:p>
+          <a:p>
+            <a:pPr lvl="1"/>
+            <a:r>
+              <a:rPr lang="en-US" dirty="0" err="1"/>
+              <a:t>Matlab’s</a:t>
+            </a:r>
+            <a:r>
+              <a:rPr lang="en-US" dirty="0"/>
+              <a:t> own.</a:t>
+            </a:r>
+          </a:p>
+        </p:txBody>
+      </p:sp>
+    </p:spTree>
+    <p:extLst>
+      <p:ext uri="{BB962C8B-B14F-4D97-AF65-F5344CB8AC3E}">
+        <p14:creationId xmlns:p14="http://schemas.microsoft.com/office/powerpoint/2010/main" val="1778453557"/>
+      </p:ext>
+    </p:extLst>
+  </p:cSld>
+  <p:clrMapOvr>
+    <a:masterClrMapping/>
+  </p:clrMapOvr>
+</p:sld>
+</file>
+
+<file path=ppt/slides/slide83.xml><?xml version="1.0" encoding="utf-8"?>
+<p:sld xmlns:a="http://schemas.openxmlformats.org/drawingml/2006/main" xmlns:r="http://schemas.openxmlformats.org/officeDocument/2006/relationships" xmlns:p="http://schemas.openxmlformats.org/presentationml/2006/main">
+  <p:cSld>
+    <p:spTree>
+      <p:nvGrpSpPr>
+        <p:cNvPr id="1" name=""/>
+        <p:cNvGrpSpPr/>
+        <p:nvPr/>
+      </p:nvGrpSpPr>
+      <p:grpSpPr>
+        <a:xfrm>
+          <a:off x="0" y="0"/>
+          <a:ext cx="0" cy="0"/>
+          <a:chOff x="0" y="0"/>
+          <a:chExt cx="0" cy="0"/>
+        </a:xfrm>
+      </p:grpSpPr>
+      <p:sp>
+        <p:nvSpPr>
+          <p:cNvPr id="2" name="Title 1">
+            <a:extLst>
+              <a:ext uri="{FF2B5EF4-FFF2-40B4-BE49-F238E27FC236}">
+                <a16:creationId xmlns:a16="http://schemas.microsoft.com/office/drawing/2014/main" id="{478BBB27-B2B1-72A8-E619-F8ED38569B6C}"/>
+              </a:ext>
+            </a:extLst>
+          </p:cNvPr>
+          <p:cNvSpPr>
+            <a:spLocks noGrp="1"/>
+          </p:cNvSpPr>
+          <p:nvPr>
+            <p:ph type="title"/>
+          </p:nvPr>
+        </p:nvSpPr>
+        <p:spPr/>
+        <p:txBody>
+          <a:bodyPr>
+            <a:normAutofit fontScale="90000"/>
+          </a:bodyPr>
+          <a:lstStyle/>
+          <a:p>
+            <a:r>
+              <a:rPr lang="en-US"/>
+              <a:t>Choose your own adventure – but choose well!</a:t>
+            </a:r>
+          </a:p>
+        </p:txBody>
+      </p:sp>
+      <p:sp>
+        <p:nvSpPr>
+          <p:cNvPr id="3" name="Content Placeholder 2">
+            <a:extLst>
+              <a:ext uri="{FF2B5EF4-FFF2-40B4-BE49-F238E27FC236}">
+                <a16:creationId xmlns:a16="http://schemas.microsoft.com/office/drawing/2014/main" id="{1D53F6A9-BF2C-9317-318D-EA1F84BDE806}"/>
+              </a:ext>
+            </a:extLst>
+          </p:cNvPr>
+          <p:cNvSpPr>
+            <a:spLocks noGrp="1"/>
+          </p:cNvSpPr>
+          <p:nvPr>
+            <p:ph idx="1"/>
+          </p:nvPr>
+        </p:nvSpPr>
+        <p:spPr/>
+        <p:txBody>
+          <a:bodyPr>
+            <a:normAutofit lnSpcReduction="10000"/>
+          </a:bodyPr>
+          <a:lstStyle/>
+          <a:p>
+            <a:r>
+              <a:rPr lang="en-US"/>
+              <a:t>If your language is proprietary (like MATLAB), you don’t have a choice.</a:t>
+            </a:r>
+          </a:p>
+          <a:p>
+            <a:r>
+              <a:rPr lang="en-US"/>
+              <a:t>If you are only working in R </a:t>
+            </a:r>
+            <a:r>
+              <a:rPr lang="en-US">
+                <a:sym typeface="Wingdings" pitchFamily="2" charset="2"/>
+              </a:rPr>
+              <a:t></a:t>
+            </a:r>
+            <a:r>
+              <a:rPr lang="en-US"/>
+              <a:t> RStudio</a:t>
+            </a:r>
+          </a:p>
+          <a:p>
+            <a:r>
+              <a:rPr lang="en-US"/>
+              <a:t>New-</a:t>
+            </a:r>
+            <a:r>
+              <a:rPr lang="en-US" err="1"/>
+              <a:t>ish</a:t>
+            </a:r>
+            <a:r>
+              <a:rPr lang="en-US"/>
+              <a:t> to python:</a:t>
+            </a:r>
+          </a:p>
+          <a:p>
+            <a:pPr lvl="1"/>
+            <a:r>
+              <a:rPr lang="en-US"/>
+              <a:t>Spyder if using </a:t>
+            </a:r>
+            <a:r>
+              <a:rPr lang="en-US" i="1"/>
+              <a:t>.</a:t>
+            </a:r>
+            <a:r>
+              <a:rPr lang="en-US" i="1" err="1"/>
+              <a:t>py</a:t>
+            </a:r>
+            <a:r>
+              <a:rPr lang="en-US" i="1"/>
+              <a:t> </a:t>
+            </a:r>
+            <a:r>
+              <a:rPr lang="en-US"/>
+              <a:t>scripts, want to explore variables, variable structure, easily peak into class methods and properties, etc.</a:t>
+            </a:r>
+          </a:p>
+          <a:p>
+            <a:pPr lvl="1"/>
+            <a:r>
+              <a:rPr lang="en-US"/>
+              <a:t>Jupyter if using </a:t>
+            </a:r>
+            <a:r>
+              <a:rPr lang="en-US" i="1"/>
+              <a:t>.</a:t>
+            </a:r>
+            <a:r>
+              <a:rPr lang="en-US" i="1" err="1"/>
+              <a:t>ipynb</a:t>
+            </a:r>
+            <a:r>
+              <a:rPr lang="en-US" i="1"/>
+              <a:t> </a:t>
+            </a:r>
+            <a:r>
+              <a:rPr lang="en-US"/>
+              <a:t>notebooks, are doing exploration, or following/preparing educational materials.</a:t>
+            </a:r>
+          </a:p>
+          <a:p>
+            <a:r>
+              <a:rPr lang="en-US"/>
+              <a:t>More experienced, multi-language, and a bit of patience:</a:t>
+            </a:r>
+          </a:p>
+          <a:p>
+            <a:pPr lvl="1"/>
+            <a:r>
+              <a:rPr lang="en-US"/>
+              <a:t>Visual Studio Code.</a:t>
+            </a:r>
+          </a:p>
+          <a:p>
+            <a:pPr lvl="1"/>
+            <a:r>
+              <a:rPr lang="en-US"/>
+              <a:t>I’m a convert to VS Code. It is fast, helps you easily create auxiliary files of all types, supports many languages, etc.</a:t>
+            </a:r>
+          </a:p>
+        </p:txBody>
+      </p:sp>
+    </p:spTree>
+    <p:extLst>
+      <p:ext uri="{BB962C8B-B14F-4D97-AF65-F5344CB8AC3E}">
+        <p14:creationId xmlns:p14="http://schemas.microsoft.com/office/powerpoint/2010/main" val="141899215"/>
+      </p:ext>
+    </p:extLst>
+  </p:cSld>
+  <p:clrMapOvr>
+    <a:masterClrMapping/>
+  </p:clrMapOvr>
+</p:sld>
+</file>
+
+<file path=ppt/slides/slide84.xml><?xml version="1.0" encoding="utf-8"?>
+<p:sld xmlns:a="http://schemas.openxmlformats.org/drawingml/2006/main" xmlns:r="http://schemas.openxmlformats.org/officeDocument/2006/relationships" xmlns:p="http://schemas.openxmlformats.org/presentationml/2006/main">
+  <p:cSld>
+    <p:spTree>
+      <p:nvGrpSpPr>
+        <p:cNvPr id="1" name=""/>
+        <p:cNvGrpSpPr/>
+        <p:nvPr/>
+      </p:nvGrpSpPr>
+      <p:grpSpPr>
+        <a:xfrm>
+          <a:off x="0" y="0"/>
+          <a:ext cx="0" cy="0"/>
+          <a:chOff x="0" y="0"/>
+          <a:chExt cx="0" cy="0"/>
+        </a:xfrm>
+      </p:grpSpPr>
+      <p:sp>
+        <p:nvSpPr>
+          <p:cNvPr id="2" name="Title 1">
+            <a:extLst>
+              <a:ext uri="{FF2B5EF4-FFF2-40B4-BE49-F238E27FC236}">
                 <a16:creationId xmlns:a16="http://schemas.microsoft.com/office/drawing/2014/main" id="{FFF5FEC2-EEC8-CAC9-88AD-1B1C15E19641}"/>
               </a:ext>
             </a:extLst>
@@ -21155,7 +21682,7 @@
 </p:sld>
 </file>
 
-<file path=ppt/slides/slide82.xml><?xml version="1.0" encoding="utf-8"?>
+<file path=ppt/slides/slide85.xml><?xml version="1.0" encoding="utf-8"?>
 <p:sld xmlns:a="http://schemas.openxmlformats.org/drawingml/2006/main" xmlns:r="http://schemas.openxmlformats.org/officeDocument/2006/relationships" xmlns:p="http://schemas.openxmlformats.org/presentationml/2006/main">
   <p:cSld>
     <p:spTree>
@@ -21681,7 +22208,7 @@
 </p:sld>
 </file>
 
-<file path=ppt/slides/slide83.xml><?xml version="1.0" encoding="utf-8"?>
+<file path=ppt/slides/slide86.xml><?xml version="1.0" encoding="utf-8"?>
 <p:sld xmlns:a="http://schemas.openxmlformats.org/drawingml/2006/main" xmlns:r="http://schemas.openxmlformats.org/officeDocument/2006/relationships" xmlns:p="http://schemas.openxmlformats.org/presentationml/2006/main">
   <p:cSld>
     <p:spTree>
@@ -21792,7 +22319,7 @@
 </p:sld>
 </file>
 
-<file path=ppt/slides/slide84.xml><?xml version="1.0" encoding="utf-8"?>
+<file path=ppt/slides/slide87.xml><?xml version="1.0" encoding="utf-8"?>
 <p:sld xmlns:a="http://schemas.openxmlformats.org/drawingml/2006/main" xmlns:r="http://schemas.openxmlformats.org/officeDocument/2006/relationships" xmlns:p="http://schemas.openxmlformats.org/presentationml/2006/main">
   <p:cSld>
     <p:spTree>
@@ -22458,7 +22985,7 @@
 </p:sld>
 </file>
 
-<file path=ppt/slides/slide85.xml><?xml version="1.0" encoding="utf-8"?>
+<file path=ppt/slides/slide88.xml><?xml version="1.0" encoding="utf-8"?>
 <p:sld xmlns:a="http://schemas.openxmlformats.org/drawingml/2006/main" xmlns:r="http://schemas.openxmlformats.org/officeDocument/2006/relationships" xmlns:p="http://schemas.openxmlformats.org/presentationml/2006/main">
   <p:cSld>
     <p:spTree>
@@ -22547,7 +23074,7 @@
 </p:sld>
 </file>
 
-<file path=ppt/slides/slide86.xml><?xml version="1.0" encoding="utf-8"?>
+<file path=ppt/slides/slide89.xml><?xml version="1.0" encoding="utf-8"?>
 <p:sld xmlns:a="http://schemas.openxmlformats.org/drawingml/2006/main" xmlns:r="http://schemas.openxmlformats.org/officeDocument/2006/relationships" xmlns:p="http://schemas.openxmlformats.org/presentationml/2006/main">
   <p:cSld>
     <p:spTree>
@@ -22645,7 +23172,67 @@
 </p:sld>
 </file>
 
-<file path=ppt/slides/slide87.xml><?xml version="1.0" encoding="utf-8"?>
+<file path=ppt/slides/slide9.xml><?xml version="1.0" encoding="utf-8"?>
+<p:sld xmlns:a="http://schemas.openxmlformats.org/drawingml/2006/main" xmlns:r="http://schemas.openxmlformats.org/officeDocument/2006/relationships" xmlns:p="http://schemas.openxmlformats.org/presentationml/2006/main">
+  <p:cSld>
+    <p:spTree>
+      <p:nvGrpSpPr>
+        <p:cNvPr id="1" name=""/>
+        <p:cNvGrpSpPr/>
+        <p:nvPr/>
+      </p:nvGrpSpPr>
+      <p:grpSpPr>
+        <a:xfrm>
+          <a:off x="0" y="0"/>
+          <a:ext cx="0" cy="0"/>
+          <a:chOff x="0" y="0"/>
+          <a:chExt cx="0" cy="0"/>
+        </a:xfrm>
+      </p:grpSpPr>
+      <p:pic>
+        <p:nvPicPr>
+          <p:cNvPr id="4" name="Picture 3">
+            <a:extLst>
+              <a:ext uri="{FF2B5EF4-FFF2-40B4-BE49-F238E27FC236}">
+                <a16:creationId xmlns:a16="http://schemas.microsoft.com/office/drawing/2014/main" id="{2CCF9BA6-A101-D260-46BE-11ED6012662F}"/>
+              </a:ext>
+            </a:extLst>
+          </p:cNvPr>
+          <p:cNvPicPr>
+            <a:picLocks noChangeAspect="1"/>
+          </p:cNvPicPr>
+          <p:nvPr/>
+        </p:nvPicPr>
+        <p:blipFill>
+          <a:blip r:embed="rId2"/>
+          <a:stretch>
+            <a:fillRect/>
+          </a:stretch>
+        </p:blipFill>
+        <p:spPr>
+          <a:xfrm>
+            <a:off x="2209800" y="732085"/>
+            <a:ext cx="7772400" cy="5393829"/>
+          </a:xfrm>
+          <a:prstGeom prst="rect">
+            <a:avLst/>
+          </a:prstGeom>
+        </p:spPr>
+      </p:pic>
+    </p:spTree>
+    <p:extLst>
+      <p:ext uri="{BB962C8B-B14F-4D97-AF65-F5344CB8AC3E}">
+        <p14:creationId xmlns:p14="http://schemas.microsoft.com/office/powerpoint/2010/main" val="3431828913"/>
+      </p:ext>
+    </p:extLst>
+  </p:cSld>
+  <p:clrMapOvr>
+    <a:masterClrMapping/>
+  </p:clrMapOvr>
+</p:sld>
+</file>
+
+<file path=ppt/slides/slide90.xml><?xml version="1.0" encoding="utf-8"?>
 <p:sld xmlns:a="http://schemas.openxmlformats.org/drawingml/2006/main" xmlns:r="http://schemas.openxmlformats.org/officeDocument/2006/relationships" xmlns:p="http://schemas.openxmlformats.org/presentationml/2006/main">
   <p:cSld>
     <p:spTree>
@@ -23702,7 +24289,7 @@
 </p:sld>
 </file>
 
-<file path=ppt/slides/slide88.xml><?xml version="1.0" encoding="utf-8"?>
+<file path=ppt/slides/slide91.xml><?xml version="1.0" encoding="utf-8"?>
 <p:sld xmlns:a="http://schemas.openxmlformats.org/drawingml/2006/main" xmlns:r="http://schemas.openxmlformats.org/officeDocument/2006/relationships" xmlns:p="http://schemas.openxmlformats.org/presentationml/2006/main">
   <p:cSld>
     <p:spTree>
@@ -23805,7 +24392,7 @@
 </p:sld>
 </file>
 
-<file path=ppt/slides/slide89.xml><?xml version="1.0" encoding="utf-8"?>
+<file path=ppt/slides/slide92.xml><?xml version="1.0" encoding="utf-8"?>
 <p:sld xmlns:a="http://schemas.openxmlformats.org/drawingml/2006/main" xmlns:r="http://schemas.openxmlformats.org/officeDocument/2006/relationships" xmlns:p="http://schemas.openxmlformats.org/presentationml/2006/main">
   <p:cSld>
     <p:spTree>
@@ -23903,67 +24490,7 @@
 </p:sld>
 </file>
 
-<file path=ppt/slides/slide9.xml><?xml version="1.0" encoding="utf-8"?>
-<p:sld xmlns:a="http://schemas.openxmlformats.org/drawingml/2006/main" xmlns:r="http://schemas.openxmlformats.org/officeDocument/2006/relationships" xmlns:p="http://schemas.openxmlformats.org/presentationml/2006/main">
-  <p:cSld>
-    <p:spTree>
-      <p:nvGrpSpPr>
-        <p:cNvPr id="1" name=""/>
-        <p:cNvGrpSpPr/>
-        <p:nvPr/>
-      </p:nvGrpSpPr>
-      <p:grpSpPr>
-        <a:xfrm>
-          <a:off x="0" y="0"/>
-          <a:ext cx="0" cy="0"/>
-          <a:chOff x="0" y="0"/>
-          <a:chExt cx="0" cy="0"/>
-        </a:xfrm>
-      </p:grpSpPr>
-      <p:pic>
-        <p:nvPicPr>
-          <p:cNvPr id="4" name="Picture 3">
-            <a:extLst>
-              <a:ext uri="{FF2B5EF4-FFF2-40B4-BE49-F238E27FC236}">
-                <a16:creationId xmlns:a16="http://schemas.microsoft.com/office/drawing/2014/main" id="{2CCF9BA6-A101-D260-46BE-11ED6012662F}"/>
-              </a:ext>
-            </a:extLst>
-          </p:cNvPr>
-          <p:cNvPicPr>
-            <a:picLocks noChangeAspect="1"/>
-          </p:cNvPicPr>
-          <p:nvPr/>
-        </p:nvPicPr>
-        <p:blipFill>
-          <a:blip r:embed="rId2"/>
-          <a:stretch>
-            <a:fillRect/>
-          </a:stretch>
-        </p:blipFill>
-        <p:spPr>
-          <a:xfrm>
-            <a:off x="2209800" y="732085"/>
-            <a:ext cx="7772400" cy="5393829"/>
-          </a:xfrm>
-          <a:prstGeom prst="rect">
-            <a:avLst/>
-          </a:prstGeom>
-        </p:spPr>
-      </p:pic>
-    </p:spTree>
-    <p:extLst>
-      <p:ext uri="{BB962C8B-B14F-4D97-AF65-F5344CB8AC3E}">
-        <p14:creationId xmlns:p14="http://schemas.microsoft.com/office/powerpoint/2010/main" val="3431828913"/>
-      </p:ext>
-    </p:extLst>
-  </p:cSld>
-  <p:clrMapOvr>
-    <a:masterClrMapping/>
-  </p:clrMapOvr>
-</p:sld>
-</file>
-
-<file path=ppt/slides/slide90.xml><?xml version="1.0" encoding="utf-8"?>
+<file path=ppt/slides/slide93.xml><?xml version="1.0" encoding="utf-8"?>
 <p:sld xmlns:a="http://schemas.openxmlformats.org/drawingml/2006/main" xmlns:r="http://schemas.openxmlformats.org/officeDocument/2006/relationships" xmlns:p="http://schemas.openxmlformats.org/presentationml/2006/main">
   <p:cSld>
     <p:spTree>
@@ -24489,7 +25016,7 @@
 </p:sld>
 </file>
 
-<file path=ppt/slides/slide91.xml><?xml version="1.0" encoding="utf-8"?>
+<file path=ppt/slides/slide94.xml><?xml version="1.0" encoding="utf-8"?>
 <p:sld xmlns:a="http://schemas.openxmlformats.org/drawingml/2006/main" xmlns:r="http://schemas.openxmlformats.org/officeDocument/2006/relationships" xmlns:p="http://schemas.openxmlformats.org/presentationml/2006/main">
   <p:cSld>
     <p:spTree>
@@ -24511,6 +25038,117 @@
           <p:cNvPr id="2" name="Title 1">
             <a:extLst>
               <a:ext uri="{FF2B5EF4-FFF2-40B4-BE49-F238E27FC236}">
+                <a16:creationId xmlns:a16="http://schemas.microsoft.com/office/drawing/2014/main" id="{AABB9450-4FC2-BFF5-AB26-EA0F34F9119B}"/>
+              </a:ext>
+            </a:extLst>
+          </p:cNvPr>
+          <p:cNvSpPr>
+            <a:spLocks noGrp="1"/>
+          </p:cNvSpPr>
+          <p:nvPr>
+            <p:ph type="title"/>
+          </p:nvPr>
+        </p:nvSpPr>
+        <p:spPr/>
+        <p:txBody>
+          <a:bodyPr/>
+          <a:lstStyle/>
+          <a:p>
+            <a:r>
+              <a:rPr lang="en-US" dirty="0">
+                <a:solidFill>
+                  <a:srgbClr val="C00000"/>
+                </a:solidFill>
+              </a:rPr>
+              <a:t>Exercise</a:t>
+            </a:r>
+          </a:p>
+        </p:txBody>
+      </p:sp>
+      <p:sp>
+        <p:nvSpPr>
+          <p:cNvPr id="3" name="Content Placeholder 2">
+            <a:extLst>
+              <a:ext uri="{FF2B5EF4-FFF2-40B4-BE49-F238E27FC236}">
+                <a16:creationId xmlns:a16="http://schemas.microsoft.com/office/drawing/2014/main" id="{730CB4C9-2722-B870-A825-7E3511DE1242}"/>
+              </a:ext>
+            </a:extLst>
+          </p:cNvPr>
+          <p:cNvSpPr>
+            <a:spLocks noGrp="1"/>
+          </p:cNvSpPr>
+          <p:nvPr>
+            <p:ph idx="1"/>
+          </p:nvPr>
+        </p:nvSpPr>
+        <p:spPr/>
+        <p:txBody>
+          <a:bodyPr/>
+          <a:lstStyle/>
+          <a:p>
+            <a:pPr marL="0" indent="0">
+              <a:buNone/>
+            </a:pPr>
+            <a:r>
+              <a:rPr lang="en-US" dirty="0"/>
+              <a:t>Take a few minutes to study the structure of one of your current projects.</a:t>
+            </a:r>
+          </a:p>
+          <a:p>
+            <a:pPr marL="0" indent="0">
+              <a:buNone/>
+            </a:pPr>
+            <a:endParaRPr lang="en-US" dirty="0"/>
+          </a:p>
+          <a:p>
+            <a:r>
+              <a:rPr lang="en-US" dirty="0"/>
+              <a:t>Write some notes on how you would like to re-organize it based on what we learned today</a:t>
+            </a:r>
+          </a:p>
+          <a:p>
+            <a:r>
+              <a:rPr lang="en-US" dirty="0"/>
+              <a:t>DO NOT MAKE CHANGES</a:t>
+            </a:r>
+          </a:p>
+        </p:txBody>
+      </p:sp>
+    </p:spTree>
+    <p:extLst>
+      <p:ext uri="{BB962C8B-B14F-4D97-AF65-F5344CB8AC3E}">
+        <p14:creationId xmlns:p14="http://schemas.microsoft.com/office/powerpoint/2010/main" val="47885953"/>
+      </p:ext>
+    </p:extLst>
+  </p:cSld>
+  <p:clrMapOvr>
+    <a:masterClrMapping/>
+  </p:clrMapOvr>
+</p:sld>
+</file>
+
+<file path=ppt/slides/slide95.xml><?xml version="1.0" encoding="utf-8"?>
+<p:sld xmlns:a="http://schemas.openxmlformats.org/drawingml/2006/main" xmlns:r="http://schemas.openxmlformats.org/officeDocument/2006/relationships" xmlns:p="http://schemas.openxmlformats.org/presentationml/2006/main">
+  <p:cSld>
+    <p:spTree>
+      <p:nvGrpSpPr>
+        <p:cNvPr id="1" name=""/>
+        <p:cNvGrpSpPr/>
+        <p:nvPr/>
+      </p:nvGrpSpPr>
+      <p:grpSpPr>
+        <a:xfrm>
+          <a:off x="0" y="0"/>
+          <a:ext cx="0" cy="0"/>
+          <a:chOff x="0" y="0"/>
+          <a:chExt cx="0" cy="0"/>
+        </a:xfrm>
+      </p:grpSpPr>
+      <p:sp>
+        <p:nvSpPr>
+          <p:cNvPr id="2" name="Title 1">
+            <a:extLst>
+              <a:ext uri="{FF2B5EF4-FFF2-40B4-BE49-F238E27FC236}">
                 <a16:creationId xmlns:a16="http://schemas.microsoft.com/office/drawing/2014/main" id="{9645E24C-0A61-2A75-D985-7119E8082C0D}"/>
               </a:ext>
             </a:extLst>
@@ -24600,7 +25238,7 @@
 </p:sld>
 </file>
 
-<file path=ppt/slides/slide92.xml><?xml version="1.0" encoding="utf-8"?>
+<file path=ppt/slides/slide96.xml><?xml version="1.0" encoding="utf-8"?>
 <p:sld xmlns:a="http://schemas.openxmlformats.org/drawingml/2006/main" xmlns:r="http://schemas.openxmlformats.org/officeDocument/2006/relationships" xmlns:p="http://schemas.openxmlformats.org/presentationml/2006/main">
   <p:cSld>
     <p:spTree>
@@ -25126,7 +25764,7 @@
 </p:sld>
 </file>
 
-<file path=ppt/slides/slide93.xml><?xml version="1.0" encoding="utf-8"?>
+<file path=ppt/slides/slide97.xml><?xml version="1.0" encoding="utf-8"?>
 <p:sld xmlns:a="http://schemas.openxmlformats.org/drawingml/2006/main" xmlns:r="http://schemas.openxmlformats.org/officeDocument/2006/relationships" xmlns:p="http://schemas.openxmlformats.org/presentationml/2006/main">
   <p:cSld>
     <p:spTree>
@@ -25220,7 +25858,90 @@
 </p:sld>
 </file>
 
-<file path=ppt/slides/slide94.xml><?xml version="1.0" encoding="utf-8"?>
+<file path=ppt/slides/slide98.xml><?xml version="1.0" encoding="utf-8"?>
+<p:sld xmlns:a="http://schemas.openxmlformats.org/drawingml/2006/main" xmlns:r="http://schemas.openxmlformats.org/officeDocument/2006/relationships" xmlns:p="http://schemas.openxmlformats.org/presentationml/2006/main">
+  <p:cSld>
+    <p:spTree>
+      <p:nvGrpSpPr>
+        <p:cNvPr id="1" name=""/>
+        <p:cNvGrpSpPr/>
+        <p:nvPr/>
+      </p:nvGrpSpPr>
+      <p:grpSpPr>
+        <a:xfrm>
+          <a:off x="0" y="0"/>
+          <a:ext cx="0" cy="0"/>
+          <a:chOff x="0" y="0"/>
+          <a:chExt cx="0" cy="0"/>
+        </a:xfrm>
+      </p:grpSpPr>
+      <p:sp>
+        <p:nvSpPr>
+          <p:cNvPr id="2" name="Title 1">
+            <a:extLst>
+              <a:ext uri="{FF2B5EF4-FFF2-40B4-BE49-F238E27FC236}">
+                <a16:creationId xmlns:a16="http://schemas.microsoft.com/office/drawing/2014/main" id="{2DFC3D64-5957-BEA5-B5E3-AFEF81771C95}"/>
+              </a:ext>
+            </a:extLst>
+          </p:cNvPr>
+          <p:cNvSpPr>
+            <a:spLocks noGrp="1"/>
+          </p:cNvSpPr>
+          <p:nvPr>
+            <p:ph type="title"/>
+          </p:nvPr>
+        </p:nvSpPr>
+        <p:spPr/>
+        <p:txBody>
+          <a:bodyPr/>
+          <a:lstStyle/>
+          <a:p>
+            <a:r>
+              <a:rPr lang="en-US" dirty="0"/>
+              <a:t>Checklist</a:t>
+            </a:r>
+          </a:p>
+        </p:txBody>
+      </p:sp>
+      <p:sp>
+        <p:nvSpPr>
+          <p:cNvPr id="3" name="Content Placeholder 2">
+            <a:extLst>
+              <a:ext uri="{FF2B5EF4-FFF2-40B4-BE49-F238E27FC236}">
+                <a16:creationId xmlns:a16="http://schemas.microsoft.com/office/drawing/2014/main" id="{C1B52081-B4F4-4A18-AC41-ABE88E393366}"/>
+              </a:ext>
+            </a:extLst>
+          </p:cNvPr>
+          <p:cNvSpPr>
+            <a:spLocks noGrp="1"/>
+          </p:cNvSpPr>
+          <p:nvPr>
+            <p:ph idx="1"/>
+          </p:nvPr>
+        </p:nvSpPr>
+        <p:spPr/>
+        <p:txBody>
+          <a:bodyPr/>
+          <a:lstStyle/>
+          <a:p>
+            <a:endParaRPr lang="en-US"/>
+          </a:p>
+        </p:txBody>
+      </p:sp>
+    </p:spTree>
+    <p:extLst>
+      <p:ext uri="{BB962C8B-B14F-4D97-AF65-F5344CB8AC3E}">
+        <p14:creationId xmlns:p14="http://schemas.microsoft.com/office/powerpoint/2010/main" val="616314721"/>
+      </p:ext>
+    </p:extLst>
+  </p:cSld>
+  <p:clrMapOvr>
+    <a:masterClrMapping/>
+  </p:clrMapOvr>
+</p:sld>
+</file>
+
+<file path=ppt/slides/slide99.xml><?xml version="1.0" encoding="utf-8"?>
 <p:sld xmlns:a="http://schemas.openxmlformats.org/drawingml/2006/main" xmlns:r="http://schemas.openxmlformats.org/officeDocument/2006/relationships" xmlns:p="http://schemas.openxmlformats.org/presentationml/2006/main">
   <p:cSld>
     <p:spTree>
@@ -25737,164 +26458,6 @@
     <p:extLst>
       <p:ext uri="{BB962C8B-B14F-4D97-AF65-F5344CB8AC3E}">
         <p14:creationId xmlns:p14="http://schemas.microsoft.com/office/powerpoint/2010/main" val="944398121"/>
-      </p:ext>
-    </p:extLst>
-  </p:cSld>
-  <p:clrMapOvr>
-    <a:masterClrMapping/>
-  </p:clrMapOvr>
-</p:sld>
-</file>
-
-<file path=ppt/slides/slide95.xml><?xml version="1.0" encoding="utf-8"?>
-<p:sld xmlns:a="http://schemas.openxmlformats.org/drawingml/2006/main" xmlns:r="http://schemas.openxmlformats.org/officeDocument/2006/relationships" xmlns:p="http://schemas.openxmlformats.org/presentationml/2006/main">
-  <p:cSld>
-    <p:spTree>
-      <p:nvGrpSpPr>
-        <p:cNvPr id="1" name=""/>
-        <p:cNvGrpSpPr/>
-        <p:nvPr/>
-      </p:nvGrpSpPr>
-      <p:grpSpPr>
-        <a:xfrm>
-          <a:off x="0" y="0"/>
-          <a:ext cx="0" cy="0"/>
-          <a:chOff x="0" y="0"/>
-          <a:chExt cx="0" cy="0"/>
-        </a:xfrm>
-      </p:grpSpPr>
-      <p:sp>
-        <p:nvSpPr>
-          <p:cNvPr id="2" name="Title 1">
-            <a:extLst>
-              <a:ext uri="{FF2B5EF4-FFF2-40B4-BE49-F238E27FC236}">
-                <a16:creationId xmlns:a16="http://schemas.microsoft.com/office/drawing/2014/main" id="{868ACE8F-8CB9-B601-E23C-589F41279D22}"/>
-              </a:ext>
-            </a:extLst>
-          </p:cNvPr>
-          <p:cNvSpPr>
-            <a:spLocks noGrp="1"/>
-          </p:cNvSpPr>
-          <p:nvPr>
-            <p:ph type="title"/>
-          </p:nvPr>
-        </p:nvSpPr>
-        <p:spPr/>
-        <p:txBody>
-          <a:bodyPr/>
-          <a:lstStyle/>
-          <a:p>
-            <a:r>
-              <a:rPr lang="en-US"/>
-              <a:t>Other resources</a:t>
-            </a:r>
-          </a:p>
-        </p:txBody>
-      </p:sp>
-      <p:sp>
-        <p:nvSpPr>
-          <p:cNvPr id="3" name="Content Placeholder 2">
-            <a:extLst>
-              <a:ext uri="{FF2B5EF4-FFF2-40B4-BE49-F238E27FC236}">
-                <a16:creationId xmlns:a16="http://schemas.microsoft.com/office/drawing/2014/main" id="{5EC68873-162D-7C61-1ABC-ADC0BBB922C8}"/>
-              </a:ext>
-            </a:extLst>
-          </p:cNvPr>
-          <p:cNvSpPr>
-            <a:spLocks noGrp="1"/>
-          </p:cNvSpPr>
-          <p:nvPr>
-            <p:ph idx="1"/>
-          </p:nvPr>
-        </p:nvSpPr>
-        <p:spPr/>
-        <p:txBody>
-          <a:bodyPr>
-            <a:normAutofit lnSpcReduction="10000"/>
-          </a:bodyPr>
-          <a:lstStyle/>
-          <a:p>
-            <a:pPr marL="0" indent="0">
-              <a:buNone/>
-            </a:pPr>
-            <a:r>
-              <a:rPr lang="en-US" dirty="0"/>
-              <a:t>This cool post on file structure:</a:t>
-            </a:r>
-          </a:p>
-          <a:p>
-            <a:r>
-              <a:rPr lang="en-US" dirty="0">
-                <a:hlinkClick r:id="rId2"/>
-              </a:rPr>
-              <a:t>https://mitcommlab.mit.edu/broad/commkit/file-structure/</a:t>
-            </a:r>
-            <a:endParaRPr lang="en-US" dirty="0"/>
-          </a:p>
-          <a:p>
-            <a:endParaRPr lang="en-US" dirty="0"/>
-          </a:p>
-          <a:p>
-            <a:pPr marL="0" indent="0">
-              <a:buNone/>
-            </a:pPr>
-            <a:r>
-              <a:rPr lang="en-US" dirty="0"/>
-              <a:t>This workshop by our very own data management team:</a:t>
-            </a:r>
-          </a:p>
-          <a:p>
-            <a:r>
-              <a:rPr lang="en-US" dirty="0" err="1"/>
-              <a:t>Tobin_Magle_Data_Management_Slides</a:t>
-            </a:r>
-            <a:endParaRPr lang="en-US" dirty="0"/>
-          </a:p>
-          <a:p>
-            <a:endParaRPr lang="en-US" dirty="0"/>
-          </a:p>
-          <a:p>
-            <a:pPr marL="0" indent="0">
-              <a:buNone/>
-            </a:pPr>
-            <a:r>
-              <a:rPr lang="en-US" dirty="0"/>
-              <a:t>Related workshops by our data science team:</a:t>
-            </a:r>
-          </a:p>
-          <a:p>
-            <a:r>
-              <a:rPr lang="en-US" dirty="0">
-                <a:hlinkClick r:id="rId3"/>
-              </a:rPr>
-              <a:t>The command line</a:t>
-            </a:r>
-            <a:endParaRPr lang="en-US" dirty="0"/>
-          </a:p>
-          <a:p>
-            <a:r>
-              <a:rPr lang="en-US" dirty="0">
-                <a:hlinkClick r:id="rId4"/>
-              </a:rPr>
-              <a:t>Conda environments</a:t>
-            </a:r>
-            <a:endParaRPr lang="en-US" dirty="0"/>
-          </a:p>
-          <a:p>
-            <a:r>
-              <a:rPr lang="en-US" dirty="0">
-                <a:hlinkClick r:id="rId5"/>
-              </a:rPr>
-              <a:t>Git and GitHub</a:t>
-            </a:r>
-            <a:endParaRPr lang="en-US" dirty="0"/>
-          </a:p>
-        </p:txBody>
-      </p:sp>
-    </p:spTree>
-    <p:extLst>
-      <p:ext uri="{BB962C8B-B14F-4D97-AF65-F5344CB8AC3E}">
-        <p14:creationId xmlns:p14="http://schemas.microsoft.com/office/powerpoint/2010/main" val="1885493316"/>
       </p:ext>
     </p:extLst>
   </p:cSld>

--- a/researchers_guide_to_code_organization_day_1.pptx
+++ b/researchers_guide_to_code_organization_day_1.pptx
@@ -5,7 +5,7 @@
     <p:sldMasterId id="2147483648" r:id="rId1"/>
   </p:sldMasterIdLst>
   <p:notesMasterIdLst>
-    <p:notesMasterId r:id="rId105"/>
+    <p:notesMasterId r:id="rId106"/>
   </p:notesMasterIdLst>
   <p:sldIdLst>
     <p:sldId id="256" r:id="rId2"/>
@@ -102,15 +102,16 @@
     <p:sldId id="413" r:id="rId93"/>
     <p:sldId id="412" r:id="rId94"/>
     <p:sldId id="375" r:id="rId95"/>
-    <p:sldId id="370" r:id="rId96"/>
-    <p:sldId id="323" r:id="rId97"/>
-    <p:sldId id="406" r:id="rId98"/>
-    <p:sldId id="388" r:id="rId99"/>
-    <p:sldId id="324" r:id="rId100"/>
-    <p:sldId id="390" r:id="rId101"/>
-    <p:sldId id="410" r:id="rId102"/>
-    <p:sldId id="325" r:id="rId103"/>
-    <p:sldId id="376" r:id="rId104"/>
+    <p:sldId id="414" r:id="rId96"/>
+    <p:sldId id="370" r:id="rId97"/>
+    <p:sldId id="323" r:id="rId98"/>
+    <p:sldId id="406" r:id="rId99"/>
+    <p:sldId id="388" r:id="rId100"/>
+    <p:sldId id="324" r:id="rId101"/>
+    <p:sldId id="390" r:id="rId102"/>
+    <p:sldId id="410" r:id="rId103"/>
+    <p:sldId id="325" r:id="rId104"/>
+    <p:sldId id="376" r:id="rId105"/>
   </p:sldIdLst>
   <p:sldSz cx="12192000" cy="6858000"/>
   <p:notesSz cx="6858000" cy="9144000"/>
@@ -5006,7 +5007,7 @@
         <p:cNvPr id="1" name="">
           <a:extLst>
             <a:ext uri="{FF2B5EF4-FFF2-40B4-BE49-F238E27FC236}">
-              <a16:creationId xmlns:a16="http://schemas.microsoft.com/office/drawing/2014/main" id="{201221A7-6F62-0ACE-CCBA-0385ECD923CB}"/>
+              <a16:creationId xmlns:a16="http://schemas.microsoft.com/office/drawing/2014/main" id="{A76E9688-19BC-34E4-A532-067AB904DF0D}"/>
             </a:ext>
           </a:extLst>
         </p:cNvPr>
@@ -5023,187 +5024,10 @@
       </p:grpSpPr>
       <p:sp>
         <p:nvSpPr>
-          <p:cNvPr id="2" name="Title 1">
-            <a:extLst>
-              <a:ext uri="{FF2B5EF4-FFF2-40B4-BE49-F238E27FC236}">
-                <a16:creationId xmlns:a16="http://schemas.microsoft.com/office/drawing/2014/main" id="{C1E8441D-F497-FE3D-5C50-C80471999F79}"/>
-              </a:ext>
-            </a:extLst>
-          </p:cNvPr>
-          <p:cNvSpPr>
-            <a:spLocks noGrp="1"/>
-          </p:cNvSpPr>
-          <p:nvPr>
-            <p:ph type="title"/>
-          </p:nvPr>
-        </p:nvSpPr>
-        <p:spPr/>
-        <p:txBody>
-          <a:bodyPr/>
-          <a:lstStyle/>
-          <a:p>
-            <a:r>
-              <a:rPr lang="en-US"/>
-              <a:t>Day 1- Overview</a:t>
-            </a:r>
-          </a:p>
-        </p:txBody>
-      </p:sp>
-      <p:pic>
-        <p:nvPicPr>
-          <p:cNvPr id="4" name="Picture 3">
-            <a:extLst>
-              <a:ext uri="{FF2B5EF4-FFF2-40B4-BE49-F238E27FC236}">
-                <a16:creationId xmlns:a16="http://schemas.microsoft.com/office/drawing/2014/main" id="{9EDF0102-8871-FF66-C953-5E94BCCC9C22}"/>
-              </a:ext>
-            </a:extLst>
-          </p:cNvPr>
-          <p:cNvPicPr>
-            <a:picLocks noChangeAspect="1"/>
-          </p:cNvPicPr>
-          <p:nvPr/>
-        </p:nvPicPr>
-        <p:blipFill>
-          <a:blip r:embed="rId2"/>
-          <a:stretch>
-            <a:fillRect/>
-          </a:stretch>
-        </p:blipFill>
-        <p:spPr>
-          <a:xfrm>
-            <a:off x="1743074" y="992420"/>
-            <a:ext cx="8349616" cy="5667558"/>
-          </a:xfrm>
-          <a:prstGeom prst="rect">
-            <a:avLst/>
-          </a:prstGeom>
-        </p:spPr>
-      </p:pic>
-    </p:spTree>
-    <p:extLst>
-      <p:ext uri="{BB962C8B-B14F-4D97-AF65-F5344CB8AC3E}">
-        <p14:creationId xmlns:p14="http://schemas.microsoft.com/office/powerpoint/2010/main" val="3798540838"/>
-      </p:ext>
-    </p:extLst>
-  </p:cSld>
-  <p:clrMapOvr>
-    <a:masterClrMapping/>
-  </p:clrMapOvr>
-</p:sld>
-</file>
-
-<file path=ppt/slides/slide101.xml><?xml version="1.0" encoding="utf-8"?>
-<p:sld xmlns:a="http://schemas.openxmlformats.org/drawingml/2006/main" xmlns:r="http://schemas.openxmlformats.org/officeDocument/2006/relationships" xmlns:p="http://schemas.openxmlformats.org/presentationml/2006/main">
-  <p:cSld>
-    <p:spTree>
-      <p:nvGrpSpPr>
-        <p:cNvPr id="1" name=""/>
-        <p:cNvGrpSpPr/>
-        <p:nvPr/>
-      </p:nvGrpSpPr>
-      <p:grpSpPr>
-        <a:xfrm>
-          <a:off x="0" y="0"/>
-          <a:ext cx="0" cy="0"/>
-          <a:chOff x="0" y="0"/>
-          <a:chExt cx="0" cy="0"/>
-        </a:xfrm>
-      </p:grpSpPr>
-      <p:sp>
-        <p:nvSpPr>
-          <p:cNvPr id="2" name="Title 1">
-            <a:extLst>
-              <a:ext uri="{FF2B5EF4-FFF2-40B4-BE49-F238E27FC236}">
-                <a16:creationId xmlns:a16="http://schemas.microsoft.com/office/drawing/2014/main" id="{2DFC3D64-5957-BEA5-B5E3-AFEF81771C95}"/>
-              </a:ext>
-            </a:extLst>
-          </p:cNvPr>
-          <p:cNvSpPr>
-            <a:spLocks noGrp="1"/>
-          </p:cNvSpPr>
-          <p:nvPr>
-            <p:ph type="title"/>
-          </p:nvPr>
-        </p:nvSpPr>
-        <p:spPr/>
-        <p:txBody>
-          <a:bodyPr/>
-          <a:lstStyle/>
-          <a:p>
-            <a:r>
-              <a:rPr lang="en-US" dirty="0"/>
-              <a:t>Checklist</a:t>
-            </a:r>
-          </a:p>
-        </p:txBody>
-      </p:sp>
-      <p:sp>
-        <p:nvSpPr>
-          <p:cNvPr id="3" name="Content Placeholder 2">
-            <a:extLst>
-              <a:ext uri="{FF2B5EF4-FFF2-40B4-BE49-F238E27FC236}">
-                <a16:creationId xmlns:a16="http://schemas.microsoft.com/office/drawing/2014/main" id="{C1B52081-B4F4-4A18-AC41-ABE88E393366}"/>
-              </a:ext>
-            </a:extLst>
-          </p:cNvPr>
-          <p:cNvSpPr>
-            <a:spLocks noGrp="1"/>
-          </p:cNvSpPr>
-          <p:nvPr>
-            <p:ph idx="1"/>
-          </p:nvPr>
-        </p:nvSpPr>
-        <p:spPr/>
-        <p:txBody>
-          <a:bodyPr/>
-          <a:lstStyle/>
-          <a:p>
-            <a:endParaRPr lang="en-US"/>
-          </a:p>
-        </p:txBody>
-      </p:sp>
-    </p:spTree>
-    <p:extLst>
-      <p:ext uri="{BB962C8B-B14F-4D97-AF65-F5344CB8AC3E}">
-        <p14:creationId xmlns:p14="http://schemas.microsoft.com/office/powerpoint/2010/main" val="616314721"/>
-      </p:ext>
-    </p:extLst>
-  </p:cSld>
-  <p:clrMapOvr>
-    <a:masterClrMapping/>
-  </p:clrMapOvr>
-</p:sld>
-</file>
-
-<file path=ppt/slides/slide102.xml><?xml version="1.0" encoding="utf-8"?>
-<p:sld xmlns:a="http://schemas.openxmlformats.org/drawingml/2006/main" xmlns:r="http://schemas.openxmlformats.org/officeDocument/2006/relationships" xmlns:p="http://schemas.openxmlformats.org/presentationml/2006/main">
-  <p:cSld>
-    <p:spTree>
-      <p:nvGrpSpPr>
-        <p:cNvPr id="1" name="">
-          <a:extLst>
-            <a:ext uri="{FF2B5EF4-FFF2-40B4-BE49-F238E27FC236}">
-              <a16:creationId xmlns:a16="http://schemas.microsoft.com/office/drawing/2014/main" id="{A39C4952-46DF-B388-2A57-28E6DBCC866B}"/>
-            </a:ext>
-          </a:extLst>
-        </p:cNvPr>
-        <p:cNvGrpSpPr/>
-        <p:nvPr/>
-      </p:nvGrpSpPr>
-      <p:grpSpPr>
-        <a:xfrm>
-          <a:off x="0" y="0"/>
-          <a:ext cx="0" cy="0"/>
-          <a:chOff x="0" y="0"/>
-          <a:chExt cx="0" cy="0"/>
-        </a:xfrm>
-      </p:grpSpPr>
-      <p:sp>
-        <p:nvSpPr>
           <p:cNvPr id="24" name="Freeform 23">
             <a:extLst>
               <a:ext uri="{FF2B5EF4-FFF2-40B4-BE49-F238E27FC236}">
-                <a16:creationId xmlns:a16="http://schemas.microsoft.com/office/drawing/2014/main" id="{06004A9F-A3A1-91D7-51DF-0F9667F49901}"/>
+                <a16:creationId xmlns:a16="http://schemas.microsoft.com/office/drawing/2014/main" id="{D3942794-5E05-291B-8543-4A8ACE2D57E2}"/>
               </a:ext>
             </a:extLst>
           </p:cNvPr>
@@ -5329,7 +5153,7 @@
           <p:cNvPr id="22" name="Freeform 21">
             <a:extLst>
               <a:ext uri="{FF2B5EF4-FFF2-40B4-BE49-F238E27FC236}">
-                <a16:creationId xmlns:a16="http://schemas.microsoft.com/office/drawing/2014/main" id="{71FC1A02-775F-925B-8D65-685BEF7791D1}"/>
+                <a16:creationId xmlns:a16="http://schemas.microsoft.com/office/drawing/2014/main" id="{46227CF2-B3B4-9012-17BA-5F01C0EAFE97}"/>
               </a:ext>
             </a:extLst>
           </p:cNvPr>
@@ -5455,7 +5279,7 @@
           <p:cNvPr id="15" name="Parallelogram 14">
             <a:extLst>
               <a:ext uri="{FF2B5EF4-FFF2-40B4-BE49-F238E27FC236}">
-                <a16:creationId xmlns:a16="http://schemas.microsoft.com/office/drawing/2014/main" id="{795A95C7-6952-1BD3-DDC2-7489DC24D4C6}"/>
+                <a16:creationId xmlns:a16="http://schemas.microsoft.com/office/drawing/2014/main" id="{DBEDA763-0CD2-FA7A-251F-8A1AD9BEB56C}"/>
               </a:ext>
             </a:extLst>
           </p:cNvPr>
@@ -5538,7 +5362,7 @@
           <p:cNvPr id="14" name="Parallelogram 13">
             <a:extLst>
               <a:ext uri="{FF2B5EF4-FFF2-40B4-BE49-F238E27FC236}">
-                <a16:creationId xmlns:a16="http://schemas.microsoft.com/office/drawing/2014/main" id="{D9E26B57-49C3-8597-9B3E-369EA7050E69}"/>
+                <a16:creationId xmlns:a16="http://schemas.microsoft.com/office/drawing/2014/main" id="{769DDE58-8D8E-A11A-45F8-FF1B2ADD2736}"/>
               </a:ext>
             </a:extLst>
           </p:cNvPr>
@@ -5621,6 +5445,761 @@
           <p:cNvPr id="2" name="TextBox 1">
             <a:extLst>
               <a:ext uri="{FF2B5EF4-FFF2-40B4-BE49-F238E27FC236}">
+                <a16:creationId xmlns:a16="http://schemas.microsoft.com/office/drawing/2014/main" id="{F2C42C00-7032-1204-CA48-F326F0A9CFF8}"/>
+              </a:ext>
+            </a:extLst>
+          </p:cNvPr>
+          <p:cNvSpPr txBox="1">
+            <a:spLocks noGrp="1" noRot="1" noMove="1" noResize="1" noEditPoints="1" noAdjustHandles="1" noChangeArrowheads="1" noChangeShapeType="1"/>
+          </p:cNvSpPr>
+          <p:nvPr/>
+        </p:nvSpPr>
+        <p:spPr>
+          <a:xfrm>
+            <a:off x="0" y="3208103"/>
+            <a:ext cx="12192000" cy="2286000"/>
+          </a:xfrm>
+          <a:prstGeom prst="rect">
+            <a:avLst/>
+          </a:prstGeom>
+          <a:solidFill>
+            <a:srgbClr val="E4E0EE"/>
+          </a:solidFill>
+        </p:spPr>
+        <p:txBody>
+          <a:bodyPr wrap="square" lIns="914400" rIns="914400" rtlCol="0" anchor="ctr">
+            <a:noAutofit/>
+          </a:bodyPr>
+          <a:lstStyle/>
+          <a:p>
+            <a:pPr marL="0" marR="0" lvl="0" indent="0" algn="l" defTabSz="914400" rtl="0" eaLnBrk="1" fontAlgn="auto" latinLnBrk="0" hangingPunct="1">
+              <a:lnSpc>
+                <a:spcPct val="100000"/>
+              </a:lnSpc>
+              <a:spcBef>
+                <a:spcPts val="0"/>
+              </a:spcBef>
+              <a:spcAft>
+                <a:spcPts val="0"/>
+              </a:spcAft>
+              <a:buClrTx/>
+              <a:buSzTx/>
+              <a:buFontTx/>
+              <a:buNone/>
+              <a:tabLst/>
+              <a:defRPr/>
+            </a:pPr>
+            <a:r>
+              <a:rPr kumimoji="0" lang="en-US" sz="4800" b="0" i="0" u="none" strike="noStrike" kern="1200" cap="none" spc="0" normalizeH="0" baseline="0" noProof="0">
+                <a:ln>
+                  <a:noFill/>
+                </a:ln>
+                <a:solidFill>
+                  <a:schemeClr val="tx1">
+                    <a:lumMod val="65000"/>
+                    <a:lumOff val="35000"/>
+                  </a:schemeClr>
+                </a:solidFill>
+                <a:effectLst/>
+                <a:uLnTx/>
+                <a:uFillTx/>
+                <a:latin typeface="Arial" panose="020B0604020202020204" pitchFamily="34" charset="0"/>
+                <a:ea typeface="+mn-ea"/>
+                <a:cs typeface="Arial" panose="020B0604020202020204" pitchFamily="34" charset="0"/>
+              </a:rPr>
+              <a:t>Recap</a:t>
+            </a:r>
+          </a:p>
+        </p:txBody>
+      </p:sp>
+    </p:spTree>
+    <p:extLst>
+      <p:ext uri="{BB962C8B-B14F-4D97-AF65-F5344CB8AC3E}">
+        <p14:creationId xmlns:p14="http://schemas.microsoft.com/office/powerpoint/2010/main" val="2089355000"/>
+      </p:ext>
+    </p:extLst>
+  </p:cSld>
+  <p:clrMapOvr>
+    <a:masterClrMapping/>
+  </p:clrMapOvr>
+</p:sld>
+</file>
+
+<file path=ppt/slides/slide101.xml><?xml version="1.0" encoding="utf-8"?>
+<p:sld xmlns:a="http://schemas.openxmlformats.org/drawingml/2006/main" xmlns:r="http://schemas.openxmlformats.org/officeDocument/2006/relationships" xmlns:p="http://schemas.openxmlformats.org/presentationml/2006/main">
+  <p:cSld>
+    <p:spTree>
+      <p:nvGrpSpPr>
+        <p:cNvPr id="1" name="">
+          <a:extLst>
+            <a:ext uri="{FF2B5EF4-FFF2-40B4-BE49-F238E27FC236}">
+              <a16:creationId xmlns:a16="http://schemas.microsoft.com/office/drawing/2014/main" id="{201221A7-6F62-0ACE-CCBA-0385ECD923CB}"/>
+            </a:ext>
+          </a:extLst>
+        </p:cNvPr>
+        <p:cNvGrpSpPr/>
+        <p:nvPr/>
+      </p:nvGrpSpPr>
+      <p:grpSpPr>
+        <a:xfrm>
+          <a:off x="0" y="0"/>
+          <a:ext cx="0" cy="0"/>
+          <a:chOff x="0" y="0"/>
+          <a:chExt cx="0" cy="0"/>
+        </a:xfrm>
+      </p:grpSpPr>
+      <p:sp>
+        <p:nvSpPr>
+          <p:cNvPr id="2" name="Title 1">
+            <a:extLst>
+              <a:ext uri="{FF2B5EF4-FFF2-40B4-BE49-F238E27FC236}">
+                <a16:creationId xmlns:a16="http://schemas.microsoft.com/office/drawing/2014/main" id="{C1E8441D-F497-FE3D-5C50-C80471999F79}"/>
+              </a:ext>
+            </a:extLst>
+          </p:cNvPr>
+          <p:cNvSpPr>
+            <a:spLocks noGrp="1"/>
+          </p:cNvSpPr>
+          <p:nvPr>
+            <p:ph type="title"/>
+          </p:nvPr>
+        </p:nvSpPr>
+        <p:spPr/>
+        <p:txBody>
+          <a:bodyPr/>
+          <a:lstStyle/>
+          <a:p>
+            <a:r>
+              <a:rPr lang="en-US"/>
+              <a:t>Day 1- Overview</a:t>
+            </a:r>
+          </a:p>
+        </p:txBody>
+      </p:sp>
+      <p:pic>
+        <p:nvPicPr>
+          <p:cNvPr id="4" name="Picture 3">
+            <a:extLst>
+              <a:ext uri="{FF2B5EF4-FFF2-40B4-BE49-F238E27FC236}">
+                <a16:creationId xmlns:a16="http://schemas.microsoft.com/office/drawing/2014/main" id="{9EDF0102-8871-FF66-C953-5E94BCCC9C22}"/>
+              </a:ext>
+            </a:extLst>
+          </p:cNvPr>
+          <p:cNvPicPr>
+            <a:picLocks noChangeAspect="1"/>
+          </p:cNvPicPr>
+          <p:nvPr/>
+        </p:nvPicPr>
+        <p:blipFill>
+          <a:blip r:embed="rId2"/>
+          <a:stretch>
+            <a:fillRect/>
+          </a:stretch>
+        </p:blipFill>
+        <p:spPr>
+          <a:xfrm>
+            <a:off x="1743074" y="992420"/>
+            <a:ext cx="8349616" cy="5667558"/>
+          </a:xfrm>
+          <a:prstGeom prst="rect">
+            <a:avLst/>
+          </a:prstGeom>
+        </p:spPr>
+      </p:pic>
+    </p:spTree>
+    <p:extLst>
+      <p:ext uri="{BB962C8B-B14F-4D97-AF65-F5344CB8AC3E}">
+        <p14:creationId xmlns:p14="http://schemas.microsoft.com/office/powerpoint/2010/main" val="3798540838"/>
+      </p:ext>
+    </p:extLst>
+  </p:cSld>
+  <p:clrMapOvr>
+    <a:masterClrMapping/>
+  </p:clrMapOvr>
+</p:sld>
+</file>
+
+<file path=ppt/slides/slide102.xml><?xml version="1.0" encoding="utf-8"?>
+<p:sld xmlns:a="http://schemas.openxmlformats.org/drawingml/2006/main" xmlns:r="http://schemas.openxmlformats.org/officeDocument/2006/relationships" xmlns:p="http://schemas.openxmlformats.org/presentationml/2006/main">
+  <p:cSld>
+    <p:spTree>
+      <p:nvGrpSpPr>
+        <p:cNvPr id="1" name=""/>
+        <p:cNvGrpSpPr/>
+        <p:nvPr/>
+      </p:nvGrpSpPr>
+      <p:grpSpPr>
+        <a:xfrm>
+          <a:off x="0" y="0"/>
+          <a:ext cx="0" cy="0"/>
+          <a:chOff x="0" y="0"/>
+          <a:chExt cx="0" cy="0"/>
+        </a:xfrm>
+      </p:grpSpPr>
+      <p:sp>
+        <p:nvSpPr>
+          <p:cNvPr id="2" name="Title 1">
+            <a:extLst>
+              <a:ext uri="{FF2B5EF4-FFF2-40B4-BE49-F238E27FC236}">
+                <a16:creationId xmlns:a16="http://schemas.microsoft.com/office/drawing/2014/main" id="{2DFC3D64-5957-BEA5-B5E3-AFEF81771C95}"/>
+              </a:ext>
+            </a:extLst>
+          </p:cNvPr>
+          <p:cNvSpPr>
+            <a:spLocks noGrp="1"/>
+          </p:cNvSpPr>
+          <p:nvPr>
+            <p:ph type="title"/>
+          </p:nvPr>
+        </p:nvSpPr>
+        <p:spPr/>
+        <p:txBody>
+          <a:bodyPr/>
+          <a:lstStyle/>
+          <a:p>
+            <a:r>
+              <a:rPr lang="en-US" dirty="0"/>
+              <a:t>Checklist</a:t>
+            </a:r>
+          </a:p>
+        </p:txBody>
+      </p:sp>
+      <p:sp>
+        <p:nvSpPr>
+          <p:cNvPr id="3" name="Content Placeholder 2">
+            <a:extLst>
+              <a:ext uri="{FF2B5EF4-FFF2-40B4-BE49-F238E27FC236}">
+                <a16:creationId xmlns:a16="http://schemas.microsoft.com/office/drawing/2014/main" id="{C1B52081-B4F4-4A18-AC41-ABE88E393366}"/>
+              </a:ext>
+            </a:extLst>
+          </p:cNvPr>
+          <p:cNvSpPr>
+            <a:spLocks noGrp="1"/>
+          </p:cNvSpPr>
+          <p:nvPr>
+            <p:ph idx="1"/>
+          </p:nvPr>
+        </p:nvSpPr>
+        <p:spPr/>
+        <p:txBody>
+          <a:bodyPr/>
+          <a:lstStyle/>
+          <a:p>
+            <a:r>
+              <a:rPr lang="en-US" dirty="0"/>
+              <a:t>Draft the structure of your project</a:t>
+            </a:r>
+          </a:p>
+          <a:p>
+            <a:r>
+              <a:rPr lang="en-US" dirty="0"/>
+              <a:t>Create the initial directories</a:t>
+            </a:r>
+          </a:p>
+          <a:p>
+            <a:r>
+              <a:rPr lang="en-US" dirty="0"/>
+              <a:t>Setup an environment (</a:t>
+            </a:r>
+            <a:r>
+              <a:rPr lang="en-US" dirty="0" err="1"/>
+              <a:t>renv</a:t>
+            </a:r>
+            <a:r>
+              <a:rPr lang="en-US" dirty="0"/>
+              <a:t>, conda, etc.)</a:t>
+            </a:r>
+          </a:p>
+          <a:p>
+            <a:r>
+              <a:rPr lang="en-US" dirty="0"/>
+              <a:t>Setup version control (git, GitHub)</a:t>
+            </a:r>
+          </a:p>
+          <a:p>
+            <a:r>
+              <a:rPr lang="en-US" dirty="0"/>
+              <a:t>Setup a README file</a:t>
+            </a:r>
+          </a:p>
+          <a:p>
+            <a:r>
+              <a:rPr lang="en-US" dirty="0"/>
+              <a:t>Create and update configuration files in tandem to </a:t>
+            </a:r>
+            <a:r>
+              <a:rPr lang="en-US"/>
+              <a:t>your coding</a:t>
+            </a:r>
+            <a:endParaRPr lang="en-US" dirty="0"/>
+          </a:p>
+          <a:p>
+            <a:r>
+              <a:rPr lang="en-US" dirty="0"/>
+              <a:t>Start coding!</a:t>
+            </a:r>
+          </a:p>
+        </p:txBody>
+      </p:sp>
+    </p:spTree>
+    <p:extLst>
+      <p:ext uri="{BB962C8B-B14F-4D97-AF65-F5344CB8AC3E}">
+        <p14:creationId xmlns:p14="http://schemas.microsoft.com/office/powerpoint/2010/main" val="616314721"/>
+      </p:ext>
+    </p:extLst>
+  </p:cSld>
+  <p:clrMapOvr>
+    <a:masterClrMapping/>
+  </p:clrMapOvr>
+</p:sld>
+</file>
+
+<file path=ppt/slides/slide103.xml><?xml version="1.0" encoding="utf-8"?>
+<p:sld xmlns:a="http://schemas.openxmlformats.org/drawingml/2006/main" xmlns:r="http://schemas.openxmlformats.org/officeDocument/2006/relationships" xmlns:p="http://schemas.openxmlformats.org/presentationml/2006/main">
+  <p:cSld>
+    <p:spTree>
+      <p:nvGrpSpPr>
+        <p:cNvPr id="1" name="">
+          <a:extLst>
+            <a:ext uri="{FF2B5EF4-FFF2-40B4-BE49-F238E27FC236}">
+              <a16:creationId xmlns:a16="http://schemas.microsoft.com/office/drawing/2014/main" id="{A39C4952-46DF-B388-2A57-28E6DBCC866B}"/>
+            </a:ext>
+          </a:extLst>
+        </p:cNvPr>
+        <p:cNvGrpSpPr/>
+        <p:nvPr/>
+      </p:nvGrpSpPr>
+      <p:grpSpPr>
+        <a:xfrm>
+          <a:off x="0" y="0"/>
+          <a:ext cx="0" cy="0"/>
+          <a:chOff x="0" y="0"/>
+          <a:chExt cx="0" cy="0"/>
+        </a:xfrm>
+      </p:grpSpPr>
+      <p:sp>
+        <p:nvSpPr>
+          <p:cNvPr id="24" name="Freeform 23">
+            <a:extLst>
+              <a:ext uri="{FF2B5EF4-FFF2-40B4-BE49-F238E27FC236}">
+                <a16:creationId xmlns:a16="http://schemas.microsoft.com/office/drawing/2014/main" id="{06004A9F-A3A1-91D7-51DF-0F9667F49901}"/>
+              </a:ext>
+            </a:extLst>
+          </p:cNvPr>
+          <p:cNvSpPr/>
+          <p:nvPr/>
+        </p:nvSpPr>
+        <p:spPr>
+          <a:xfrm>
+            <a:off x="10054397" y="2636920"/>
+            <a:ext cx="2137603" cy="4221080"/>
+          </a:xfrm>
+          <a:custGeom>
+            <a:avLst/>
+            <a:gdLst>
+              <a:gd name="connsiteX0" fmla="*/ 2137603 w 2137603"/>
+              <a:gd name="connsiteY0" fmla="*/ 0 h 4221080"/>
+              <a:gd name="connsiteX1" fmla="*/ 2137603 w 2137603"/>
+              <a:gd name="connsiteY1" fmla="*/ 578403 h 4221080"/>
+              <a:gd name="connsiteX2" fmla="*/ 292910 w 2137603"/>
+              <a:gd name="connsiteY2" fmla="*/ 4221080 h 4221080"/>
+              <a:gd name="connsiteX3" fmla="*/ 0 w 2137603"/>
+              <a:gd name="connsiteY3" fmla="*/ 4221080 h 4221080"/>
+            </a:gdLst>
+            <a:ahLst/>
+            <a:cxnLst>
+              <a:cxn ang="0">
+                <a:pos x="connsiteX0" y="connsiteY0"/>
+              </a:cxn>
+              <a:cxn ang="0">
+                <a:pos x="connsiteX1" y="connsiteY1"/>
+              </a:cxn>
+              <a:cxn ang="0">
+                <a:pos x="connsiteX2" y="connsiteY2"/>
+              </a:cxn>
+              <a:cxn ang="0">
+                <a:pos x="connsiteX3" y="connsiteY3"/>
+              </a:cxn>
+            </a:cxnLst>
+            <a:rect l="l" t="t" r="r" b="b"/>
+            <a:pathLst>
+              <a:path w="2137603" h="4221080">
+                <a:moveTo>
+                  <a:pt x="2137603" y="0"/>
+                </a:moveTo>
+                <a:lnTo>
+                  <a:pt x="2137603" y="578403"/>
+                </a:lnTo>
+                <a:lnTo>
+                  <a:pt x="292910" y="4221080"/>
+                </a:lnTo>
+                <a:lnTo>
+                  <a:pt x="0" y="4221080"/>
+                </a:lnTo>
+                <a:close/>
+              </a:path>
+            </a:pathLst>
+          </a:custGeom>
+          <a:solidFill>
+            <a:srgbClr val="4E2A84"/>
+          </a:solidFill>
+          <a:ln>
+            <a:noFill/>
+          </a:ln>
+        </p:spPr>
+        <p:style>
+          <a:lnRef idx="2">
+            <a:schemeClr val="accent1">
+              <a:shade val="15000"/>
+            </a:schemeClr>
+          </a:lnRef>
+          <a:fillRef idx="1">
+            <a:schemeClr val="accent1"/>
+          </a:fillRef>
+          <a:effectRef idx="0">
+            <a:schemeClr val="accent1"/>
+          </a:effectRef>
+          <a:fontRef idx="minor">
+            <a:schemeClr val="lt1"/>
+          </a:fontRef>
+        </p:style>
+        <p:txBody>
+          <a:bodyPr wrap="square" rtlCol="0" anchor="ctr">
+            <a:noAutofit/>
+          </a:bodyPr>
+          <a:lstStyle/>
+          <a:p>
+            <a:pPr marL="0" marR="0" lvl="0" indent="0" algn="ctr" defTabSz="914400" rtl="0" eaLnBrk="1" fontAlgn="auto" latinLnBrk="0" hangingPunct="1">
+              <a:lnSpc>
+                <a:spcPct val="100000"/>
+              </a:lnSpc>
+              <a:spcBef>
+                <a:spcPts val="0"/>
+              </a:spcBef>
+              <a:spcAft>
+                <a:spcPts val="0"/>
+              </a:spcAft>
+              <a:buClrTx/>
+              <a:buSzTx/>
+              <a:buFontTx/>
+              <a:buNone/>
+              <a:tabLst/>
+              <a:defRPr/>
+            </a:pPr>
+            <a:endParaRPr kumimoji="0" lang="en-US" sz="1800" b="0" i="0" u="none" strike="noStrike" kern="1200" cap="none" spc="0" normalizeH="0" baseline="0" noProof="0">
+              <a:ln>
+                <a:noFill/>
+              </a:ln>
+              <a:solidFill>
+                <a:prstClr val="white"/>
+              </a:solidFill>
+              <a:effectLst/>
+              <a:uLnTx/>
+              <a:uFillTx/>
+              <a:latin typeface="Aptos" panose="02110004020202020204"/>
+              <a:ea typeface="+mn-ea"/>
+              <a:cs typeface="+mn-cs"/>
+            </a:endParaRPr>
+          </a:p>
+        </p:txBody>
+      </p:sp>
+      <p:sp>
+        <p:nvSpPr>
+          <p:cNvPr id="22" name="Freeform 21">
+            <a:extLst>
+              <a:ext uri="{FF2B5EF4-FFF2-40B4-BE49-F238E27FC236}">
+                <a16:creationId xmlns:a16="http://schemas.microsoft.com/office/drawing/2014/main" id="{71FC1A02-775F-925B-8D65-685BEF7791D1}"/>
+              </a:ext>
+            </a:extLst>
+          </p:cNvPr>
+          <p:cNvSpPr/>
+          <p:nvPr/>
+        </p:nvSpPr>
+        <p:spPr>
+          <a:xfrm>
+            <a:off x="9324482" y="1195572"/>
+            <a:ext cx="2867518" cy="5662428"/>
+          </a:xfrm>
+          <a:custGeom>
+            <a:avLst/>
+            <a:gdLst>
+              <a:gd name="connsiteX0" fmla="*/ 2867518 w 2867518"/>
+              <a:gd name="connsiteY0" fmla="*/ 0 h 5662428"/>
+              <a:gd name="connsiteX1" fmla="*/ 2867518 w 2867518"/>
+              <a:gd name="connsiteY1" fmla="*/ 578403 h 5662428"/>
+              <a:gd name="connsiteX2" fmla="*/ 292910 w 2867518"/>
+              <a:gd name="connsiteY2" fmla="*/ 5662428 h 5662428"/>
+              <a:gd name="connsiteX3" fmla="*/ 0 w 2867518"/>
+              <a:gd name="connsiteY3" fmla="*/ 5662428 h 5662428"/>
+            </a:gdLst>
+            <a:ahLst/>
+            <a:cxnLst>
+              <a:cxn ang="0">
+                <a:pos x="connsiteX0" y="connsiteY0"/>
+              </a:cxn>
+              <a:cxn ang="0">
+                <a:pos x="connsiteX1" y="connsiteY1"/>
+              </a:cxn>
+              <a:cxn ang="0">
+                <a:pos x="connsiteX2" y="connsiteY2"/>
+              </a:cxn>
+              <a:cxn ang="0">
+                <a:pos x="connsiteX3" y="connsiteY3"/>
+              </a:cxn>
+            </a:cxnLst>
+            <a:rect l="l" t="t" r="r" b="b"/>
+            <a:pathLst>
+              <a:path w="2867518" h="5662428">
+                <a:moveTo>
+                  <a:pt x="2867518" y="0"/>
+                </a:moveTo>
+                <a:lnTo>
+                  <a:pt x="2867518" y="578403"/>
+                </a:lnTo>
+                <a:lnTo>
+                  <a:pt x="292910" y="5662428"/>
+                </a:lnTo>
+                <a:lnTo>
+                  <a:pt x="0" y="5662428"/>
+                </a:lnTo>
+                <a:close/>
+              </a:path>
+            </a:pathLst>
+          </a:custGeom>
+          <a:solidFill>
+            <a:srgbClr val="4E2A84"/>
+          </a:solidFill>
+          <a:ln>
+            <a:noFill/>
+          </a:ln>
+        </p:spPr>
+        <p:style>
+          <a:lnRef idx="2">
+            <a:schemeClr val="accent1">
+              <a:shade val="15000"/>
+            </a:schemeClr>
+          </a:lnRef>
+          <a:fillRef idx="1">
+            <a:schemeClr val="accent1"/>
+          </a:fillRef>
+          <a:effectRef idx="0">
+            <a:schemeClr val="accent1"/>
+          </a:effectRef>
+          <a:fontRef idx="minor">
+            <a:schemeClr val="lt1"/>
+          </a:fontRef>
+        </p:style>
+        <p:txBody>
+          <a:bodyPr wrap="square" rtlCol="0" anchor="ctr">
+            <a:noAutofit/>
+          </a:bodyPr>
+          <a:lstStyle/>
+          <a:p>
+            <a:pPr marL="0" marR="0" lvl="0" indent="0" algn="ctr" defTabSz="914400" rtl="0" eaLnBrk="1" fontAlgn="auto" latinLnBrk="0" hangingPunct="1">
+              <a:lnSpc>
+                <a:spcPct val="100000"/>
+              </a:lnSpc>
+              <a:spcBef>
+                <a:spcPts val="0"/>
+              </a:spcBef>
+              <a:spcAft>
+                <a:spcPts val="0"/>
+              </a:spcAft>
+              <a:buClrTx/>
+              <a:buSzTx/>
+              <a:buFontTx/>
+              <a:buNone/>
+              <a:tabLst/>
+              <a:defRPr/>
+            </a:pPr>
+            <a:endParaRPr kumimoji="0" lang="en-US" sz="1800" b="0" i="0" u="none" strike="noStrike" kern="1200" cap="none" spc="0" normalizeH="0" baseline="0" noProof="0">
+              <a:ln>
+                <a:noFill/>
+              </a:ln>
+              <a:solidFill>
+                <a:prstClr val="white"/>
+              </a:solidFill>
+              <a:effectLst/>
+              <a:uLnTx/>
+              <a:uFillTx/>
+              <a:latin typeface="Aptos" panose="02110004020202020204"/>
+              <a:ea typeface="+mn-ea"/>
+              <a:cs typeface="+mn-cs"/>
+            </a:endParaRPr>
+          </a:p>
+        </p:txBody>
+      </p:sp>
+      <p:sp>
+        <p:nvSpPr>
+          <p:cNvPr id="15" name="Parallelogram 14">
+            <a:extLst>
+              <a:ext uri="{FF2B5EF4-FFF2-40B4-BE49-F238E27FC236}">
+                <a16:creationId xmlns:a16="http://schemas.microsoft.com/office/drawing/2014/main" id="{795A95C7-6952-1BD3-DDC2-7489DC24D4C6}"/>
+              </a:ext>
+            </a:extLst>
+          </p:cNvPr>
+          <p:cNvSpPr/>
+          <p:nvPr/>
+        </p:nvSpPr>
+        <p:spPr>
+          <a:xfrm>
+            <a:off x="4981075" y="0"/>
+            <a:ext cx="6845968" cy="6858000"/>
+          </a:xfrm>
+          <a:prstGeom prst="parallelogram">
+            <a:avLst>
+              <a:gd name="adj" fmla="val 49291"/>
+            </a:avLst>
+          </a:prstGeom>
+          <a:solidFill>
+            <a:srgbClr val="4E2A84"/>
+          </a:solidFill>
+          <a:ln>
+            <a:noFill/>
+          </a:ln>
+        </p:spPr>
+        <p:style>
+          <a:lnRef idx="2">
+            <a:schemeClr val="accent1">
+              <a:shade val="15000"/>
+            </a:schemeClr>
+          </a:lnRef>
+          <a:fillRef idx="1">
+            <a:schemeClr val="accent1"/>
+          </a:fillRef>
+          <a:effectRef idx="0">
+            <a:schemeClr val="accent1"/>
+          </a:effectRef>
+          <a:fontRef idx="minor">
+            <a:schemeClr val="lt1"/>
+          </a:fontRef>
+        </p:style>
+        <p:txBody>
+          <a:bodyPr rtlCol="0" anchor="ctr"/>
+          <a:lstStyle/>
+          <a:p>
+            <a:pPr marL="0" marR="0" lvl="0" indent="0" algn="ctr" defTabSz="914400" rtl="0" eaLnBrk="1" fontAlgn="auto" latinLnBrk="0" hangingPunct="1">
+              <a:lnSpc>
+                <a:spcPct val="100000"/>
+              </a:lnSpc>
+              <a:spcBef>
+                <a:spcPts val="0"/>
+              </a:spcBef>
+              <a:spcAft>
+                <a:spcPts val="0"/>
+              </a:spcAft>
+              <a:buClrTx/>
+              <a:buSzTx/>
+              <a:buFontTx/>
+              <a:buNone/>
+              <a:tabLst/>
+              <a:defRPr/>
+            </a:pPr>
+            <a:endParaRPr kumimoji="0" lang="en-US" sz="1800" b="0" i="0" u="none" strike="noStrike" kern="1200" cap="none" spc="0" normalizeH="0" baseline="0" noProof="0">
+              <a:ln>
+                <a:noFill/>
+              </a:ln>
+              <a:solidFill>
+                <a:prstClr val="white"/>
+              </a:solidFill>
+              <a:effectLst/>
+              <a:uLnTx/>
+              <a:uFillTx/>
+              <a:latin typeface="Aptos" panose="02110004020202020204"/>
+              <a:ea typeface="+mn-ea"/>
+              <a:cs typeface="+mn-cs"/>
+            </a:endParaRPr>
+          </a:p>
+        </p:txBody>
+      </p:sp>
+      <p:sp>
+        <p:nvSpPr>
+          <p:cNvPr id="14" name="Parallelogram 13">
+            <a:extLst>
+              <a:ext uri="{FF2B5EF4-FFF2-40B4-BE49-F238E27FC236}">
+                <a16:creationId xmlns:a16="http://schemas.microsoft.com/office/drawing/2014/main" id="{D9E26B57-49C3-8597-9B3E-369EA7050E69}"/>
+              </a:ext>
+            </a:extLst>
+          </p:cNvPr>
+          <p:cNvSpPr/>
+          <p:nvPr/>
+        </p:nvSpPr>
+        <p:spPr>
+          <a:xfrm>
+            <a:off x="3356518" y="0"/>
+            <a:ext cx="4565784" cy="6858000"/>
+          </a:xfrm>
+          <a:prstGeom prst="parallelogram">
+            <a:avLst>
+              <a:gd name="adj" fmla="val 74735"/>
+            </a:avLst>
+          </a:prstGeom>
+          <a:solidFill>
+            <a:srgbClr val="4E2A84"/>
+          </a:solidFill>
+          <a:ln>
+            <a:noFill/>
+          </a:ln>
+        </p:spPr>
+        <p:style>
+          <a:lnRef idx="2">
+            <a:schemeClr val="accent1">
+              <a:shade val="15000"/>
+            </a:schemeClr>
+          </a:lnRef>
+          <a:fillRef idx="1">
+            <a:schemeClr val="accent1"/>
+          </a:fillRef>
+          <a:effectRef idx="0">
+            <a:schemeClr val="accent1"/>
+          </a:effectRef>
+          <a:fontRef idx="minor">
+            <a:schemeClr val="lt1"/>
+          </a:fontRef>
+        </p:style>
+        <p:txBody>
+          <a:bodyPr rtlCol="0" anchor="ctr"/>
+          <a:lstStyle/>
+          <a:p>
+            <a:pPr marL="0" marR="0" lvl="0" indent="0" algn="ctr" defTabSz="914400" rtl="0" eaLnBrk="1" fontAlgn="auto" latinLnBrk="0" hangingPunct="1">
+              <a:lnSpc>
+                <a:spcPct val="100000"/>
+              </a:lnSpc>
+              <a:spcBef>
+                <a:spcPts val="0"/>
+              </a:spcBef>
+              <a:spcAft>
+                <a:spcPts val="0"/>
+              </a:spcAft>
+              <a:buClrTx/>
+              <a:buSzTx/>
+              <a:buFontTx/>
+              <a:buNone/>
+              <a:tabLst/>
+              <a:defRPr/>
+            </a:pPr>
+            <a:endParaRPr kumimoji="0" lang="en-US" sz="1800" b="0" i="0" u="none" strike="noStrike" kern="1200" cap="none" spc="0" normalizeH="0" baseline="0" noProof="0">
+              <a:ln>
+                <a:noFill/>
+              </a:ln>
+              <a:solidFill>
+                <a:prstClr val="white"/>
+              </a:solidFill>
+              <a:effectLst/>
+              <a:uLnTx/>
+              <a:uFillTx/>
+              <a:latin typeface="Aptos" panose="02110004020202020204"/>
+              <a:ea typeface="+mn-ea"/>
+              <a:cs typeface="+mn-cs"/>
+            </a:endParaRPr>
+          </a:p>
+        </p:txBody>
+      </p:sp>
+      <p:sp>
+        <p:nvSpPr>
+          <p:cNvPr id="2" name="TextBox 1">
+            <a:extLst>
+              <a:ext uri="{FF2B5EF4-FFF2-40B4-BE49-F238E27FC236}">
                 <a16:creationId xmlns:a16="http://schemas.microsoft.com/office/drawing/2014/main" id="{1B2F83FF-5DEA-7940-D90F-0D761953DACD}"/>
               </a:ext>
             </a:extLst>
@@ -5701,7 +6280,7 @@
 </p:sld>
 </file>
 
-<file path=ppt/slides/slide103.xml><?xml version="1.0" encoding="utf-8"?>
+<file path=ppt/slides/slide104.xml><?xml version="1.0" encoding="utf-8"?>
 <p:sld xmlns:a="http://schemas.openxmlformats.org/drawingml/2006/main" xmlns:r="http://schemas.openxmlformats.org/officeDocument/2006/relationships" xmlns:p="http://schemas.openxmlformats.org/presentationml/2006/main">
   <p:cSld>
     <p:spTree>
@@ -25567,6 +26146,110 @@
           <p:cNvPr id="2" name="Title 1">
             <a:extLst>
               <a:ext uri="{FF2B5EF4-FFF2-40B4-BE49-F238E27FC236}">
+                <a16:creationId xmlns:a16="http://schemas.microsoft.com/office/drawing/2014/main" id="{736C916C-13C9-C6E3-BBAC-55C2710D5855}"/>
+              </a:ext>
+            </a:extLst>
+          </p:cNvPr>
+          <p:cNvSpPr>
+            <a:spLocks noGrp="1"/>
+          </p:cNvSpPr>
+          <p:nvPr>
+            <p:ph type="title"/>
+          </p:nvPr>
+        </p:nvSpPr>
+        <p:spPr/>
+        <p:txBody>
+          <a:bodyPr/>
+          <a:lstStyle/>
+          <a:p>
+            <a:r>
+              <a:rPr lang="en-US" dirty="0"/>
+              <a:t>Note</a:t>
+            </a:r>
+          </a:p>
+        </p:txBody>
+      </p:sp>
+      <p:sp>
+        <p:nvSpPr>
+          <p:cNvPr id="3" name="Content Placeholder 2">
+            <a:extLst>
+              <a:ext uri="{FF2B5EF4-FFF2-40B4-BE49-F238E27FC236}">
+                <a16:creationId xmlns:a16="http://schemas.microsoft.com/office/drawing/2014/main" id="{0D8E02AB-089F-D04B-787F-E27413BE1F49}"/>
+              </a:ext>
+            </a:extLst>
+          </p:cNvPr>
+          <p:cNvSpPr>
+            <a:spLocks noGrp="1"/>
+          </p:cNvSpPr>
+          <p:nvPr>
+            <p:ph idx="1"/>
+          </p:nvPr>
+        </p:nvSpPr>
+        <p:spPr/>
+        <p:txBody>
+          <a:bodyPr/>
+          <a:lstStyle/>
+          <a:p>
+            <a:pPr marL="0" indent="0">
+              <a:buNone/>
+            </a:pPr>
+            <a:r>
+              <a:rPr lang="en-US" dirty="0"/>
+              <a:t>While we’re mentioning environments at the end...</a:t>
+            </a:r>
+          </a:p>
+          <a:p>
+            <a:pPr marL="0" indent="0">
+              <a:buNone/>
+            </a:pPr>
+            <a:endParaRPr lang="en-US" dirty="0"/>
+          </a:p>
+          <a:p>
+            <a:pPr marL="0" indent="0">
+              <a:buNone/>
+            </a:pPr>
+            <a:r>
+              <a:rPr lang="en-US" dirty="0"/>
+              <a:t>You should set yours up early on! Even before writing any script.</a:t>
+            </a:r>
+          </a:p>
+        </p:txBody>
+      </p:sp>
+    </p:spTree>
+    <p:extLst>
+      <p:ext uri="{BB962C8B-B14F-4D97-AF65-F5344CB8AC3E}">
+        <p14:creationId xmlns:p14="http://schemas.microsoft.com/office/powerpoint/2010/main" val="3935426592"/>
+      </p:ext>
+    </p:extLst>
+  </p:cSld>
+  <p:clrMapOvr>
+    <a:masterClrMapping/>
+  </p:clrMapOvr>
+</p:sld>
+</file>
+
+<file path=ppt/slides/slide96.xml><?xml version="1.0" encoding="utf-8"?>
+<p:sld xmlns:a="http://schemas.openxmlformats.org/drawingml/2006/main" xmlns:r="http://schemas.openxmlformats.org/officeDocument/2006/relationships" xmlns:p="http://schemas.openxmlformats.org/presentationml/2006/main">
+  <p:cSld>
+    <p:spTree>
+      <p:nvGrpSpPr>
+        <p:cNvPr id="1" name=""/>
+        <p:cNvGrpSpPr/>
+        <p:nvPr/>
+      </p:nvGrpSpPr>
+      <p:grpSpPr>
+        <a:xfrm>
+          <a:off x="0" y="0"/>
+          <a:ext cx="0" cy="0"/>
+          <a:chOff x="0" y="0"/>
+          <a:chExt cx="0" cy="0"/>
+        </a:xfrm>
+      </p:grpSpPr>
+      <p:sp>
+        <p:nvSpPr>
+          <p:cNvPr id="2" name="Title 1">
+            <a:extLst>
+              <a:ext uri="{FF2B5EF4-FFF2-40B4-BE49-F238E27FC236}">
                 <a16:creationId xmlns:a16="http://schemas.microsoft.com/office/drawing/2014/main" id="{9BE7539D-7669-0623-9F0A-6260E8620D80}"/>
               </a:ext>
             </a:extLst>
@@ -25643,7 +26326,7 @@
 </p:sld>
 </file>
 
-<file path=ppt/slides/slide96.xml><?xml version="1.0" encoding="utf-8"?>
+<file path=ppt/slides/slide97.xml><?xml version="1.0" encoding="utf-8"?>
 <p:sld xmlns:a="http://schemas.openxmlformats.org/drawingml/2006/main" xmlns:r="http://schemas.openxmlformats.org/officeDocument/2006/relationships" xmlns:p="http://schemas.openxmlformats.org/presentationml/2006/main">
   <p:cSld>
     <p:spTree>
@@ -26169,117 +26852,6 @@
 </p:sld>
 </file>
 
-<file path=ppt/slides/slide97.xml><?xml version="1.0" encoding="utf-8"?>
-<p:sld xmlns:a="http://schemas.openxmlformats.org/drawingml/2006/main" xmlns:r="http://schemas.openxmlformats.org/officeDocument/2006/relationships" xmlns:p="http://schemas.openxmlformats.org/presentationml/2006/main">
-  <p:cSld>
-    <p:spTree>
-      <p:nvGrpSpPr>
-        <p:cNvPr id="1" name=""/>
-        <p:cNvGrpSpPr/>
-        <p:nvPr/>
-      </p:nvGrpSpPr>
-      <p:grpSpPr>
-        <a:xfrm>
-          <a:off x="0" y="0"/>
-          <a:ext cx="0" cy="0"/>
-          <a:chOff x="0" y="0"/>
-          <a:chExt cx="0" cy="0"/>
-        </a:xfrm>
-      </p:grpSpPr>
-      <p:sp>
-        <p:nvSpPr>
-          <p:cNvPr id="2" name="Title 1">
-            <a:extLst>
-              <a:ext uri="{FF2B5EF4-FFF2-40B4-BE49-F238E27FC236}">
-                <a16:creationId xmlns:a16="http://schemas.microsoft.com/office/drawing/2014/main" id="{AABB9450-4FC2-BFF5-AB26-EA0F34F9119B}"/>
-              </a:ext>
-            </a:extLst>
-          </p:cNvPr>
-          <p:cNvSpPr>
-            <a:spLocks noGrp="1"/>
-          </p:cNvSpPr>
-          <p:nvPr>
-            <p:ph type="title"/>
-          </p:nvPr>
-        </p:nvSpPr>
-        <p:spPr/>
-        <p:txBody>
-          <a:bodyPr/>
-          <a:lstStyle/>
-          <a:p>
-            <a:r>
-              <a:rPr lang="en-US" dirty="0">
-                <a:solidFill>
-                  <a:srgbClr val="C00000"/>
-                </a:solidFill>
-              </a:rPr>
-              <a:t>Exercise</a:t>
-            </a:r>
-          </a:p>
-        </p:txBody>
-      </p:sp>
-      <p:sp>
-        <p:nvSpPr>
-          <p:cNvPr id="3" name="Content Placeholder 2">
-            <a:extLst>
-              <a:ext uri="{FF2B5EF4-FFF2-40B4-BE49-F238E27FC236}">
-                <a16:creationId xmlns:a16="http://schemas.microsoft.com/office/drawing/2014/main" id="{730CB4C9-2722-B870-A825-7E3511DE1242}"/>
-              </a:ext>
-            </a:extLst>
-          </p:cNvPr>
-          <p:cNvSpPr>
-            <a:spLocks noGrp="1"/>
-          </p:cNvSpPr>
-          <p:nvPr>
-            <p:ph idx="1"/>
-          </p:nvPr>
-        </p:nvSpPr>
-        <p:spPr/>
-        <p:txBody>
-          <a:bodyPr/>
-          <a:lstStyle/>
-          <a:p>
-            <a:pPr marL="0" indent="0">
-              <a:buNone/>
-            </a:pPr>
-            <a:r>
-              <a:rPr lang="en-US" dirty="0"/>
-              <a:t>Take a few minutes to study the structure of one of your current projects.</a:t>
-            </a:r>
-          </a:p>
-          <a:p>
-            <a:pPr marL="0" indent="0">
-              <a:buNone/>
-            </a:pPr>
-            <a:endParaRPr lang="en-US" dirty="0"/>
-          </a:p>
-          <a:p>
-            <a:r>
-              <a:rPr lang="en-US" dirty="0"/>
-              <a:t>Write some notes on how you would like to re-organize it based on what we learned today</a:t>
-            </a:r>
-          </a:p>
-          <a:p>
-            <a:r>
-              <a:rPr lang="en-US" dirty="0"/>
-              <a:t>DO NOT MAKE CHANGES</a:t>
-            </a:r>
-          </a:p>
-        </p:txBody>
-      </p:sp>
-    </p:spTree>
-    <p:extLst>
-      <p:ext uri="{BB962C8B-B14F-4D97-AF65-F5344CB8AC3E}">
-        <p14:creationId xmlns:p14="http://schemas.microsoft.com/office/powerpoint/2010/main" val="47885953"/>
-      </p:ext>
-    </p:extLst>
-  </p:cSld>
-  <p:clrMapOvr>
-    <a:masterClrMapping/>
-  </p:clrMapOvr>
-</p:sld>
-</file>
-
 <file path=ppt/slides/slide98.xml><?xml version="1.0" encoding="utf-8"?>
 <p:sld xmlns:a="http://schemas.openxmlformats.org/drawingml/2006/main" xmlns:r="http://schemas.openxmlformats.org/officeDocument/2006/relationships" xmlns:p="http://schemas.openxmlformats.org/presentationml/2006/main">
   <p:cSld>
@@ -26302,7 +26874,7 @@
           <p:cNvPr id="2" name="Title 1">
             <a:extLst>
               <a:ext uri="{FF2B5EF4-FFF2-40B4-BE49-F238E27FC236}">
-                <a16:creationId xmlns:a16="http://schemas.microsoft.com/office/drawing/2014/main" id="{9645E24C-0A61-2A75-D985-7119E8082C0D}"/>
+                <a16:creationId xmlns:a16="http://schemas.microsoft.com/office/drawing/2014/main" id="{AABB9450-4FC2-BFF5-AB26-EA0F34F9119B}"/>
               </a:ext>
             </a:extLst>
           </p:cNvPr>
@@ -26319,12 +26891,12 @@
           <a:lstStyle/>
           <a:p>
             <a:r>
-              <a:rPr lang="en-US">
+              <a:rPr lang="en-US" dirty="0">
                 <a:solidFill>
                   <a:srgbClr val="C00000"/>
                 </a:solidFill>
               </a:rPr>
-              <a:t>Chaos</a:t>
+              <a:t>Exercise</a:t>
             </a:r>
           </a:p>
         </p:txBody>
@@ -26334,7 +26906,7 @@
           <p:cNvPr id="3" name="Content Placeholder 2">
             <a:extLst>
               <a:ext uri="{FF2B5EF4-FFF2-40B4-BE49-F238E27FC236}">
-                <a16:creationId xmlns:a16="http://schemas.microsoft.com/office/drawing/2014/main" id="{82BE4F39-DB6D-A740-A44B-CBE3EF8CFAC5}"/>
+                <a16:creationId xmlns:a16="http://schemas.microsoft.com/office/drawing/2014/main" id="{730CB4C9-2722-B870-A825-7E3511DE1242}"/>
               </a:ext>
             </a:extLst>
           </p:cNvPr>
@@ -26354,26 +26926,26 @@
               <a:buNone/>
             </a:pPr>
             <a:r>
-              <a:rPr lang="en-US"/>
-              <a:t>Go to the Chaos folder, reorganize it and rename files based on the principles we learned today.</a:t>
-            </a:r>
-          </a:p>
-          <a:p>
-            <a:r>
-              <a:rPr lang="en-US"/>
-              <a:t>All files in this example folder pertain to the same project.</a:t>
-            </a:r>
-          </a:p>
-          <a:p>
-            <a:r>
-              <a:rPr lang="en-US"/>
-              <a:t>The mock files are empty, they are there just for practice.</a:t>
-            </a:r>
-          </a:p>
-          <a:p>
-            <a:r>
-              <a:rPr lang="en-US"/>
-              <a:t>If there are folders or files that you think must be added, feel free to do so!</a:t>
+              <a:rPr lang="en-US" dirty="0"/>
+              <a:t>Take a few minutes to study the structure of one of your current projects.</a:t>
+            </a:r>
+          </a:p>
+          <a:p>
+            <a:pPr marL="0" indent="0">
+              <a:buNone/>
+            </a:pPr>
+            <a:endParaRPr lang="en-US" dirty="0"/>
+          </a:p>
+          <a:p>
+            <a:r>
+              <a:rPr lang="en-US" dirty="0"/>
+              <a:t>Write some notes on how you would like to re-organize it based on what we learned today</a:t>
+            </a:r>
+          </a:p>
+          <a:p>
+            <a:r>
+              <a:rPr lang="en-US" dirty="0"/>
+              <a:t>DO NOT MAKE CHANGES</a:t>
             </a:r>
           </a:p>
         </p:txBody>
@@ -26381,7 +26953,7 @@
     </p:spTree>
     <p:extLst>
       <p:ext uri="{BB962C8B-B14F-4D97-AF65-F5344CB8AC3E}">
-        <p14:creationId xmlns:p14="http://schemas.microsoft.com/office/powerpoint/2010/main" val="3912562989"/>
+        <p14:creationId xmlns:p14="http://schemas.microsoft.com/office/powerpoint/2010/main" val="47885953"/>
       </p:ext>
     </p:extLst>
   </p:cSld>
@@ -26396,13 +26968,7 @@
   <p:cSld>
     <p:spTree>
       <p:nvGrpSpPr>
-        <p:cNvPr id="1" name="">
-          <a:extLst>
-            <a:ext uri="{FF2B5EF4-FFF2-40B4-BE49-F238E27FC236}">
-              <a16:creationId xmlns:a16="http://schemas.microsoft.com/office/drawing/2014/main" id="{A76E9688-19BC-34E4-A532-067AB904DF0D}"/>
-            </a:ext>
-          </a:extLst>
-        </p:cNvPr>
+        <p:cNvPr id="1" name=""/>
         <p:cNvGrpSpPr/>
         <p:nvPr/>
       </p:nvGrpSpPr>
@@ -26416,490 +26982,81 @@
       </p:grpSpPr>
       <p:sp>
         <p:nvSpPr>
-          <p:cNvPr id="24" name="Freeform 23">
-            <a:extLst>
-              <a:ext uri="{FF2B5EF4-FFF2-40B4-BE49-F238E27FC236}">
-                <a16:creationId xmlns:a16="http://schemas.microsoft.com/office/drawing/2014/main" id="{D3942794-5E05-291B-8543-4A8ACE2D57E2}"/>
-              </a:ext>
-            </a:extLst>
-          </p:cNvPr>
-          <p:cNvSpPr/>
-          <p:nvPr/>
-        </p:nvSpPr>
-        <p:spPr>
-          <a:xfrm>
-            <a:off x="10054397" y="2636920"/>
-            <a:ext cx="2137603" cy="4221080"/>
-          </a:xfrm>
-          <a:custGeom>
-            <a:avLst/>
-            <a:gdLst>
-              <a:gd name="connsiteX0" fmla="*/ 2137603 w 2137603"/>
-              <a:gd name="connsiteY0" fmla="*/ 0 h 4221080"/>
-              <a:gd name="connsiteX1" fmla="*/ 2137603 w 2137603"/>
-              <a:gd name="connsiteY1" fmla="*/ 578403 h 4221080"/>
-              <a:gd name="connsiteX2" fmla="*/ 292910 w 2137603"/>
-              <a:gd name="connsiteY2" fmla="*/ 4221080 h 4221080"/>
-              <a:gd name="connsiteX3" fmla="*/ 0 w 2137603"/>
-              <a:gd name="connsiteY3" fmla="*/ 4221080 h 4221080"/>
-            </a:gdLst>
-            <a:ahLst/>
-            <a:cxnLst>
-              <a:cxn ang="0">
-                <a:pos x="connsiteX0" y="connsiteY0"/>
-              </a:cxn>
-              <a:cxn ang="0">
-                <a:pos x="connsiteX1" y="connsiteY1"/>
-              </a:cxn>
-              <a:cxn ang="0">
-                <a:pos x="connsiteX2" y="connsiteY2"/>
-              </a:cxn>
-              <a:cxn ang="0">
-                <a:pos x="connsiteX3" y="connsiteY3"/>
-              </a:cxn>
-            </a:cxnLst>
-            <a:rect l="l" t="t" r="r" b="b"/>
-            <a:pathLst>
-              <a:path w="2137603" h="4221080">
-                <a:moveTo>
-                  <a:pt x="2137603" y="0"/>
-                </a:moveTo>
-                <a:lnTo>
-                  <a:pt x="2137603" y="578403"/>
-                </a:lnTo>
-                <a:lnTo>
-                  <a:pt x="292910" y="4221080"/>
-                </a:lnTo>
-                <a:lnTo>
-                  <a:pt x="0" y="4221080"/>
-                </a:lnTo>
-                <a:close/>
-              </a:path>
-            </a:pathLst>
-          </a:custGeom>
-          <a:solidFill>
-            <a:srgbClr val="4E2A84"/>
-          </a:solidFill>
-          <a:ln>
-            <a:noFill/>
-          </a:ln>
-        </p:spPr>
-        <p:style>
-          <a:lnRef idx="2">
-            <a:schemeClr val="accent1">
-              <a:shade val="15000"/>
-            </a:schemeClr>
-          </a:lnRef>
-          <a:fillRef idx="1">
-            <a:schemeClr val="accent1"/>
-          </a:fillRef>
-          <a:effectRef idx="0">
-            <a:schemeClr val="accent1"/>
-          </a:effectRef>
-          <a:fontRef idx="minor">
-            <a:schemeClr val="lt1"/>
-          </a:fontRef>
-        </p:style>
-        <p:txBody>
-          <a:bodyPr wrap="square" rtlCol="0" anchor="ctr">
-            <a:noAutofit/>
-          </a:bodyPr>
-          <a:lstStyle/>
-          <a:p>
-            <a:pPr marL="0" marR="0" lvl="0" indent="0" algn="ctr" defTabSz="914400" rtl="0" eaLnBrk="1" fontAlgn="auto" latinLnBrk="0" hangingPunct="1">
-              <a:lnSpc>
-                <a:spcPct val="100000"/>
-              </a:lnSpc>
-              <a:spcBef>
-                <a:spcPts val="0"/>
-              </a:spcBef>
-              <a:spcAft>
-                <a:spcPts val="0"/>
-              </a:spcAft>
-              <a:buClrTx/>
-              <a:buSzTx/>
-              <a:buFontTx/>
+          <p:cNvPr id="2" name="Title 1">
+            <a:extLst>
+              <a:ext uri="{FF2B5EF4-FFF2-40B4-BE49-F238E27FC236}">
+                <a16:creationId xmlns:a16="http://schemas.microsoft.com/office/drawing/2014/main" id="{9645E24C-0A61-2A75-D985-7119E8082C0D}"/>
+              </a:ext>
+            </a:extLst>
+          </p:cNvPr>
+          <p:cNvSpPr>
+            <a:spLocks noGrp="1"/>
+          </p:cNvSpPr>
+          <p:nvPr>
+            <p:ph type="title"/>
+          </p:nvPr>
+        </p:nvSpPr>
+        <p:spPr/>
+        <p:txBody>
+          <a:bodyPr/>
+          <a:lstStyle/>
+          <a:p>
+            <a:r>
+              <a:rPr lang="en-US">
+                <a:solidFill>
+                  <a:srgbClr val="C00000"/>
+                </a:solidFill>
+              </a:rPr>
+              <a:t>Chaos</a:t>
+            </a:r>
+          </a:p>
+        </p:txBody>
+      </p:sp>
+      <p:sp>
+        <p:nvSpPr>
+          <p:cNvPr id="3" name="Content Placeholder 2">
+            <a:extLst>
+              <a:ext uri="{FF2B5EF4-FFF2-40B4-BE49-F238E27FC236}">
+                <a16:creationId xmlns:a16="http://schemas.microsoft.com/office/drawing/2014/main" id="{82BE4F39-DB6D-A740-A44B-CBE3EF8CFAC5}"/>
+              </a:ext>
+            </a:extLst>
+          </p:cNvPr>
+          <p:cNvSpPr>
+            <a:spLocks noGrp="1"/>
+          </p:cNvSpPr>
+          <p:nvPr>
+            <p:ph idx="1"/>
+          </p:nvPr>
+        </p:nvSpPr>
+        <p:spPr/>
+        <p:txBody>
+          <a:bodyPr/>
+          <a:lstStyle/>
+          <a:p>
+            <a:pPr marL="0" indent="0">
               <a:buNone/>
-              <a:tabLst/>
-              <a:defRPr/>
             </a:pPr>
-            <a:endParaRPr kumimoji="0" lang="en-US" sz="1800" b="0" i="0" u="none" strike="noStrike" kern="1200" cap="none" spc="0" normalizeH="0" baseline="0" noProof="0">
-              <a:ln>
-                <a:noFill/>
-              </a:ln>
-              <a:solidFill>
-                <a:prstClr val="white"/>
-              </a:solidFill>
-              <a:effectLst/>
-              <a:uLnTx/>
-              <a:uFillTx/>
-              <a:latin typeface="Aptos" panose="02110004020202020204"/>
-              <a:ea typeface="+mn-ea"/>
-              <a:cs typeface="+mn-cs"/>
-            </a:endParaRPr>
-          </a:p>
-        </p:txBody>
-      </p:sp>
-      <p:sp>
-        <p:nvSpPr>
-          <p:cNvPr id="22" name="Freeform 21">
-            <a:extLst>
-              <a:ext uri="{FF2B5EF4-FFF2-40B4-BE49-F238E27FC236}">
-                <a16:creationId xmlns:a16="http://schemas.microsoft.com/office/drawing/2014/main" id="{46227CF2-B3B4-9012-17BA-5F01C0EAFE97}"/>
-              </a:ext>
-            </a:extLst>
-          </p:cNvPr>
-          <p:cNvSpPr/>
-          <p:nvPr/>
-        </p:nvSpPr>
-        <p:spPr>
-          <a:xfrm>
-            <a:off x="9324482" y="1195572"/>
-            <a:ext cx="2867518" cy="5662428"/>
-          </a:xfrm>
-          <a:custGeom>
-            <a:avLst/>
-            <a:gdLst>
-              <a:gd name="connsiteX0" fmla="*/ 2867518 w 2867518"/>
-              <a:gd name="connsiteY0" fmla="*/ 0 h 5662428"/>
-              <a:gd name="connsiteX1" fmla="*/ 2867518 w 2867518"/>
-              <a:gd name="connsiteY1" fmla="*/ 578403 h 5662428"/>
-              <a:gd name="connsiteX2" fmla="*/ 292910 w 2867518"/>
-              <a:gd name="connsiteY2" fmla="*/ 5662428 h 5662428"/>
-              <a:gd name="connsiteX3" fmla="*/ 0 w 2867518"/>
-              <a:gd name="connsiteY3" fmla="*/ 5662428 h 5662428"/>
-            </a:gdLst>
-            <a:ahLst/>
-            <a:cxnLst>
-              <a:cxn ang="0">
-                <a:pos x="connsiteX0" y="connsiteY0"/>
-              </a:cxn>
-              <a:cxn ang="0">
-                <a:pos x="connsiteX1" y="connsiteY1"/>
-              </a:cxn>
-              <a:cxn ang="0">
-                <a:pos x="connsiteX2" y="connsiteY2"/>
-              </a:cxn>
-              <a:cxn ang="0">
-                <a:pos x="connsiteX3" y="connsiteY3"/>
-              </a:cxn>
-            </a:cxnLst>
-            <a:rect l="l" t="t" r="r" b="b"/>
-            <a:pathLst>
-              <a:path w="2867518" h="5662428">
-                <a:moveTo>
-                  <a:pt x="2867518" y="0"/>
-                </a:moveTo>
-                <a:lnTo>
-                  <a:pt x="2867518" y="578403"/>
-                </a:lnTo>
-                <a:lnTo>
-                  <a:pt x="292910" y="5662428"/>
-                </a:lnTo>
-                <a:lnTo>
-                  <a:pt x="0" y="5662428"/>
-                </a:lnTo>
-                <a:close/>
-              </a:path>
-            </a:pathLst>
-          </a:custGeom>
-          <a:solidFill>
-            <a:srgbClr val="4E2A84"/>
-          </a:solidFill>
-          <a:ln>
-            <a:noFill/>
-          </a:ln>
-        </p:spPr>
-        <p:style>
-          <a:lnRef idx="2">
-            <a:schemeClr val="accent1">
-              <a:shade val="15000"/>
-            </a:schemeClr>
-          </a:lnRef>
-          <a:fillRef idx="1">
-            <a:schemeClr val="accent1"/>
-          </a:fillRef>
-          <a:effectRef idx="0">
-            <a:schemeClr val="accent1"/>
-          </a:effectRef>
-          <a:fontRef idx="minor">
-            <a:schemeClr val="lt1"/>
-          </a:fontRef>
-        </p:style>
-        <p:txBody>
-          <a:bodyPr wrap="square" rtlCol="0" anchor="ctr">
-            <a:noAutofit/>
-          </a:bodyPr>
-          <a:lstStyle/>
-          <a:p>
-            <a:pPr marL="0" marR="0" lvl="0" indent="0" algn="ctr" defTabSz="914400" rtl="0" eaLnBrk="1" fontAlgn="auto" latinLnBrk="0" hangingPunct="1">
-              <a:lnSpc>
-                <a:spcPct val="100000"/>
-              </a:lnSpc>
-              <a:spcBef>
-                <a:spcPts val="0"/>
-              </a:spcBef>
-              <a:spcAft>
-                <a:spcPts val="0"/>
-              </a:spcAft>
-              <a:buClrTx/>
-              <a:buSzTx/>
-              <a:buFontTx/>
-              <a:buNone/>
-              <a:tabLst/>
-              <a:defRPr/>
-            </a:pPr>
-            <a:endParaRPr kumimoji="0" lang="en-US" sz="1800" b="0" i="0" u="none" strike="noStrike" kern="1200" cap="none" spc="0" normalizeH="0" baseline="0" noProof="0">
-              <a:ln>
-                <a:noFill/>
-              </a:ln>
-              <a:solidFill>
-                <a:prstClr val="white"/>
-              </a:solidFill>
-              <a:effectLst/>
-              <a:uLnTx/>
-              <a:uFillTx/>
-              <a:latin typeface="Aptos" panose="02110004020202020204"/>
-              <a:ea typeface="+mn-ea"/>
-              <a:cs typeface="+mn-cs"/>
-            </a:endParaRPr>
-          </a:p>
-        </p:txBody>
-      </p:sp>
-      <p:sp>
-        <p:nvSpPr>
-          <p:cNvPr id="15" name="Parallelogram 14">
-            <a:extLst>
-              <a:ext uri="{FF2B5EF4-FFF2-40B4-BE49-F238E27FC236}">
-                <a16:creationId xmlns:a16="http://schemas.microsoft.com/office/drawing/2014/main" id="{DBEDA763-0CD2-FA7A-251F-8A1AD9BEB56C}"/>
-              </a:ext>
-            </a:extLst>
-          </p:cNvPr>
-          <p:cNvSpPr/>
-          <p:nvPr/>
-        </p:nvSpPr>
-        <p:spPr>
-          <a:xfrm>
-            <a:off x="4981075" y="0"/>
-            <a:ext cx="6845968" cy="6858000"/>
-          </a:xfrm>
-          <a:prstGeom prst="parallelogram">
-            <a:avLst>
-              <a:gd name="adj" fmla="val 49291"/>
-            </a:avLst>
-          </a:prstGeom>
-          <a:solidFill>
-            <a:srgbClr val="4E2A84"/>
-          </a:solidFill>
-          <a:ln>
-            <a:noFill/>
-          </a:ln>
-        </p:spPr>
-        <p:style>
-          <a:lnRef idx="2">
-            <a:schemeClr val="accent1">
-              <a:shade val="15000"/>
-            </a:schemeClr>
-          </a:lnRef>
-          <a:fillRef idx="1">
-            <a:schemeClr val="accent1"/>
-          </a:fillRef>
-          <a:effectRef idx="0">
-            <a:schemeClr val="accent1"/>
-          </a:effectRef>
-          <a:fontRef idx="minor">
-            <a:schemeClr val="lt1"/>
-          </a:fontRef>
-        </p:style>
-        <p:txBody>
-          <a:bodyPr rtlCol="0" anchor="ctr"/>
-          <a:lstStyle/>
-          <a:p>
-            <a:pPr marL="0" marR="0" lvl="0" indent="0" algn="ctr" defTabSz="914400" rtl="0" eaLnBrk="1" fontAlgn="auto" latinLnBrk="0" hangingPunct="1">
-              <a:lnSpc>
-                <a:spcPct val="100000"/>
-              </a:lnSpc>
-              <a:spcBef>
-                <a:spcPts val="0"/>
-              </a:spcBef>
-              <a:spcAft>
-                <a:spcPts val="0"/>
-              </a:spcAft>
-              <a:buClrTx/>
-              <a:buSzTx/>
-              <a:buFontTx/>
-              <a:buNone/>
-              <a:tabLst/>
-              <a:defRPr/>
-            </a:pPr>
-            <a:endParaRPr kumimoji="0" lang="en-US" sz="1800" b="0" i="0" u="none" strike="noStrike" kern="1200" cap="none" spc="0" normalizeH="0" baseline="0" noProof="0">
-              <a:ln>
-                <a:noFill/>
-              </a:ln>
-              <a:solidFill>
-                <a:prstClr val="white"/>
-              </a:solidFill>
-              <a:effectLst/>
-              <a:uLnTx/>
-              <a:uFillTx/>
-              <a:latin typeface="Aptos" panose="02110004020202020204"/>
-              <a:ea typeface="+mn-ea"/>
-              <a:cs typeface="+mn-cs"/>
-            </a:endParaRPr>
-          </a:p>
-        </p:txBody>
-      </p:sp>
-      <p:sp>
-        <p:nvSpPr>
-          <p:cNvPr id="14" name="Parallelogram 13">
-            <a:extLst>
-              <a:ext uri="{FF2B5EF4-FFF2-40B4-BE49-F238E27FC236}">
-                <a16:creationId xmlns:a16="http://schemas.microsoft.com/office/drawing/2014/main" id="{769DDE58-8D8E-A11A-45F8-FF1B2ADD2736}"/>
-              </a:ext>
-            </a:extLst>
-          </p:cNvPr>
-          <p:cNvSpPr/>
-          <p:nvPr/>
-        </p:nvSpPr>
-        <p:spPr>
-          <a:xfrm>
-            <a:off x="3356518" y="0"/>
-            <a:ext cx="4565784" cy="6858000"/>
-          </a:xfrm>
-          <a:prstGeom prst="parallelogram">
-            <a:avLst>
-              <a:gd name="adj" fmla="val 74735"/>
-            </a:avLst>
-          </a:prstGeom>
-          <a:solidFill>
-            <a:srgbClr val="4E2A84"/>
-          </a:solidFill>
-          <a:ln>
-            <a:noFill/>
-          </a:ln>
-        </p:spPr>
-        <p:style>
-          <a:lnRef idx="2">
-            <a:schemeClr val="accent1">
-              <a:shade val="15000"/>
-            </a:schemeClr>
-          </a:lnRef>
-          <a:fillRef idx="1">
-            <a:schemeClr val="accent1"/>
-          </a:fillRef>
-          <a:effectRef idx="0">
-            <a:schemeClr val="accent1"/>
-          </a:effectRef>
-          <a:fontRef idx="minor">
-            <a:schemeClr val="lt1"/>
-          </a:fontRef>
-        </p:style>
-        <p:txBody>
-          <a:bodyPr rtlCol="0" anchor="ctr"/>
-          <a:lstStyle/>
-          <a:p>
-            <a:pPr marL="0" marR="0" lvl="0" indent="0" algn="ctr" defTabSz="914400" rtl="0" eaLnBrk="1" fontAlgn="auto" latinLnBrk="0" hangingPunct="1">
-              <a:lnSpc>
-                <a:spcPct val="100000"/>
-              </a:lnSpc>
-              <a:spcBef>
-                <a:spcPts val="0"/>
-              </a:spcBef>
-              <a:spcAft>
-                <a:spcPts val="0"/>
-              </a:spcAft>
-              <a:buClrTx/>
-              <a:buSzTx/>
-              <a:buFontTx/>
-              <a:buNone/>
-              <a:tabLst/>
-              <a:defRPr/>
-            </a:pPr>
-            <a:endParaRPr kumimoji="0" lang="en-US" sz="1800" b="0" i="0" u="none" strike="noStrike" kern="1200" cap="none" spc="0" normalizeH="0" baseline="0" noProof="0">
-              <a:ln>
-                <a:noFill/>
-              </a:ln>
-              <a:solidFill>
-                <a:prstClr val="white"/>
-              </a:solidFill>
-              <a:effectLst/>
-              <a:uLnTx/>
-              <a:uFillTx/>
-              <a:latin typeface="Aptos" panose="02110004020202020204"/>
-              <a:ea typeface="+mn-ea"/>
-              <a:cs typeface="+mn-cs"/>
-            </a:endParaRPr>
-          </a:p>
-        </p:txBody>
-      </p:sp>
-      <p:sp>
-        <p:nvSpPr>
-          <p:cNvPr id="2" name="TextBox 1">
-            <a:extLst>
-              <a:ext uri="{FF2B5EF4-FFF2-40B4-BE49-F238E27FC236}">
-                <a16:creationId xmlns:a16="http://schemas.microsoft.com/office/drawing/2014/main" id="{F2C42C00-7032-1204-CA48-F326F0A9CFF8}"/>
-              </a:ext>
-            </a:extLst>
-          </p:cNvPr>
-          <p:cNvSpPr txBox="1">
-            <a:spLocks noGrp="1" noRot="1" noMove="1" noResize="1" noEditPoints="1" noAdjustHandles="1" noChangeArrowheads="1" noChangeShapeType="1"/>
-          </p:cNvSpPr>
-          <p:nvPr/>
-        </p:nvSpPr>
-        <p:spPr>
-          <a:xfrm>
-            <a:off x="0" y="3208103"/>
-            <a:ext cx="12192000" cy="2286000"/>
-          </a:xfrm>
-          <a:prstGeom prst="rect">
-            <a:avLst/>
-          </a:prstGeom>
-          <a:solidFill>
-            <a:srgbClr val="E4E0EE"/>
-          </a:solidFill>
-        </p:spPr>
-        <p:txBody>
-          <a:bodyPr wrap="square" lIns="914400" rIns="914400" rtlCol="0" anchor="ctr">
-            <a:noAutofit/>
-          </a:bodyPr>
-          <a:lstStyle/>
-          <a:p>
-            <a:pPr marL="0" marR="0" lvl="0" indent="0" algn="l" defTabSz="914400" rtl="0" eaLnBrk="1" fontAlgn="auto" latinLnBrk="0" hangingPunct="1">
-              <a:lnSpc>
-                <a:spcPct val="100000"/>
-              </a:lnSpc>
-              <a:spcBef>
-                <a:spcPts val="0"/>
-              </a:spcBef>
-              <a:spcAft>
-                <a:spcPts val="0"/>
-              </a:spcAft>
-              <a:buClrTx/>
-              <a:buSzTx/>
-              <a:buFontTx/>
-              <a:buNone/>
-              <a:tabLst/>
-              <a:defRPr/>
-            </a:pPr>
-            <a:r>
-              <a:rPr kumimoji="0" lang="en-US" sz="4800" b="0" i="0" u="none" strike="noStrike" kern="1200" cap="none" spc="0" normalizeH="0" baseline="0" noProof="0">
-                <a:ln>
-                  <a:noFill/>
-                </a:ln>
-                <a:solidFill>
-                  <a:schemeClr val="tx1">
-                    <a:lumMod val="65000"/>
-                    <a:lumOff val="35000"/>
-                  </a:schemeClr>
-                </a:solidFill>
-                <a:effectLst/>
-                <a:uLnTx/>
-                <a:uFillTx/>
-                <a:latin typeface="Arial" panose="020B0604020202020204" pitchFamily="34" charset="0"/>
-                <a:ea typeface="+mn-ea"/>
-                <a:cs typeface="Arial" panose="020B0604020202020204" pitchFamily="34" charset="0"/>
-              </a:rPr>
-              <a:t>Recap</a:t>
+            <a:r>
+              <a:rPr lang="en-US"/>
+              <a:t>Go to the Chaos folder, reorganize it and rename files based on the principles we learned today.</a:t>
+            </a:r>
+          </a:p>
+          <a:p>
+            <a:r>
+              <a:rPr lang="en-US"/>
+              <a:t>All files in this example folder pertain to the same project.</a:t>
+            </a:r>
+          </a:p>
+          <a:p>
+            <a:r>
+              <a:rPr lang="en-US"/>
+              <a:t>The mock files are empty, they are there just for practice.</a:t>
+            </a:r>
+          </a:p>
+          <a:p>
+            <a:r>
+              <a:rPr lang="en-US"/>
+              <a:t>If there are folders or files that you think must be added, feel free to do so!</a:t>
             </a:r>
           </a:p>
         </p:txBody>
@@ -26907,7 +27064,7 @@
     </p:spTree>
     <p:extLst>
       <p:ext uri="{BB962C8B-B14F-4D97-AF65-F5344CB8AC3E}">
-        <p14:creationId xmlns:p14="http://schemas.microsoft.com/office/powerpoint/2010/main" val="2089355000"/>
+        <p14:creationId xmlns:p14="http://schemas.microsoft.com/office/powerpoint/2010/main" val="3912562989"/>
       </p:ext>
     </p:extLst>
   </p:cSld>
